--- a/Resources.pptx
+++ b/Resources.pptx
@@ -20,6 +20,8 @@
     <p:sldId id="269" r:id="rId14"/>
     <p:sldId id="268" r:id="rId15"/>
     <p:sldId id="270" r:id="rId16"/>
+    <p:sldId id="271" r:id="rId17"/>
+    <p:sldId id="272" r:id="rId18"/>
   </p:sldIdLst>
   <p:sldSz cx="12192000" cy="6858000"/>
   <p:notesSz cx="6858000" cy="9144000"/>
@@ -118,6 +120,11 @@
       </a:defRPr>
     </a:lvl9pPr>
   </p:defaultTextStyle>
+  <p:extLst>
+    <p:ext uri="{EFAFB233-063F-42B5-8137-9DF3F51BA10A}">
+      <p15:sldGuideLst xmlns:p15="http://schemas.microsoft.com/office/powerpoint/2012/main"/>
+    </p:ext>
+  </p:extLst>
 </p:presentation>
 </file>
 
@@ -4487,7 +4494,7 @@
           </p:blipFill>
           <p:spPr>
             <a:xfrm>
-              <a:off x="1309528" y="972071"/>
+              <a:off x="1174618" y="972071"/>
               <a:ext cx="4783215" cy="4783215"/>
             </a:xfrm>
             <a:prstGeom prst="rect">
@@ -4600,6 +4607,541 @@
     <p:extLst>
       <p:ext uri="{BB962C8B-B14F-4D97-AF65-F5344CB8AC3E}">
         <p14:creationId xmlns:p14="http://schemas.microsoft.com/office/powerpoint/2010/main" val="3251639612"/>
+      </p:ext>
+    </p:extLst>
+  </p:cSld>
+  <p:clrMapOvr>
+    <a:masterClrMapping/>
+  </p:clrMapOvr>
+</p:sld>
+</file>
+
+<file path=ppt/slides/slide16.xml><?xml version="1.0" encoding="utf-8"?>
+<p:sld xmlns:a="http://schemas.openxmlformats.org/drawingml/2006/main" xmlns:r="http://schemas.openxmlformats.org/officeDocument/2006/relationships" xmlns:p="http://schemas.openxmlformats.org/presentationml/2006/main">
+  <p:cSld>
+    <p:spTree>
+      <p:nvGrpSpPr>
+        <p:cNvPr id="1" name=""/>
+        <p:cNvGrpSpPr/>
+        <p:nvPr/>
+      </p:nvGrpSpPr>
+      <p:grpSpPr>
+        <a:xfrm>
+          <a:off x="0" y="0"/>
+          <a:ext cx="0" cy="0"/>
+          <a:chOff x="0" y="0"/>
+          <a:chExt cx="0" cy="0"/>
+        </a:xfrm>
+      </p:grpSpPr>
+      <p:sp>
+        <p:nvSpPr>
+          <p:cNvPr id="5" name="文本框 4">
+            <a:extLst>
+              <a:ext uri="{FF2B5EF4-FFF2-40B4-BE49-F238E27FC236}">
+                <a16:creationId xmlns:a16="http://schemas.microsoft.com/office/drawing/2014/main" id="{0002241C-DE23-3C4B-991F-64F962F8E7D5}"/>
+              </a:ext>
+            </a:extLst>
+          </p:cNvPr>
+          <p:cNvSpPr txBox="1"/>
+          <p:nvPr/>
+        </p:nvSpPr>
+        <p:spPr>
+          <a:xfrm>
+            <a:off x="8184916" y="1508584"/>
+            <a:ext cx="1309974" cy="369332"/>
+          </a:xfrm>
+          <a:prstGeom prst="rect">
+            <a:avLst/>
+          </a:prstGeom>
+          <a:noFill/>
+        </p:spPr>
+        <p:txBody>
+          <a:bodyPr wrap="none" rtlCol="0">
+            <a:spAutoFit/>
+          </a:bodyPr>
+          <a:lstStyle/>
+          <a:p>
+            <a:r>
+              <a:rPr kumimoji="1" lang="en-US" altLang="zh-CN" dirty="0"/>
+              <a:t>+4 </a:t>
+            </a:r>
+            <a:r>
+              <a:rPr kumimoji="1" lang="en-US" altLang="zh-CN" dirty="0" err="1"/>
+              <a:t>defence</a:t>
+            </a:r>
+            <a:endParaRPr kumimoji="1" lang="en-US" altLang="zh-CN" dirty="0"/>
+          </a:p>
+        </p:txBody>
+      </p:sp>
+      <p:grpSp>
+        <p:nvGrpSpPr>
+          <p:cNvPr id="10" name="组合 9">
+            <a:extLst>
+              <a:ext uri="{FF2B5EF4-FFF2-40B4-BE49-F238E27FC236}">
+                <a16:creationId xmlns:a16="http://schemas.microsoft.com/office/drawing/2014/main" id="{CABAFFB5-AD67-734F-BF5E-4D7B1B6A40D1}"/>
+              </a:ext>
+            </a:extLst>
+          </p:cNvPr>
+          <p:cNvGrpSpPr/>
+          <p:nvPr/>
+        </p:nvGrpSpPr>
+        <p:grpSpPr>
+          <a:xfrm>
+            <a:off x="794657" y="457200"/>
+            <a:ext cx="5812972" cy="5812972"/>
+            <a:chOff x="794657" y="457200"/>
+            <a:chExt cx="5812972" cy="5812972"/>
+          </a:xfrm>
+        </p:grpSpPr>
+        <p:sp>
+          <p:nvSpPr>
+            <p:cNvPr id="6" name="矩形 5">
+              <a:extLst>
+                <a:ext uri="{FF2B5EF4-FFF2-40B4-BE49-F238E27FC236}">
+                  <a16:creationId xmlns:a16="http://schemas.microsoft.com/office/drawing/2014/main" id="{F5A1AC32-00C0-C043-AE69-D58FABE23C6D}"/>
+                </a:ext>
+              </a:extLst>
+            </p:cNvPr>
+            <p:cNvSpPr/>
+            <p:nvPr/>
+          </p:nvSpPr>
+          <p:spPr>
+            <a:xfrm>
+              <a:off x="794657" y="457200"/>
+              <a:ext cx="5812972" cy="5812972"/>
+            </a:xfrm>
+            <a:prstGeom prst="rect">
+              <a:avLst/>
+            </a:prstGeom>
+            <a:noFill/>
+            <a:ln w="25400">
+              <a:solidFill>
+                <a:schemeClr val="tx2"/>
+              </a:solidFill>
+            </a:ln>
+            <a:effectLst>
+              <a:glow rad="101600">
+                <a:schemeClr val="accent3">
+                  <a:satMod val="175000"/>
+                  <a:alpha val="40000"/>
+                </a:schemeClr>
+              </a:glow>
+            </a:effectLst>
+          </p:spPr>
+          <p:style>
+            <a:lnRef idx="2">
+              <a:schemeClr val="accent1">
+                <a:shade val="50000"/>
+              </a:schemeClr>
+            </a:lnRef>
+            <a:fillRef idx="1">
+              <a:schemeClr val="accent1"/>
+            </a:fillRef>
+            <a:effectRef idx="0">
+              <a:schemeClr val="accent1"/>
+            </a:effectRef>
+            <a:fontRef idx="minor">
+              <a:schemeClr val="lt1"/>
+            </a:fontRef>
+          </p:style>
+          <p:txBody>
+            <a:bodyPr rtlCol="0" anchor="ctr"/>
+            <a:lstStyle/>
+            <a:p>
+              <a:pPr algn="ctr"/>
+              <a:endParaRPr kumimoji="1" lang="zh-CN" altLang="en-US"/>
+            </a:p>
+          </p:txBody>
+        </p:sp>
+        <p:grpSp>
+          <p:nvGrpSpPr>
+            <p:cNvPr id="9" name="组合 8">
+              <a:extLst>
+                <a:ext uri="{FF2B5EF4-FFF2-40B4-BE49-F238E27FC236}">
+                  <a16:creationId xmlns:a16="http://schemas.microsoft.com/office/drawing/2014/main" id="{51B95604-00BA-1B44-8FC9-7C993E221FF2}"/>
+                </a:ext>
+              </a:extLst>
+            </p:cNvPr>
+            <p:cNvGrpSpPr/>
+            <p:nvPr/>
+          </p:nvGrpSpPr>
+          <p:grpSpPr>
+            <a:xfrm>
+              <a:off x="1264327" y="1418676"/>
+              <a:ext cx="4873632" cy="4020647"/>
+              <a:chOff x="1309528" y="972069"/>
+              <a:chExt cx="5797982" cy="4783217"/>
+            </a:xfrm>
+          </p:grpSpPr>
+          <p:pic>
+            <p:nvPicPr>
+              <p:cNvPr id="3" name="图形 2" descr="风铃">
+                <a:extLst>
+                  <a:ext uri="{FF2B5EF4-FFF2-40B4-BE49-F238E27FC236}">
+                    <a16:creationId xmlns:a16="http://schemas.microsoft.com/office/drawing/2014/main" id="{56E6E282-202E-C04A-ACE7-E4789966F852}"/>
+                  </a:ext>
+                </a:extLst>
+              </p:cNvPr>
+              <p:cNvPicPr>
+                <a:picLocks noChangeAspect="1"/>
+              </p:cNvPicPr>
+              <p:nvPr/>
+            </p:nvPicPr>
+            <p:blipFill>
+              <a:blip r:embed="rId2">
+                <a:extLst>
+                  <a:ext uri="{96DAC541-7B7A-43D3-8B79-37D633B846F1}">
+                    <asvg:svgBlip xmlns:asvg="http://schemas.microsoft.com/office/drawing/2016/SVG/main" r:embed="rId3"/>
+                  </a:ext>
+                </a:extLst>
+              </a:blip>
+              <a:stretch>
+                <a:fillRect/>
+              </a:stretch>
+            </p:blipFill>
+            <p:spPr>
+              <a:xfrm>
+                <a:off x="1309528" y="972071"/>
+                <a:ext cx="4783215" cy="4783215"/>
+              </a:xfrm>
+              <a:prstGeom prst="rect">
+                <a:avLst/>
+              </a:prstGeom>
+            </p:spPr>
+          </p:pic>
+          <p:pic>
+            <p:nvPicPr>
+              <p:cNvPr id="7" name="图形 6" descr="风铃">
+                <a:extLst>
+                  <a:ext uri="{FF2B5EF4-FFF2-40B4-BE49-F238E27FC236}">
+                    <a16:creationId xmlns:a16="http://schemas.microsoft.com/office/drawing/2014/main" id="{69192C43-94F9-4C46-B465-D819059415A4}"/>
+                  </a:ext>
+                </a:extLst>
+              </p:cNvPr>
+              <p:cNvPicPr>
+                <a:picLocks noChangeAspect="1"/>
+              </p:cNvPicPr>
+              <p:nvPr/>
+            </p:nvPicPr>
+            <p:blipFill>
+              <a:blip r:embed="rId2">
+                <a:extLst>
+                  <a:ext uri="{96DAC541-7B7A-43D3-8B79-37D633B846F1}">
+                    <asvg:svgBlip xmlns:asvg="http://schemas.microsoft.com/office/drawing/2016/SVG/main" r:embed="rId3"/>
+                  </a:ext>
+                </a:extLst>
+              </a:blip>
+              <a:stretch>
+                <a:fillRect/>
+              </a:stretch>
+            </p:blipFill>
+            <p:spPr>
+              <a:xfrm flipH="1">
+                <a:off x="2324297" y="972069"/>
+                <a:ext cx="4783213" cy="4783215"/>
+              </a:xfrm>
+              <a:prstGeom prst="rect">
+                <a:avLst/>
+              </a:prstGeom>
+            </p:spPr>
+          </p:pic>
+        </p:grpSp>
+      </p:grpSp>
+    </p:spTree>
+    <p:extLst>
+      <p:ext uri="{BB962C8B-B14F-4D97-AF65-F5344CB8AC3E}">
+        <p14:creationId xmlns:p14="http://schemas.microsoft.com/office/powerpoint/2010/main" val="3151090807"/>
+      </p:ext>
+    </p:extLst>
+  </p:cSld>
+  <p:clrMapOvr>
+    <a:masterClrMapping/>
+  </p:clrMapOvr>
+</p:sld>
+</file>
+
+<file path=ppt/slides/slide17.xml><?xml version="1.0" encoding="utf-8"?>
+<p:sld xmlns:a="http://schemas.openxmlformats.org/drawingml/2006/main" xmlns:r="http://schemas.openxmlformats.org/officeDocument/2006/relationships" xmlns:p="http://schemas.openxmlformats.org/presentationml/2006/main">
+  <p:cSld>
+    <p:spTree>
+      <p:nvGrpSpPr>
+        <p:cNvPr id="1" name=""/>
+        <p:cNvGrpSpPr/>
+        <p:nvPr/>
+      </p:nvGrpSpPr>
+      <p:grpSpPr>
+        <a:xfrm>
+          <a:off x="0" y="0"/>
+          <a:ext cx="0" cy="0"/>
+          <a:chOff x="0" y="0"/>
+          <a:chExt cx="0" cy="0"/>
+        </a:xfrm>
+      </p:grpSpPr>
+      <p:sp>
+        <p:nvSpPr>
+          <p:cNvPr id="5" name="文本框 4">
+            <a:extLst>
+              <a:ext uri="{FF2B5EF4-FFF2-40B4-BE49-F238E27FC236}">
+                <a16:creationId xmlns:a16="http://schemas.microsoft.com/office/drawing/2014/main" id="{0002241C-DE23-3C4B-991F-64F962F8E7D5}"/>
+              </a:ext>
+            </a:extLst>
+          </p:cNvPr>
+          <p:cNvSpPr txBox="1"/>
+          <p:nvPr/>
+        </p:nvSpPr>
+        <p:spPr>
+          <a:xfrm>
+            <a:off x="8184916" y="1508584"/>
+            <a:ext cx="1309974" cy="369332"/>
+          </a:xfrm>
+          <a:prstGeom prst="rect">
+            <a:avLst/>
+          </a:prstGeom>
+          <a:noFill/>
+        </p:spPr>
+        <p:txBody>
+          <a:bodyPr wrap="none" rtlCol="0">
+            <a:spAutoFit/>
+          </a:bodyPr>
+          <a:lstStyle/>
+          <a:p>
+            <a:r>
+              <a:rPr kumimoji="1" lang="en-US" altLang="zh-CN" dirty="0"/>
+              <a:t>+4 </a:t>
+            </a:r>
+            <a:r>
+              <a:rPr kumimoji="1" lang="en-US" altLang="zh-CN" dirty="0" err="1"/>
+              <a:t>defence</a:t>
+            </a:r>
+            <a:endParaRPr kumimoji="1" lang="en-US" altLang="zh-CN" dirty="0"/>
+          </a:p>
+        </p:txBody>
+      </p:sp>
+      <p:grpSp>
+        <p:nvGrpSpPr>
+          <p:cNvPr id="10" name="组合 9">
+            <a:extLst>
+              <a:ext uri="{FF2B5EF4-FFF2-40B4-BE49-F238E27FC236}">
+                <a16:creationId xmlns:a16="http://schemas.microsoft.com/office/drawing/2014/main" id="{CABAFFB5-AD67-734F-BF5E-4D7B1B6A40D1}"/>
+              </a:ext>
+            </a:extLst>
+          </p:cNvPr>
+          <p:cNvGrpSpPr/>
+          <p:nvPr/>
+        </p:nvGrpSpPr>
+        <p:grpSpPr>
+          <a:xfrm>
+            <a:off x="794657" y="457200"/>
+            <a:ext cx="5812972" cy="5812972"/>
+            <a:chOff x="794657" y="457200"/>
+            <a:chExt cx="5812972" cy="5812972"/>
+          </a:xfrm>
+        </p:grpSpPr>
+        <p:sp>
+          <p:nvSpPr>
+            <p:cNvPr id="6" name="矩形 5">
+              <a:extLst>
+                <a:ext uri="{FF2B5EF4-FFF2-40B4-BE49-F238E27FC236}">
+                  <a16:creationId xmlns:a16="http://schemas.microsoft.com/office/drawing/2014/main" id="{F5A1AC32-00C0-C043-AE69-D58FABE23C6D}"/>
+                </a:ext>
+              </a:extLst>
+            </p:cNvPr>
+            <p:cNvSpPr/>
+            <p:nvPr/>
+          </p:nvSpPr>
+          <p:spPr>
+            <a:xfrm>
+              <a:off x="794657" y="457200"/>
+              <a:ext cx="5812972" cy="5812972"/>
+            </a:xfrm>
+            <a:prstGeom prst="rect">
+              <a:avLst/>
+            </a:prstGeom>
+            <a:noFill/>
+            <a:ln w="25400">
+              <a:solidFill>
+                <a:schemeClr val="tx2"/>
+              </a:solidFill>
+            </a:ln>
+            <a:effectLst>
+              <a:glow rad="101600">
+                <a:schemeClr val="accent3">
+                  <a:satMod val="175000"/>
+                  <a:alpha val="40000"/>
+                </a:schemeClr>
+              </a:glow>
+            </a:effectLst>
+          </p:spPr>
+          <p:style>
+            <a:lnRef idx="2">
+              <a:schemeClr val="accent1">
+                <a:shade val="50000"/>
+              </a:schemeClr>
+            </a:lnRef>
+            <a:fillRef idx="1">
+              <a:schemeClr val="accent1"/>
+            </a:fillRef>
+            <a:effectRef idx="0">
+              <a:schemeClr val="accent1"/>
+            </a:effectRef>
+            <a:fontRef idx="minor">
+              <a:schemeClr val="lt1"/>
+            </a:fontRef>
+          </p:style>
+          <p:txBody>
+            <a:bodyPr rtlCol="0" anchor="ctr"/>
+            <a:lstStyle/>
+            <a:p>
+              <a:pPr algn="ctr"/>
+              <a:endParaRPr kumimoji="1" lang="zh-CN" altLang="en-US"/>
+            </a:p>
+          </p:txBody>
+        </p:sp>
+        <p:grpSp>
+          <p:nvGrpSpPr>
+            <p:cNvPr id="9" name="组合 8">
+              <a:extLst>
+                <a:ext uri="{FF2B5EF4-FFF2-40B4-BE49-F238E27FC236}">
+                  <a16:creationId xmlns:a16="http://schemas.microsoft.com/office/drawing/2014/main" id="{51B95604-00BA-1B44-8FC9-7C993E221FF2}"/>
+                </a:ext>
+              </a:extLst>
+            </p:cNvPr>
+            <p:cNvGrpSpPr/>
+            <p:nvPr/>
+          </p:nvGrpSpPr>
+          <p:grpSpPr>
+            <a:xfrm>
+              <a:off x="1264327" y="1418676"/>
+              <a:ext cx="4873632" cy="4020647"/>
+              <a:chOff x="1309528" y="972069"/>
+              <a:chExt cx="5797982" cy="4783217"/>
+            </a:xfrm>
+          </p:grpSpPr>
+          <p:pic>
+            <p:nvPicPr>
+              <p:cNvPr id="3" name="图形 2" descr="风铃">
+                <a:extLst>
+                  <a:ext uri="{FF2B5EF4-FFF2-40B4-BE49-F238E27FC236}">
+                    <a16:creationId xmlns:a16="http://schemas.microsoft.com/office/drawing/2014/main" id="{56E6E282-202E-C04A-ACE7-E4789966F852}"/>
+                  </a:ext>
+                </a:extLst>
+              </p:cNvPr>
+              <p:cNvPicPr>
+                <a:picLocks noChangeAspect="1"/>
+              </p:cNvPicPr>
+              <p:nvPr/>
+            </p:nvPicPr>
+            <p:blipFill>
+              <a:blip r:embed="rId2">
+                <a:extLst>
+                  <a:ext uri="{96DAC541-7B7A-43D3-8B79-37D633B846F1}">
+                    <asvg:svgBlip xmlns:asvg="http://schemas.microsoft.com/office/drawing/2016/SVG/main" r:embed="rId3"/>
+                  </a:ext>
+                </a:extLst>
+              </a:blip>
+              <a:stretch>
+                <a:fillRect/>
+              </a:stretch>
+            </p:blipFill>
+            <p:spPr>
+              <a:xfrm>
+                <a:off x="1309528" y="972071"/>
+                <a:ext cx="4783215" cy="4783215"/>
+              </a:xfrm>
+              <a:prstGeom prst="rect">
+                <a:avLst/>
+              </a:prstGeom>
+            </p:spPr>
+          </p:pic>
+          <p:pic>
+            <p:nvPicPr>
+              <p:cNvPr id="7" name="图形 6" descr="风铃">
+                <a:extLst>
+                  <a:ext uri="{FF2B5EF4-FFF2-40B4-BE49-F238E27FC236}">
+                    <a16:creationId xmlns:a16="http://schemas.microsoft.com/office/drawing/2014/main" id="{69192C43-94F9-4C46-B465-D819059415A4}"/>
+                  </a:ext>
+                </a:extLst>
+              </p:cNvPr>
+              <p:cNvPicPr>
+                <a:picLocks noChangeAspect="1"/>
+              </p:cNvPicPr>
+              <p:nvPr/>
+            </p:nvPicPr>
+            <p:blipFill>
+              <a:blip r:embed="rId2">
+                <a:extLst>
+                  <a:ext uri="{96DAC541-7B7A-43D3-8B79-37D633B846F1}">
+                    <asvg:svgBlip xmlns:asvg="http://schemas.microsoft.com/office/drawing/2016/SVG/main" r:embed="rId3"/>
+                  </a:ext>
+                </a:extLst>
+              </a:blip>
+              <a:stretch>
+                <a:fillRect/>
+              </a:stretch>
+            </p:blipFill>
+            <p:spPr>
+              <a:xfrm flipH="1">
+                <a:off x="2324297" y="972069"/>
+                <a:ext cx="4783213" cy="4783215"/>
+              </a:xfrm>
+              <a:prstGeom prst="rect">
+                <a:avLst/>
+              </a:prstGeom>
+            </p:spPr>
+          </p:pic>
+        </p:grpSp>
+      </p:grpSp>
+      <p:pic>
+        <p:nvPicPr>
+          <p:cNvPr id="1026" name="Picture 2" descr="杀戮尖塔机器人爪击介绍_故障机器人爪击怎么样_3DM单机">
+            <a:extLst>
+              <a:ext uri="{FF2B5EF4-FFF2-40B4-BE49-F238E27FC236}">
+                <a16:creationId xmlns:a16="http://schemas.microsoft.com/office/drawing/2014/main" id="{6A0E5607-DE06-45CB-A7F0-6FC11B513196}"/>
+              </a:ext>
+            </a:extLst>
+          </p:cNvPr>
+          <p:cNvPicPr>
+            <a:picLocks noChangeAspect="1" noChangeArrowheads="1"/>
+          </p:cNvPicPr>
+          <p:nvPr/>
+        </p:nvPicPr>
+        <p:blipFill>
+          <a:blip r:embed="rId4">
+            <a:extLst>
+              <a:ext uri="{28A0092B-C50C-407E-A947-70E740481C1C}">
+                <a14:useLocalDpi xmlns:a14="http://schemas.microsoft.com/office/drawing/2010/main" val="0"/>
+              </a:ext>
+            </a:extLst>
+          </a:blip>
+          <a:srcRect/>
+          <a:stretch>
+            <a:fillRect/>
+          </a:stretch>
+        </p:blipFill>
+        <p:spPr bwMode="auto">
+          <a:xfrm>
+            <a:off x="9494890" y="3111041"/>
+            <a:ext cx="1714500" cy="2238375"/>
+          </a:xfrm>
+          <a:prstGeom prst="rect">
+            <a:avLst/>
+          </a:prstGeom>
+          <a:noFill/>
+          <a:extLst>
+            <a:ext uri="{909E8E84-426E-40DD-AFC4-6F175D3DCCD1}">
+              <a14:hiddenFill xmlns:a14="http://schemas.microsoft.com/office/drawing/2010/main">
+                <a:solidFill>
+                  <a:srgbClr val="FFFFFF"/>
+                </a:solidFill>
+              </a14:hiddenFill>
+            </a:ext>
+          </a:extLst>
+        </p:spPr>
+      </p:pic>
+    </p:spTree>
+    <p:extLst>
+      <p:ext uri="{BB962C8B-B14F-4D97-AF65-F5344CB8AC3E}">
+        <p14:creationId xmlns:p14="http://schemas.microsoft.com/office/powerpoint/2010/main" val="3910105766"/>
       </p:ext>
     </p:extLst>
   </p:cSld>
@@ -5093,9 +5635,10 @@
               <a:avLst/>
             </a:prstGeom>
             <a:effectLst>
-              <a:glow rad="254000">
+              <a:glow rad="190500">
                 <a:schemeClr val="accent4">
                   <a:satMod val="175000"/>
+                  <a:alpha val="40000"/>
                 </a:schemeClr>
               </a:glow>
             </a:effectLst>

--- a/Resources.pptx
+++ b/Resources.pptx
@@ -6,22 +6,23 @@
   </p:sldMasterIdLst>
   <p:sldIdLst>
     <p:sldId id="256" r:id="rId2"/>
-    <p:sldId id="257" r:id="rId3"/>
-    <p:sldId id="258" r:id="rId4"/>
-    <p:sldId id="259" r:id="rId5"/>
-    <p:sldId id="260" r:id="rId6"/>
-    <p:sldId id="261" r:id="rId7"/>
-    <p:sldId id="262" r:id="rId8"/>
-    <p:sldId id="263" r:id="rId9"/>
-    <p:sldId id="265" r:id="rId10"/>
-    <p:sldId id="264" r:id="rId11"/>
-    <p:sldId id="266" r:id="rId12"/>
-    <p:sldId id="267" r:id="rId13"/>
-    <p:sldId id="269" r:id="rId14"/>
-    <p:sldId id="268" r:id="rId15"/>
-    <p:sldId id="270" r:id="rId16"/>
-    <p:sldId id="271" r:id="rId17"/>
-    <p:sldId id="272" r:id="rId18"/>
+    <p:sldId id="273" r:id="rId3"/>
+    <p:sldId id="257" r:id="rId4"/>
+    <p:sldId id="258" r:id="rId5"/>
+    <p:sldId id="259" r:id="rId6"/>
+    <p:sldId id="260" r:id="rId7"/>
+    <p:sldId id="261" r:id="rId8"/>
+    <p:sldId id="262" r:id="rId9"/>
+    <p:sldId id="263" r:id="rId10"/>
+    <p:sldId id="265" r:id="rId11"/>
+    <p:sldId id="264" r:id="rId12"/>
+    <p:sldId id="266" r:id="rId13"/>
+    <p:sldId id="267" r:id="rId14"/>
+    <p:sldId id="269" r:id="rId15"/>
+    <p:sldId id="268" r:id="rId16"/>
+    <p:sldId id="270" r:id="rId17"/>
+    <p:sldId id="271" r:id="rId18"/>
+    <p:sldId id="272" r:id="rId19"/>
   </p:sldIdLst>
   <p:sldSz cx="12192000" cy="6858000"/>
   <p:notesSz cx="6858000" cy="9144000"/>
@@ -275,7 +276,7 @@
           <a:p>
             <a:fld id="{7ED0FE29-CDD1-AB47-9427-D04D6D9DA8E1}" type="datetimeFigureOut">
               <a:rPr kumimoji="1" lang="zh-CN" altLang="en-US" smtClean="0"/>
-              <a:t>2021/5/18</a:t>
+              <a:t>2021/5/19</a:t>
             </a:fld>
             <a:endParaRPr kumimoji="1" lang="zh-CN" altLang="en-US"/>
           </a:p>
@@ -473,7 +474,7 @@
           <a:p>
             <a:fld id="{7ED0FE29-CDD1-AB47-9427-D04D6D9DA8E1}" type="datetimeFigureOut">
               <a:rPr kumimoji="1" lang="zh-CN" altLang="en-US" smtClean="0"/>
-              <a:t>2021/5/18</a:t>
+              <a:t>2021/5/19</a:t>
             </a:fld>
             <a:endParaRPr kumimoji="1" lang="zh-CN" altLang="en-US"/>
           </a:p>
@@ -681,7 +682,7 @@
           <a:p>
             <a:fld id="{7ED0FE29-CDD1-AB47-9427-D04D6D9DA8E1}" type="datetimeFigureOut">
               <a:rPr kumimoji="1" lang="zh-CN" altLang="en-US" smtClean="0"/>
-              <a:t>2021/5/18</a:t>
+              <a:t>2021/5/19</a:t>
             </a:fld>
             <a:endParaRPr kumimoji="1" lang="zh-CN" altLang="en-US"/>
           </a:p>
@@ -879,7 +880,7 @@
           <a:p>
             <a:fld id="{7ED0FE29-CDD1-AB47-9427-D04D6D9DA8E1}" type="datetimeFigureOut">
               <a:rPr kumimoji="1" lang="zh-CN" altLang="en-US" smtClean="0"/>
-              <a:t>2021/5/18</a:t>
+              <a:t>2021/5/19</a:t>
             </a:fld>
             <a:endParaRPr kumimoji="1" lang="zh-CN" altLang="en-US"/>
           </a:p>
@@ -1154,7 +1155,7 @@
           <a:p>
             <a:fld id="{7ED0FE29-CDD1-AB47-9427-D04D6D9DA8E1}" type="datetimeFigureOut">
               <a:rPr kumimoji="1" lang="zh-CN" altLang="en-US" smtClean="0"/>
-              <a:t>2021/5/18</a:t>
+              <a:t>2021/5/19</a:t>
             </a:fld>
             <a:endParaRPr kumimoji="1" lang="zh-CN" altLang="en-US"/>
           </a:p>
@@ -1419,7 +1420,7 @@
           <a:p>
             <a:fld id="{7ED0FE29-CDD1-AB47-9427-D04D6D9DA8E1}" type="datetimeFigureOut">
               <a:rPr kumimoji="1" lang="zh-CN" altLang="en-US" smtClean="0"/>
-              <a:t>2021/5/18</a:t>
+              <a:t>2021/5/19</a:t>
             </a:fld>
             <a:endParaRPr kumimoji="1" lang="zh-CN" altLang="en-US"/>
           </a:p>
@@ -1831,7 +1832,7 @@
           <a:p>
             <a:fld id="{7ED0FE29-CDD1-AB47-9427-D04D6D9DA8E1}" type="datetimeFigureOut">
               <a:rPr kumimoji="1" lang="zh-CN" altLang="en-US" smtClean="0"/>
-              <a:t>2021/5/18</a:t>
+              <a:t>2021/5/19</a:t>
             </a:fld>
             <a:endParaRPr kumimoji="1" lang="zh-CN" altLang="en-US"/>
           </a:p>
@@ -1972,7 +1973,7 @@
           <a:p>
             <a:fld id="{7ED0FE29-CDD1-AB47-9427-D04D6D9DA8E1}" type="datetimeFigureOut">
               <a:rPr kumimoji="1" lang="zh-CN" altLang="en-US" smtClean="0"/>
-              <a:t>2021/5/18</a:t>
+              <a:t>2021/5/19</a:t>
             </a:fld>
             <a:endParaRPr kumimoji="1" lang="zh-CN" altLang="en-US"/>
           </a:p>
@@ -2085,7 +2086,7 @@
           <a:p>
             <a:fld id="{7ED0FE29-CDD1-AB47-9427-D04D6D9DA8E1}" type="datetimeFigureOut">
               <a:rPr kumimoji="1" lang="zh-CN" altLang="en-US" smtClean="0"/>
-              <a:t>2021/5/18</a:t>
+              <a:t>2021/5/19</a:t>
             </a:fld>
             <a:endParaRPr kumimoji="1" lang="zh-CN" altLang="en-US"/>
           </a:p>
@@ -2396,7 +2397,7 @@
           <a:p>
             <a:fld id="{7ED0FE29-CDD1-AB47-9427-D04D6D9DA8E1}" type="datetimeFigureOut">
               <a:rPr kumimoji="1" lang="zh-CN" altLang="en-US" smtClean="0"/>
-              <a:t>2021/5/18</a:t>
+              <a:t>2021/5/19</a:t>
             </a:fld>
             <a:endParaRPr kumimoji="1" lang="zh-CN" altLang="en-US"/>
           </a:p>
@@ -2684,7 +2685,7 @@
           <a:p>
             <a:fld id="{7ED0FE29-CDD1-AB47-9427-D04D6D9DA8E1}" type="datetimeFigureOut">
               <a:rPr kumimoji="1" lang="zh-CN" altLang="en-US" smtClean="0"/>
-              <a:t>2021/5/18</a:t>
+              <a:t>2021/5/19</a:t>
             </a:fld>
             <a:endParaRPr kumimoji="1" lang="zh-CN" altLang="en-US"/>
           </a:p>
@@ -2925,7 +2926,7 @@
           <a:p>
             <a:fld id="{7ED0FE29-CDD1-AB47-9427-D04D6D9DA8E1}" type="datetimeFigureOut">
               <a:rPr kumimoji="1" lang="zh-CN" altLang="en-US" smtClean="0"/>
-              <a:t>2021/5/18</a:t>
+              <a:t>2021/5/19</a:t>
             </a:fld>
             <a:endParaRPr kumimoji="1" lang="zh-CN" altLang="en-US"/>
           </a:p>
@@ -3408,8 +3409,8 @@
         </p:nvSpPr>
         <p:spPr>
           <a:xfrm>
-            <a:off x="2884252" y="1843950"/>
-            <a:ext cx="1633781" cy="3170099"/>
+            <a:off x="1227251" y="2228671"/>
+            <a:ext cx="4947783" cy="2400657"/>
           </a:xfrm>
           <a:prstGeom prst="rect">
             <a:avLst/>
@@ -3417,18 +3418,18 @@
           <a:noFill/>
         </p:spPr>
         <p:txBody>
-          <a:bodyPr wrap="none" rtlCol="0">
+          <a:bodyPr wrap="square" rtlCol="0">
             <a:spAutoFit/>
           </a:bodyPr>
           <a:lstStyle/>
           <a:p>
             <a:r>
-              <a:rPr kumimoji="1" lang="en-US" altLang="zh-CN" sz="20000" dirty="0">
+              <a:rPr kumimoji="1" lang="en-US" altLang="zh-CN" sz="15000" dirty="0">
                 <a:latin typeface="Bradley Hand" pitchFamily="2" charset="0"/>
               </a:rPr>
-              <a:t>F</a:t>
+              <a:t>Player</a:t>
             </a:r>
-            <a:endParaRPr kumimoji="1" lang="zh-CN" altLang="en-US" sz="20000" dirty="0">
+            <a:endParaRPr kumimoji="1" lang="zh-CN" altLang="en-US" sz="15000" dirty="0">
               <a:latin typeface="Bradley Hand" pitchFamily="2" charset="0"/>
             </a:endParaRPr>
           </a:p>
@@ -3448,3550 +3449,6 @@
 </file>
 
 <file path=ppt/slides/slide10.xml><?xml version="1.0" encoding="utf-8"?>
-<p:sld xmlns:a="http://schemas.openxmlformats.org/drawingml/2006/main" xmlns:r="http://schemas.openxmlformats.org/officeDocument/2006/relationships" xmlns:p="http://schemas.openxmlformats.org/presentationml/2006/main">
-  <p:cSld>
-    <p:spTree>
-      <p:nvGrpSpPr>
-        <p:cNvPr id="1" name=""/>
-        <p:cNvGrpSpPr/>
-        <p:nvPr/>
-      </p:nvGrpSpPr>
-      <p:grpSpPr>
-        <a:xfrm>
-          <a:off x="0" y="0"/>
-          <a:ext cx="0" cy="0"/>
-          <a:chOff x="0" y="0"/>
-          <a:chExt cx="0" cy="0"/>
-        </a:xfrm>
-      </p:grpSpPr>
-      <p:grpSp>
-        <p:nvGrpSpPr>
-          <p:cNvPr id="15" name="组合 14">
-            <a:extLst>
-              <a:ext uri="{FF2B5EF4-FFF2-40B4-BE49-F238E27FC236}">
-                <a16:creationId xmlns:a16="http://schemas.microsoft.com/office/drawing/2014/main" id="{7C4DF6E9-9986-6849-A171-FB1845A25DFA}"/>
-              </a:ext>
-            </a:extLst>
-          </p:cNvPr>
-          <p:cNvGrpSpPr/>
-          <p:nvPr/>
-        </p:nvGrpSpPr>
-        <p:grpSpPr>
-          <a:xfrm>
-            <a:off x="794657" y="457200"/>
-            <a:ext cx="5812972" cy="5812972"/>
-            <a:chOff x="794657" y="457200"/>
-            <a:chExt cx="5812972" cy="5812972"/>
-          </a:xfrm>
-        </p:grpSpPr>
-        <p:pic>
-          <p:nvPicPr>
-            <p:cNvPr id="9" name="图形 8" descr="工资袋">
-              <a:extLst>
-                <a:ext uri="{FF2B5EF4-FFF2-40B4-BE49-F238E27FC236}">
-                  <a16:creationId xmlns:a16="http://schemas.microsoft.com/office/drawing/2014/main" id="{65855D17-0791-6C48-B7A7-0A71BFA4C2CB}"/>
-                </a:ext>
-              </a:extLst>
-            </p:cNvPr>
-            <p:cNvPicPr>
-              <a:picLocks noChangeAspect="1"/>
-            </p:cNvPicPr>
-            <p:nvPr/>
-          </p:nvPicPr>
-          <p:blipFill>
-            <a:blip r:embed="rId2">
-              <a:extLst>
-                <a:ext uri="{96DAC541-7B7A-43D3-8B79-37D633B846F1}">
-                  <asvg:svgBlip xmlns:asvg="http://schemas.microsoft.com/office/drawing/2016/SVG/main" r:embed="rId3"/>
-                </a:ext>
-              </a:extLst>
-            </a:blip>
-            <a:stretch>
-              <a:fillRect/>
-            </a:stretch>
-          </p:blipFill>
-          <p:spPr>
-            <a:xfrm>
-              <a:off x="1309532" y="972073"/>
-              <a:ext cx="4783216" cy="4783216"/>
-            </a:xfrm>
-            <a:prstGeom prst="rect">
-              <a:avLst/>
-            </a:prstGeom>
-          </p:spPr>
-        </p:pic>
-        <p:sp>
-          <p:nvSpPr>
-            <p:cNvPr id="6" name="矩形 5">
-              <a:extLst>
-                <a:ext uri="{FF2B5EF4-FFF2-40B4-BE49-F238E27FC236}">
-                  <a16:creationId xmlns:a16="http://schemas.microsoft.com/office/drawing/2014/main" id="{F5A1AC32-00C0-C043-AE69-D58FABE23C6D}"/>
-                </a:ext>
-              </a:extLst>
-            </p:cNvPr>
-            <p:cNvSpPr/>
-            <p:nvPr/>
-          </p:nvSpPr>
-          <p:spPr>
-            <a:xfrm>
-              <a:off x="794657" y="457200"/>
-              <a:ext cx="5812972" cy="5812972"/>
-            </a:xfrm>
-            <a:prstGeom prst="rect">
-              <a:avLst/>
-            </a:prstGeom>
-            <a:noFill/>
-            <a:ln w="25400">
-              <a:solidFill>
-                <a:schemeClr val="tx2"/>
-              </a:solidFill>
-            </a:ln>
-            <a:effectLst>
-              <a:glow rad="101600">
-                <a:schemeClr val="accent3">
-                  <a:satMod val="175000"/>
-                  <a:alpha val="40000"/>
-                </a:schemeClr>
-              </a:glow>
-            </a:effectLst>
-          </p:spPr>
-          <p:style>
-            <a:lnRef idx="2">
-              <a:schemeClr val="accent1">
-                <a:shade val="50000"/>
-              </a:schemeClr>
-            </a:lnRef>
-            <a:fillRef idx="1">
-              <a:schemeClr val="accent1"/>
-            </a:fillRef>
-            <a:effectRef idx="0">
-              <a:schemeClr val="accent1"/>
-            </a:effectRef>
-            <a:fontRef idx="minor">
-              <a:schemeClr val="lt1"/>
-            </a:fontRef>
-          </p:style>
-          <p:txBody>
-            <a:bodyPr rtlCol="0" anchor="ctr"/>
-            <a:lstStyle/>
-            <a:p>
-              <a:pPr algn="ctr"/>
-              <a:endParaRPr kumimoji="1" lang="zh-CN" altLang="en-US"/>
-            </a:p>
-          </p:txBody>
-        </p:sp>
-      </p:grpSp>
-      <p:sp>
-        <p:nvSpPr>
-          <p:cNvPr id="5" name="文本框 4">
-            <a:extLst>
-              <a:ext uri="{FF2B5EF4-FFF2-40B4-BE49-F238E27FC236}">
-                <a16:creationId xmlns:a16="http://schemas.microsoft.com/office/drawing/2014/main" id="{0002241C-DE23-3C4B-991F-64F962F8E7D5}"/>
-              </a:ext>
-            </a:extLst>
-          </p:cNvPr>
-          <p:cNvSpPr txBox="1"/>
-          <p:nvPr/>
-        </p:nvSpPr>
-        <p:spPr>
-          <a:xfrm>
-            <a:off x="8184916" y="1508584"/>
-            <a:ext cx="995785" cy="369332"/>
-          </a:xfrm>
-          <a:prstGeom prst="rect">
-            <a:avLst/>
-          </a:prstGeom>
-          <a:noFill/>
-        </p:spPr>
-        <p:txBody>
-          <a:bodyPr wrap="none" rtlCol="0">
-            <a:spAutoFit/>
-          </a:bodyPr>
-          <a:lstStyle/>
-          <a:p>
-            <a:r>
-              <a:rPr kumimoji="1" lang="en-US" altLang="zh-CN" dirty="0"/>
-              <a:t>shortcut</a:t>
-            </a:r>
-          </a:p>
-        </p:txBody>
-      </p:sp>
-    </p:spTree>
-    <p:extLst>
-      <p:ext uri="{BB962C8B-B14F-4D97-AF65-F5344CB8AC3E}">
-        <p14:creationId xmlns:p14="http://schemas.microsoft.com/office/powerpoint/2010/main" val="4069632154"/>
-      </p:ext>
-    </p:extLst>
-  </p:cSld>
-  <p:clrMapOvr>
-    <a:masterClrMapping/>
-  </p:clrMapOvr>
-</p:sld>
-</file>
-
-<file path=ppt/slides/slide11.xml><?xml version="1.0" encoding="utf-8"?>
-<p:sld xmlns:a="http://schemas.openxmlformats.org/drawingml/2006/main" xmlns:r="http://schemas.openxmlformats.org/officeDocument/2006/relationships" xmlns:p="http://schemas.openxmlformats.org/presentationml/2006/main">
-  <p:cSld>
-    <p:spTree>
-      <p:nvGrpSpPr>
-        <p:cNvPr id="1" name=""/>
-        <p:cNvGrpSpPr/>
-        <p:nvPr/>
-      </p:nvGrpSpPr>
-      <p:grpSpPr>
-        <a:xfrm>
-          <a:off x="0" y="0"/>
-          <a:ext cx="0" cy="0"/>
-          <a:chOff x="0" y="0"/>
-          <a:chExt cx="0" cy="0"/>
-        </a:xfrm>
-      </p:grpSpPr>
-      <p:grpSp>
-        <p:nvGrpSpPr>
-          <p:cNvPr id="4" name="组合 3">
-            <a:extLst>
-              <a:ext uri="{FF2B5EF4-FFF2-40B4-BE49-F238E27FC236}">
-                <a16:creationId xmlns:a16="http://schemas.microsoft.com/office/drawing/2014/main" id="{B8721C14-6B49-8B46-BBA1-B4DF96EBCD68}"/>
-              </a:ext>
-            </a:extLst>
-          </p:cNvPr>
-          <p:cNvGrpSpPr/>
-          <p:nvPr/>
-        </p:nvGrpSpPr>
-        <p:grpSpPr>
-          <a:xfrm>
-            <a:off x="794657" y="457200"/>
-            <a:ext cx="5812972" cy="5812972"/>
-            <a:chOff x="794657" y="457200"/>
-            <a:chExt cx="5812972" cy="5812972"/>
-          </a:xfrm>
-        </p:grpSpPr>
-        <p:pic>
-          <p:nvPicPr>
-            <p:cNvPr id="3" name="图形 2" descr="橡皮鸭">
-              <a:extLst>
-                <a:ext uri="{FF2B5EF4-FFF2-40B4-BE49-F238E27FC236}">
-                  <a16:creationId xmlns:a16="http://schemas.microsoft.com/office/drawing/2014/main" id="{27234718-49EC-A845-B88A-CE0EDD8295C9}"/>
-                </a:ext>
-              </a:extLst>
-            </p:cNvPr>
-            <p:cNvPicPr>
-              <a:picLocks noChangeAspect="1"/>
-            </p:cNvPicPr>
-            <p:nvPr/>
-          </p:nvPicPr>
-          <p:blipFill>
-            <a:blip r:embed="rId2">
-              <a:extLst>
-                <a:ext uri="{96DAC541-7B7A-43D3-8B79-37D633B846F1}">
-                  <asvg:svgBlip xmlns:asvg="http://schemas.microsoft.com/office/drawing/2016/SVG/main" r:embed="rId3"/>
-                </a:ext>
-              </a:extLst>
-            </a:blip>
-            <a:stretch>
-              <a:fillRect/>
-            </a:stretch>
-          </p:blipFill>
-          <p:spPr>
-            <a:xfrm>
-              <a:off x="1309532" y="972074"/>
-              <a:ext cx="4783215" cy="4783215"/>
-            </a:xfrm>
-            <a:prstGeom prst="rect">
-              <a:avLst/>
-            </a:prstGeom>
-          </p:spPr>
-        </p:pic>
-        <p:sp>
-          <p:nvSpPr>
-            <p:cNvPr id="6" name="矩形 5">
-              <a:extLst>
-                <a:ext uri="{FF2B5EF4-FFF2-40B4-BE49-F238E27FC236}">
-                  <a16:creationId xmlns:a16="http://schemas.microsoft.com/office/drawing/2014/main" id="{F5A1AC32-00C0-C043-AE69-D58FABE23C6D}"/>
-                </a:ext>
-              </a:extLst>
-            </p:cNvPr>
-            <p:cNvSpPr/>
-            <p:nvPr/>
-          </p:nvSpPr>
-          <p:spPr>
-            <a:xfrm>
-              <a:off x="794657" y="457200"/>
-              <a:ext cx="5812972" cy="5812972"/>
-            </a:xfrm>
-            <a:prstGeom prst="rect">
-              <a:avLst/>
-            </a:prstGeom>
-            <a:noFill/>
-            <a:ln w="25400">
-              <a:solidFill>
-                <a:schemeClr val="tx2"/>
-              </a:solidFill>
-            </a:ln>
-            <a:effectLst>
-              <a:glow rad="101600">
-                <a:schemeClr val="accent3">
-                  <a:satMod val="175000"/>
-                  <a:alpha val="40000"/>
-                </a:schemeClr>
-              </a:glow>
-            </a:effectLst>
-          </p:spPr>
-          <p:style>
-            <a:lnRef idx="2">
-              <a:schemeClr val="accent1">
-                <a:shade val="50000"/>
-              </a:schemeClr>
-            </a:lnRef>
-            <a:fillRef idx="1">
-              <a:schemeClr val="accent1"/>
-            </a:fillRef>
-            <a:effectRef idx="0">
-              <a:schemeClr val="accent1"/>
-            </a:effectRef>
-            <a:fontRef idx="minor">
-              <a:schemeClr val="lt1"/>
-            </a:fontRef>
-          </p:style>
-          <p:txBody>
-            <a:bodyPr rtlCol="0" anchor="ctr"/>
-            <a:lstStyle/>
-            <a:p>
-              <a:pPr algn="ctr"/>
-              <a:endParaRPr kumimoji="1" lang="zh-CN" altLang="en-US"/>
-            </a:p>
-          </p:txBody>
-        </p:sp>
-      </p:grpSp>
-      <p:sp>
-        <p:nvSpPr>
-          <p:cNvPr id="5" name="文本框 4">
-            <a:extLst>
-              <a:ext uri="{FF2B5EF4-FFF2-40B4-BE49-F238E27FC236}">
-                <a16:creationId xmlns:a16="http://schemas.microsoft.com/office/drawing/2014/main" id="{0002241C-DE23-3C4B-991F-64F962F8E7D5}"/>
-              </a:ext>
-            </a:extLst>
-          </p:cNvPr>
-          <p:cNvSpPr txBox="1"/>
-          <p:nvPr/>
-        </p:nvSpPr>
-        <p:spPr>
-          <a:xfrm>
-            <a:off x="8184916" y="1508584"/>
-            <a:ext cx="987771" cy="369332"/>
-          </a:xfrm>
-          <a:prstGeom prst="rect">
-            <a:avLst/>
-          </a:prstGeom>
-          <a:noFill/>
-        </p:spPr>
-        <p:txBody>
-          <a:bodyPr wrap="none" rtlCol="0">
-            <a:spAutoFit/>
-          </a:bodyPr>
-          <a:lstStyle/>
-          <a:p>
-            <a:r>
-              <a:rPr kumimoji="1" lang="en-US" altLang="zh-CN" dirty="0"/>
-              <a:t>Let It Be</a:t>
-            </a:r>
-          </a:p>
-        </p:txBody>
-      </p:sp>
-      <p:pic>
-        <p:nvPicPr>
-          <p:cNvPr id="12" name="图形 11" descr="风扇">
-            <a:extLst>
-              <a:ext uri="{FF2B5EF4-FFF2-40B4-BE49-F238E27FC236}">
-                <a16:creationId xmlns:a16="http://schemas.microsoft.com/office/drawing/2014/main" id="{D280ABDF-546A-C64A-8833-A4F94727A4AC}"/>
-              </a:ext>
-            </a:extLst>
-          </p:cNvPr>
-          <p:cNvPicPr>
-            <a:picLocks noChangeAspect="1"/>
-          </p:cNvPicPr>
-          <p:nvPr/>
-        </p:nvPicPr>
-        <p:blipFill>
-          <a:blip r:embed="rId4">
-            <a:extLst>
-              <a:ext uri="{96DAC541-7B7A-43D3-8B79-37D633B846F1}">
-                <asvg:svgBlip xmlns:asvg="http://schemas.microsoft.com/office/drawing/2016/SVG/main" r:embed="rId5"/>
-              </a:ext>
-            </a:extLst>
-          </a:blip>
-          <a:stretch>
-            <a:fillRect/>
-          </a:stretch>
-        </p:blipFill>
-        <p:spPr>
-          <a:xfrm>
-            <a:off x="9641812" y="2971800"/>
-            <a:ext cx="914400" cy="914400"/>
-          </a:xfrm>
-          <a:prstGeom prst="rect">
-            <a:avLst/>
-          </a:prstGeom>
-        </p:spPr>
-      </p:pic>
-      <p:pic>
-        <p:nvPicPr>
-          <p:cNvPr id="14" name="图形 13" descr="金币罐">
-            <a:extLst>
-              <a:ext uri="{FF2B5EF4-FFF2-40B4-BE49-F238E27FC236}">
-                <a16:creationId xmlns:a16="http://schemas.microsoft.com/office/drawing/2014/main" id="{5B2C147E-69E4-7342-86A8-213F3E4843A5}"/>
-              </a:ext>
-            </a:extLst>
-          </p:cNvPr>
-          <p:cNvPicPr>
-            <a:picLocks noChangeAspect="1"/>
-          </p:cNvPicPr>
-          <p:nvPr/>
-        </p:nvPicPr>
-        <p:blipFill>
-          <a:blip r:embed="rId6">
-            <a:extLst>
-              <a:ext uri="{96DAC541-7B7A-43D3-8B79-37D633B846F1}">
-                <asvg:svgBlip xmlns:asvg="http://schemas.microsoft.com/office/drawing/2016/SVG/main" r:embed="rId7"/>
-              </a:ext>
-            </a:extLst>
-          </a:blip>
-          <a:stretch>
-            <a:fillRect/>
-          </a:stretch>
-        </p:blipFill>
-        <p:spPr>
-          <a:xfrm>
-            <a:off x="9341370" y="4076927"/>
-            <a:ext cx="914400" cy="914400"/>
-          </a:xfrm>
-          <a:prstGeom prst="rect">
-            <a:avLst/>
-          </a:prstGeom>
-        </p:spPr>
-      </p:pic>
-    </p:spTree>
-    <p:extLst>
-      <p:ext uri="{BB962C8B-B14F-4D97-AF65-F5344CB8AC3E}">
-        <p14:creationId xmlns:p14="http://schemas.microsoft.com/office/powerpoint/2010/main" val="138811072"/>
-      </p:ext>
-    </p:extLst>
-  </p:cSld>
-  <p:clrMapOvr>
-    <a:masterClrMapping/>
-  </p:clrMapOvr>
-</p:sld>
-</file>
-
-<file path=ppt/slides/slide12.xml><?xml version="1.0" encoding="utf-8"?>
-<p:sld xmlns:a="http://schemas.openxmlformats.org/drawingml/2006/main" xmlns:r="http://schemas.openxmlformats.org/officeDocument/2006/relationships" xmlns:p="http://schemas.openxmlformats.org/presentationml/2006/main">
-  <p:cSld>
-    <p:spTree>
-      <p:nvGrpSpPr>
-        <p:cNvPr id="1" name=""/>
-        <p:cNvGrpSpPr/>
-        <p:nvPr/>
-      </p:nvGrpSpPr>
-      <p:grpSpPr>
-        <a:xfrm>
-          <a:off x="0" y="0"/>
-          <a:ext cx="0" cy="0"/>
-          <a:chOff x="0" y="0"/>
-          <a:chExt cx="0" cy="0"/>
-        </a:xfrm>
-      </p:grpSpPr>
-      <p:grpSp>
-        <p:nvGrpSpPr>
-          <p:cNvPr id="8" name="组合 7">
-            <a:extLst>
-              <a:ext uri="{FF2B5EF4-FFF2-40B4-BE49-F238E27FC236}">
-                <a16:creationId xmlns:a16="http://schemas.microsoft.com/office/drawing/2014/main" id="{B7E1E268-6287-1E4D-A8D9-1170AFB47D15}"/>
-              </a:ext>
-            </a:extLst>
-          </p:cNvPr>
-          <p:cNvGrpSpPr/>
-          <p:nvPr/>
-        </p:nvGrpSpPr>
-        <p:grpSpPr>
-          <a:xfrm>
-            <a:off x="794657" y="457200"/>
-            <a:ext cx="5812972" cy="5812972"/>
-            <a:chOff x="794657" y="457200"/>
-            <a:chExt cx="5812972" cy="5812972"/>
-          </a:xfrm>
-        </p:grpSpPr>
-        <p:pic>
-          <p:nvPicPr>
-            <p:cNvPr id="7" name="图形 6" descr="鞭炮">
-              <a:extLst>
-                <a:ext uri="{FF2B5EF4-FFF2-40B4-BE49-F238E27FC236}">
-                  <a16:creationId xmlns:a16="http://schemas.microsoft.com/office/drawing/2014/main" id="{289829F8-B53B-5046-B434-DCA229A91232}"/>
-                </a:ext>
-              </a:extLst>
-            </p:cNvPr>
-            <p:cNvPicPr>
-              <a:picLocks noChangeAspect="1"/>
-            </p:cNvPicPr>
-            <p:nvPr/>
-          </p:nvPicPr>
-          <p:blipFill>
-            <a:blip r:embed="rId2">
-              <a:extLst>
-                <a:ext uri="{96DAC541-7B7A-43D3-8B79-37D633B846F1}">
-                  <asvg:svgBlip xmlns:asvg="http://schemas.microsoft.com/office/drawing/2016/SVG/main" r:embed="rId3"/>
-                </a:ext>
-              </a:extLst>
-            </a:blip>
-            <a:stretch>
-              <a:fillRect/>
-            </a:stretch>
-          </p:blipFill>
-          <p:spPr>
-            <a:xfrm>
-              <a:off x="1309531" y="972073"/>
-              <a:ext cx="4783215" cy="4783215"/>
-            </a:xfrm>
-            <a:prstGeom prst="rect">
-              <a:avLst/>
-            </a:prstGeom>
-          </p:spPr>
-        </p:pic>
-        <p:sp>
-          <p:nvSpPr>
-            <p:cNvPr id="6" name="矩形 5">
-              <a:extLst>
-                <a:ext uri="{FF2B5EF4-FFF2-40B4-BE49-F238E27FC236}">
-                  <a16:creationId xmlns:a16="http://schemas.microsoft.com/office/drawing/2014/main" id="{F5A1AC32-00C0-C043-AE69-D58FABE23C6D}"/>
-                </a:ext>
-              </a:extLst>
-            </p:cNvPr>
-            <p:cNvSpPr/>
-            <p:nvPr/>
-          </p:nvSpPr>
-          <p:spPr>
-            <a:xfrm>
-              <a:off x="794657" y="457200"/>
-              <a:ext cx="5812972" cy="5812972"/>
-            </a:xfrm>
-            <a:prstGeom prst="rect">
-              <a:avLst/>
-            </a:prstGeom>
-            <a:noFill/>
-            <a:ln w="25400">
-              <a:solidFill>
-                <a:schemeClr val="tx2"/>
-              </a:solidFill>
-            </a:ln>
-            <a:effectLst>
-              <a:glow rad="101600">
-                <a:schemeClr val="accent3">
-                  <a:satMod val="175000"/>
-                  <a:alpha val="40000"/>
-                </a:schemeClr>
-              </a:glow>
-            </a:effectLst>
-          </p:spPr>
-          <p:style>
-            <a:lnRef idx="2">
-              <a:schemeClr val="accent1">
-                <a:shade val="50000"/>
-              </a:schemeClr>
-            </a:lnRef>
-            <a:fillRef idx="1">
-              <a:schemeClr val="accent1"/>
-            </a:fillRef>
-            <a:effectRef idx="0">
-              <a:schemeClr val="accent1"/>
-            </a:effectRef>
-            <a:fontRef idx="minor">
-              <a:schemeClr val="lt1"/>
-            </a:fontRef>
-          </p:style>
-          <p:txBody>
-            <a:bodyPr rtlCol="0" anchor="ctr"/>
-            <a:lstStyle/>
-            <a:p>
-              <a:pPr algn="ctr"/>
-              <a:endParaRPr kumimoji="1" lang="zh-CN" altLang="en-US"/>
-            </a:p>
-          </p:txBody>
-        </p:sp>
-      </p:grpSp>
-      <p:sp>
-        <p:nvSpPr>
-          <p:cNvPr id="5" name="文本框 4">
-            <a:extLst>
-              <a:ext uri="{FF2B5EF4-FFF2-40B4-BE49-F238E27FC236}">
-                <a16:creationId xmlns:a16="http://schemas.microsoft.com/office/drawing/2014/main" id="{0002241C-DE23-3C4B-991F-64F962F8E7D5}"/>
-              </a:ext>
-            </a:extLst>
-          </p:cNvPr>
-          <p:cNvSpPr txBox="1"/>
-          <p:nvPr/>
-        </p:nvSpPr>
-        <p:spPr>
-          <a:xfrm>
-            <a:off x="8184916" y="1508584"/>
-            <a:ext cx="984565" cy="369332"/>
-          </a:xfrm>
-          <a:prstGeom prst="rect">
-            <a:avLst/>
-          </a:prstGeom>
-          <a:noFill/>
-        </p:spPr>
-        <p:txBody>
-          <a:bodyPr wrap="none" rtlCol="0">
-            <a:spAutoFit/>
-          </a:bodyPr>
-          <a:lstStyle/>
-          <a:p>
-            <a:r>
-              <a:rPr kumimoji="1" lang="en-US" altLang="zh-CN" dirty="0"/>
-              <a:t>Surprise</a:t>
-            </a:r>
-          </a:p>
-        </p:txBody>
-      </p:sp>
-    </p:spTree>
-    <p:extLst>
-      <p:ext uri="{BB962C8B-B14F-4D97-AF65-F5344CB8AC3E}">
-        <p14:creationId xmlns:p14="http://schemas.microsoft.com/office/powerpoint/2010/main" val="1241367881"/>
-      </p:ext>
-    </p:extLst>
-  </p:cSld>
-  <p:clrMapOvr>
-    <a:masterClrMapping/>
-  </p:clrMapOvr>
-</p:sld>
-</file>
-
-<file path=ppt/slides/slide13.xml><?xml version="1.0" encoding="utf-8"?>
-<p:sld xmlns:a="http://schemas.openxmlformats.org/drawingml/2006/main" xmlns:r="http://schemas.openxmlformats.org/officeDocument/2006/relationships" xmlns:p="http://schemas.openxmlformats.org/presentationml/2006/main">
-  <p:cSld>
-    <p:spTree>
-      <p:nvGrpSpPr>
-        <p:cNvPr id="1" name=""/>
-        <p:cNvGrpSpPr/>
-        <p:nvPr/>
-      </p:nvGrpSpPr>
-      <p:grpSpPr>
-        <a:xfrm>
-          <a:off x="0" y="0"/>
-          <a:ext cx="0" cy="0"/>
-          <a:chOff x="0" y="0"/>
-          <a:chExt cx="0" cy="0"/>
-        </a:xfrm>
-      </p:grpSpPr>
-      <p:grpSp>
-        <p:nvGrpSpPr>
-          <p:cNvPr id="2" name="组合 1">
-            <a:extLst>
-              <a:ext uri="{FF2B5EF4-FFF2-40B4-BE49-F238E27FC236}">
-                <a16:creationId xmlns:a16="http://schemas.microsoft.com/office/drawing/2014/main" id="{04971957-6567-6D42-B006-C402620FEA4E}"/>
-              </a:ext>
-            </a:extLst>
-          </p:cNvPr>
-          <p:cNvGrpSpPr/>
-          <p:nvPr/>
-        </p:nvGrpSpPr>
-        <p:grpSpPr>
-          <a:xfrm>
-            <a:off x="794657" y="457200"/>
-            <a:ext cx="5812972" cy="5812972"/>
-            <a:chOff x="794657" y="457200"/>
-            <a:chExt cx="5812972" cy="5812972"/>
-          </a:xfrm>
-        </p:grpSpPr>
-        <p:pic>
-          <p:nvPicPr>
-            <p:cNvPr id="3" name="图形 2" descr="煮熟的火鸡">
-              <a:extLst>
-                <a:ext uri="{FF2B5EF4-FFF2-40B4-BE49-F238E27FC236}">
-                  <a16:creationId xmlns:a16="http://schemas.microsoft.com/office/drawing/2014/main" id="{AC2869E7-87F3-A344-B8C9-321150DA8551}"/>
-                </a:ext>
-              </a:extLst>
-            </p:cNvPr>
-            <p:cNvPicPr>
-              <a:picLocks noChangeAspect="1"/>
-            </p:cNvPicPr>
-            <p:nvPr/>
-          </p:nvPicPr>
-          <p:blipFill>
-            <a:blip r:embed="rId2">
-              <a:extLst>
-                <a:ext uri="{96DAC541-7B7A-43D3-8B79-37D633B846F1}">
-                  <asvg:svgBlip xmlns:asvg="http://schemas.microsoft.com/office/drawing/2016/SVG/main" r:embed="rId3"/>
-                </a:ext>
-              </a:extLst>
-            </a:blip>
-            <a:stretch>
-              <a:fillRect/>
-            </a:stretch>
-          </p:blipFill>
-          <p:spPr>
-            <a:xfrm>
-              <a:off x="1309530" y="972072"/>
-              <a:ext cx="4783215" cy="4783215"/>
-            </a:xfrm>
-            <a:prstGeom prst="rect">
-              <a:avLst/>
-            </a:prstGeom>
-          </p:spPr>
-        </p:pic>
-        <p:sp>
-          <p:nvSpPr>
-            <p:cNvPr id="6" name="矩形 5">
-              <a:extLst>
-                <a:ext uri="{FF2B5EF4-FFF2-40B4-BE49-F238E27FC236}">
-                  <a16:creationId xmlns:a16="http://schemas.microsoft.com/office/drawing/2014/main" id="{F5A1AC32-00C0-C043-AE69-D58FABE23C6D}"/>
-                </a:ext>
-              </a:extLst>
-            </p:cNvPr>
-            <p:cNvSpPr/>
-            <p:nvPr/>
-          </p:nvSpPr>
-          <p:spPr>
-            <a:xfrm>
-              <a:off x="794657" y="457200"/>
-              <a:ext cx="5812972" cy="5812972"/>
-            </a:xfrm>
-            <a:prstGeom prst="rect">
-              <a:avLst/>
-            </a:prstGeom>
-            <a:noFill/>
-            <a:ln w="25400">
-              <a:solidFill>
-                <a:schemeClr val="tx2"/>
-              </a:solidFill>
-            </a:ln>
-            <a:effectLst>
-              <a:glow rad="101600">
-                <a:schemeClr val="accent3">
-                  <a:satMod val="175000"/>
-                  <a:alpha val="40000"/>
-                </a:schemeClr>
-              </a:glow>
-            </a:effectLst>
-          </p:spPr>
-          <p:style>
-            <a:lnRef idx="2">
-              <a:schemeClr val="accent1">
-                <a:shade val="50000"/>
-              </a:schemeClr>
-            </a:lnRef>
-            <a:fillRef idx="1">
-              <a:schemeClr val="accent1"/>
-            </a:fillRef>
-            <a:effectRef idx="0">
-              <a:schemeClr val="accent1"/>
-            </a:effectRef>
-            <a:fontRef idx="minor">
-              <a:schemeClr val="lt1"/>
-            </a:fontRef>
-          </p:style>
-          <p:txBody>
-            <a:bodyPr rtlCol="0" anchor="ctr"/>
-            <a:lstStyle/>
-            <a:p>
-              <a:pPr algn="ctr"/>
-              <a:endParaRPr kumimoji="1" lang="zh-CN" altLang="en-US"/>
-            </a:p>
-          </p:txBody>
-        </p:sp>
-      </p:grpSp>
-      <p:sp>
-        <p:nvSpPr>
-          <p:cNvPr id="5" name="文本框 4">
-            <a:extLst>
-              <a:ext uri="{FF2B5EF4-FFF2-40B4-BE49-F238E27FC236}">
-                <a16:creationId xmlns:a16="http://schemas.microsoft.com/office/drawing/2014/main" id="{0002241C-DE23-3C4B-991F-64F962F8E7D5}"/>
-              </a:ext>
-            </a:extLst>
-          </p:cNvPr>
-          <p:cNvSpPr txBox="1"/>
-          <p:nvPr/>
-        </p:nvSpPr>
-        <p:spPr>
-          <a:xfrm>
-            <a:off x="8184916" y="1508584"/>
-            <a:ext cx="841897" cy="369332"/>
-          </a:xfrm>
-          <a:prstGeom prst="rect">
-            <a:avLst/>
-          </a:prstGeom>
-          <a:noFill/>
-        </p:spPr>
-        <p:txBody>
-          <a:bodyPr wrap="none" rtlCol="0">
-            <a:spAutoFit/>
-          </a:bodyPr>
-          <a:lstStyle/>
-          <a:p>
-            <a:r>
-              <a:rPr kumimoji="1" lang="en-US" altLang="zh-CN" dirty="0"/>
-              <a:t>+20hp</a:t>
-            </a:r>
-          </a:p>
-        </p:txBody>
-      </p:sp>
-    </p:spTree>
-    <p:extLst>
-      <p:ext uri="{BB962C8B-B14F-4D97-AF65-F5344CB8AC3E}">
-        <p14:creationId xmlns:p14="http://schemas.microsoft.com/office/powerpoint/2010/main" val="708439874"/>
-      </p:ext>
-    </p:extLst>
-  </p:cSld>
-  <p:clrMapOvr>
-    <a:masterClrMapping/>
-  </p:clrMapOvr>
-</p:sld>
-</file>
-
-<file path=ppt/slides/slide14.xml><?xml version="1.0" encoding="utf-8"?>
-<p:sld xmlns:a="http://schemas.openxmlformats.org/drawingml/2006/main" xmlns:r="http://schemas.openxmlformats.org/officeDocument/2006/relationships" xmlns:p="http://schemas.openxmlformats.org/presentationml/2006/main">
-  <p:cSld>
-    <p:spTree>
-      <p:nvGrpSpPr>
-        <p:cNvPr id="1" name=""/>
-        <p:cNvGrpSpPr/>
-        <p:nvPr/>
-      </p:nvGrpSpPr>
-      <p:grpSpPr>
-        <a:xfrm>
-          <a:off x="0" y="0"/>
-          <a:ext cx="0" cy="0"/>
-          <a:chOff x="0" y="0"/>
-          <a:chExt cx="0" cy="0"/>
-        </a:xfrm>
-      </p:grpSpPr>
-      <p:grpSp>
-        <p:nvGrpSpPr>
-          <p:cNvPr id="13" name="组合 12">
-            <a:extLst>
-              <a:ext uri="{FF2B5EF4-FFF2-40B4-BE49-F238E27FC236}">
-                <a16:creationId xmlns:a16="http://schemas.microsoft.com/office/drawing/2014/main" id="{55140D6A-3F04-3C49-937B-14E4AB23ABA5}"/>
-              </a:ext>
-            </a:extLst>
-          </p:cNvPr>
-          <p:cNvGrpSpPr/>
-          <p:nvPr/>
-        </p:nvGrpSpPr>
-        <p:grpSpPr>
-          <a:xfrm>
-            <a:off x="794657" y="457200"/>
-            <a:ext cx="5812972" cy="5812972"/>
-            <a:chOff x="794657" y="457200"/>
-            <a:chExt cx="5812972" cy="5812972"/>
-          </a:xfrm>
-        </p:grpSpPr>
-        <p:pic>
-          <p:nvPicPr>
-            <p:cNvPr id="11" name="图形 10" descr="鸡腿">
-              <a:extLst>
-                <a:ext uri="{FF2B5EF4-FFF2-40B4-BE49-F238E27FC236}">
-                  <a16:creationId xmlns:a16="http://schemas.microsoft.com/office/drawing/2014/main" id="{CBCC502A-26B1-3B4B-BC90-5B621C615A21}"/>
-                </a:ext>
-              </a:extLst>
-            </p:cNvPr>
-            <p:cNvPicPr>
-              <a:picLocks noChangeAspect="1"/>
-            </p:cNvPicPr>
-            <p:nvPr/>
-          </p:nvPicPr>
-          <p:blipFill>
-            <a:blip r:embed="rId2">
-              <a:extLst>
-                <a:ext uri="{96DAC541-7B7A-43D3-8B79-37D633B846F1}">
-                  <asvg:svgBlip xmlns:asvg="http://schemas.microsoft.com/office/drawing/2016/SVG/main" r:embed="rId3"/>
-                </a:ext>
-              </a:extLst>
-            </a:blip>
-            <a:stretch>
-              <a:fillRect/>
-            </a:stretch>
-          </p:blipFill>
-          <p:spPr>
-            <a:xfrm>
-              <a:off x="1309529" y="972072"/>
-              <a:ext cx="4783215" cy="4783215"/>
-            </a:xfrm>
-            <a:prstGeom prst="rect">
-              <a:avLst/>
-            </a:prstGeom>
-          </p:spPr>
-        </p:pic>
-        <p:sp>
-          <p:nvSpPr>
-            <p:cNvPr id="6" name="矩形 5">
-              <a:extLst>
-                <a:ext uri="{FF2B5EF4-FFF2-40B4-BE49-F238E27FC236}">
-                  <a16:creationId xmlns:a16="http://schemas.microsoft.com/office/drawing/2014/main" id="{F5A1AC32-00C0-C043-AE69-D58FABE23C6D}"/>
-                </a:ext>
-              </a:extLst>
-            </p:cNvPr>
-            <p:cNvSpPr/>
-            <p:nvPr/>
-          </p:nvSpPr>
-          <p:spPr>
-            <a:xfrm>
-              <a:off x="794657" y="457200"/>
-              <a:ext cx="5812972" cy="5812972"/>
-            </a:xfrm>
-            <a:prstGeom prst="rect">
-              <a:avLst/>
-            </a:prstGeom>
-            <a:noFill/>
-            <a:ln w="25400">
-              <a:solidFill>
-                <a:schemeClr val="tx2"/>
-              </a:solidFill>
-            </a:ln>
-            <a:effectLst>
-              <a:glow rad="101600">
-                <a:schemeClr val="accent3">
-                  <a:satMod val="175000"/>
-                  <a:alpha val="40000"/>
-                </a:schemeClr>
-              </a:glow>
-            </a:effectLst>
-          </p:spPr>
-          <p:style>
-            <a:lnRef idx="2">
-              <a:schemeClr val="accent1">
-                <a:shade val="50000"/>
-              </a:schemeClr>
-            </a:lnRef>
-            <a:fillRef idx="1">
-              <a:schemeClr val="accent1"/>
-            </a:fillRef>
-            <a:effectRef idx="0">
-              <a:schemeClr val="accent1"/>
-            </a:effectRef>
-            <a:fontRef idx="minor">
-              <a:schemeClr val="lt1"/>
-            </a:fontRef>
-          </p:style>
-          <p:txBody>
-            <a:bodyPr rtlCol="0" anchor="ctr"/>
-            <a:lstStyle/>
-            <a:p>
-              <a:pPr algn="ctr"/>
-              <a:endParaRPr kumimoji="1" lang="zh-CN" altLang="en-US"/>
-            </a:p>
-          </p:txBody>
-        </p:sp>
-      </p:grpSp>
-      <p:sp>
-        <p:nvSpPr>
-          <p:cNvPr id="5" name="文本框 4">
-            <a:extLst>
-              <a:ext uri="{FF2B5EF4-FFF2-40B4-BE49-F238E27FC236}">
-                <a16:creationId xmlns:a16="http://schemas.microsoft.com/office/drawing/2014/main" id="{0002241C-DE23-3C4B-991F-64F962F8E7D5}"/>
-              </a:ext>
-            </a:extLst>
-          </p:cNvPr>
-          <p:cNvSpPr txBox="1"/>
-          <p:nvPr/>
-        </p:nvSpPr>
-        <p:spPr>
-          <a:xfrm>
-            <a:off x="8184916" y="1508584"/>
-            <a:ext cx="841897" cy="369332"/>
-          </a:xfrm>
-          <a:prstGeom prst="rect">
-            <a:avLst/>
-          </a:prstGeom>
-          <a:noFill/>
-        </p:spPr>
-        <p:txBody>
-          <a:bodyPr wrap="none" rtlCol="0">
-            <a:spAutoFit/>
-          </a:bodyPr>
-          <a:lstStyle/>
-          <a:p>
-            <a:r>
-              <a:rPr kumimoji="1" lang="en-US" altLang="zh-CN" dirty="0"/>
-              <a:t>+10hp</a:t>
-            </a:r>
-          </a:p>
-        </p:txBody>
-      </p:sp>
-    </p:spTree>
-    <p:extLst>
-      <p:ext uri="{BB962C8B-B14F-4D97-AF65-F5344CB8AC3E}">
-        <p14:creationId xmlns:p14="http://schemas.microsoft.com/office/powerpoint/2010/main" val="2131912645"/>
-      </p:ext>
-    </p:extLst>
-  </p:cSld>
-  <p:clrMapOvr>
-    <a:masterClrMapping/>
-  </p:clrMapOvr>
-</p:sld>
-</file>
-
-<file path=ppt/slides/slide15.xml><?xml version="1.0" encoding="utf-8"?>
-<p:sld xmlns:a="http://schemas.openxmlformats.org/drawingml/2006/main" xmlns:r="http://schemas.openxmlformats.org/officeDocument/2006/relationships" xmlns:p="http://schemas.openxmlformats.org/presentationml/2006/main">
-  <p:cSld>
-    <p:spTree>
-      <p:nvGrpSpPr>
-        <p:cNvPr id="1" name=""/>
-        <p:cNvGrpSpPr/>
-        <p:nvPr/>
-      </p:nvGrpSpPr>
-      <p:grpSpPr>
-        <a:xfrm>
-          <a:off x="0" y="0"/>
-          <a:ext cx="0" cy="0"/>
-          <a:chOff x="0" y="0"/>
-          <a:chExt cx="0" cy="0"/>
-        </a:xfrm>
-      </p:grpSpPr>
-      <p:grpSp>
-        <p:nvGrpSpPr>
-          <p:cNvPr id="4" name="组合 3">
-            <a:extLst>
-              <a:ext uri="{FF2B5EF4-FFF2-40B4-BE49-F238E27FC236}">
-                <a16:creationId xmlns:a16="http://schemas.microsoft.com/office/drawing/2014/main" id="{A5915991-EF6D-8947-8929-293BEBFBB1EA}"/>
-              </a:ext>
-            </a:extLst>
-          </p:cNvPr>
-          <p:cNvGrpSpPr/>
-          <p:nvPr/>
-        </p:nvGrpSpPr>
-        <p:grpSpPr>
-          <a:xfrm>
-            <a:off x="794657" y="457200"/>
-            <a:ext cx="5812972" cy="5812972"/>
-            <a:chOff x="794657" y="457200"/>
-            <a:chExt cx="5812972" cy="5812972"/>
-          </a:xfrm>
-        </p:grpSpPr>
-        <p:pic>
-          <p:nvPicPr>
-            <p:cNvPr id="3" name="图形 2" descr="风铃">
-              <a:extLst>
-                <a:ext uri="{FF2B5EF4-FFF2-40B4-BE49-F238E27FC236}">
-                  <a16:creationId xmlns:a16="http://schemas.microsoft.com/office/drawing/2014/main" id="{56E6E282-202E-C04A-ACE7-E4789966F852}"/>
-                </a:ext>
-              </a:extLst>
-            </p:cNvPr>
-            <p:cNvPicPr>
-              <a:picLocks noChangeAspect="1"/>
-            </p:cNvPicPr>
-            <p:nvPr/>
-          </p:nvPicPr>
-          <p:blipFill>
-            <a:blip r:embed="rId2">
-              <a:extLst>
-                <a:ext uri="{96DAC541-7B7A-43D3-8B79-37D633B846F1}">
-                  <asvg:svgBlip xmlns:asvg="http://schemas.microsoft.com/office/drawing/2016/SVG/main" r:embed="rId3"/>
-                </a:ext>
-              </a:extLst>
-            </a:blip>
-            <a:stretch>
-              <a:fillRect/>
-            </a:stretch>
-          </p:blipFill>
-          <p:spPr>
-            <a:xfrm>
-              <a:off x="1174618" y="972071"/>
-              <a:ext cx="4783215" cy="4783215"/>
-            </a:xfrm>
-            <a:prstGeom prst="rect">
-              <a:avLst/>
-            </a:prstGeom>
-          </p:spPr>
-        </p:pic>
-        <p:sp>
-          <p:nvSpPr>
-            <p:cNvPr id="6" name="矩形 5">
-              <a:extLst>
-                <a:ext uri="{FF2B5EF4-FFF2-40B4-BE49-F238E27FC236}">
-                  <a16:creationId xmlns:a16="http://schemas.microsoft.com/office/drawing/2014/main" id="{F5A1AC32-00C0-C043-AE69-D58FABE23C6D}"/>
-                </a:ext>
-              </a:extLst>
-            </p:cNvPr>
-            <p:cNvSpPr/>
-            <p:nvPr/>
-          </p:nvSpPr>
-          <p:spPr>
-            <a:xfrm>
-              <a:off x="794657" y="457200"/>
-              <a:ext cx="5812972" cy="5812972"/>
-            </a:xfrm>
-            <a:prstGeom prst="rect">
-              <a:avLst/>
-            </a:prstGeom>
-            <a:noFill/>
-            <a:ln w="25400">
-              <a:solidFill>
-                <a:schemeClr val="tx2"/>
-              </a:solidFill>
-            </a:ln>
-            <a:effectLst>
-              <a:glow rad="101600">
-                <a:schemeClr val="accent3">
-                  <a:satMod val="175000"/>
-                  <a:alpha val="40000"/>
-                </a:schemeClr>
-              </a:glow>
-            </a:effectLst>
-          </p:spPr>
-          <p:style>
-            <a:lnRef idx="2">
-              <a:schemeClr val="accent1">
-                <a:shade val="50000"/>
-              </a:schemeClr>
-            </a:lnRef>
-            <a:fillRef idx="1">
-              <a:schemeClr val="accent1"/>
-            </a:fillRef>
-            <a:effectRef idx="0">
-              <a:schemeClr val="accent1"/>
-            </a:effectRef>
-            <a:fontRef idx="minor">
-              <a:schemeClr val="lt1"/>
-            </a:fontRef>
-          </p:style>
-          <p:txBody>
-            <a:bodyPr rtlCol="0" anchor="ctr"/>
-            <a:lstStyle/>
-            <a:p>
-              <a:pPr algn="ctr"/>
-              <a:endParaRPr kumimoji="1" lang="zh-CN" altLang="en-US"/>
-            </a:p>
-          </p:txBody>
-        </p:sp>
-      </p:grpSp>
-      <p:sp>
-        <p:nvSpPr>
-          <p:cNvPr id="5" name="文本框 4">
-            <a:extLst>
-              <a:ext uri="{FF2B5EF4-FFF2-40B4-BE49-F238E27FC236}">
-                <a16:creationId xmlns:a16="http://schemas.microsoft.com/office/drawing/2014/main" id="{0002241C-DE23-3C4B-991F-64F962F8E7D5}"/>
-              </a:ext>
-            </a:extLst>
-          </p:cNvPr>
-          <p:cNvSpPr txBox="1"/>
-          <p:nvPr/>
-        </p:nvSpPr>
-        <p:spPr>
-          <a:xfrm>
-            <a:off x="8184916" y="1508584"/>
-            <a:ext cx="1309974" cy="369332"/>
-          </a:xfrm>
-          <a:prstGeom prst="rect">
-            <a:avLst/>
-          </a:prstGeom>
-          <a:noFill/>
-        </p:spPr>
-        <p:txBody>
-          <a:bodyPr wrap="none" rtlCol="0">
-            <a:spAutoFit/>
-          </a:bodyPr>
-          <a:lstStyle/>
-          <a:p>
-            <a:r>
-              <a:rPr kumimoji="1" lang="en-US" altLang="zh-CN" dirty="0"/>
-              <a:t>+2 </a:t>
-            </a:r>
-            <a:r>
-              <a:rPr kumimoji="1" lang="en-US" altLang="zh-CN" dirty="0" err="1"/>
-              <a:t>defence</a:t>
-            </a:r>
-            <a:endParaRPr kumimoji="1" lang="en-US" altLang="zh-CN" dirty="0"/>
-          </a:p>
-        </p:txBody>
-      </p:sp>
-    </p:spTree>
-    <p:extLst>
-      <p:ext uri="{BB962C8B-B14F-4D97-AF65-F5344CB8AC3E}">
-        <p14:creationId xmlns:p14="http://schemas.microsoft.com/office/powerpoint/2010/main" val="3251639612"/>
-      </p:ext>
-    </p:extLst>
-  </p:cSld>
-  <p:clrMapOvr>
-    <a:masterClrMapping/>
-  </p:clrMapOvr>
-</p:sld>
-</file>
-
-<file path=ppt/slides/slide16.xml><?xml version="1.0" encoding="utf-8"?>
-<p:sld xmlns:a="http://schemas.openxmlformats.org/drawingml/2006/main" xmlns:r="http://schemas.openxmlformats.org/officeDocument/2006/relationships" xmlns:p="http://schemas.openxmlformats.org/presentationml/2006/main">
-  <p:cSld>
-    <p:spTree>
-      <p:nvGrpSpPr>
-        <p:cNvPr id="1" name=""/>
-        <p:cNvGrpSpPr/>
-        <p:nvPr/>
-      </p:nvGrpSpPr>
-      <p:grpSpPr>
-        <a:xfrm>
-          <a:off x="0" y="0"/>
-          <a:ext cx="0" cy="0"/>
-          <a:chOff x="0" y="0"/>
-          <a:chExt cx="0" cy="0"/>
-        </a:xfrm>
-      </p:grpSpPr>
-      <p:sp>
-        <p:nvSpPr>
-          <p:cNvPr id="5" name="文本框 4">
-            <a:extLst>
-              <a:ext uri="{FF2B5EF4-FFF2-40B4-BE49-F238E27FC236}">
-                <a16:creationId xmlns:a16="http://schemas.microsoft.com/office/drawing/2014/main" id="{0002241C-DE23-3C4B-991F-64F962F8E7D5}"/>
-              </a:ext>
-            </a:extLst>
-          </p:cNvPr>
-          <p:cNvSpPr txBox="1"/>
-          <p:nvPr/>
-        </p:nvSpPr>
-        <p:spPr>
-          <a:xfrm>
-            <a:off x="8184916" y="1508584"/>
-            <a:ext cx="1309974" cy="369332"/>
-          </a:xfrm>
-          <a:prstGeom prst="rect">
-            <a:avLst/>
-          </a:prstGeom>
-          <a:noFill/>
-        </p:spPr>
-        <p:txBody>
-          <a:bodyPr wrap="none" rtlCol="0">
-            <a:spAutoFit/>
-          </a:bodyPr>
-          <a:lstStyle/>
-          <a:p>
-            <a:r>
-              <a:rPr kumimoji="1" lang="en-US" altLang="zh-CN" dirty="0"/>
-              <a:t>+4 </a:t>
-            </a:r>
-            <a:r>
-              <a:rPr kumimoji="1" lang="en-US" altLang="zh-CN" dirty="0" err="1"/>
-              <a:t>defence</a:t>
-            </a:r>
-            <a:endParaRPr kumimoji="1" lang="en-US" altLang="zh-CN" dirty="0"/>
-          </a:p>
-        </p:txBody>
-      </p:sp>
-      <p:grpSp>
-        <p:nvGrpSpPr>
-          <p:cNvPr id="10" name="组合 9">
-            <a:extLst>
-              <a:ext uri="{FF2B5EF4-FFF2-40B4-BE49-F238E27FC236}">
-                <a16:creationId xmlns:a16="http://schemas.microsoft.com/office/drawing/2014/main" id="{CABAFFB5-AD67-734F-BF5E-4D7B1B6A40D1}"/>
-              </a:ext>
-            </a:extLst>
-          </p:cNvPr>
-          <p:cNvGrpSpPr/>
-          <p:nvPr/>
-        </p:nvGrpSpPr>
-        <p:grpSpPr>
-          <a:xfrm>
-            <a:off x="794657" y="457200"/>
-            <a:ext cx="5812972" cy="5812972"/>
-            <a:chOff x="794657" y="457200"/>
-            <a:chExt cx="5812972" cy="5812972"/>
-          </a:xfrm>
-        </p:grpSpPr>
-        <p:sp>
-          <p:nvSpPr>
-            <p:cNvPr id="6" name="矩形 5">
-              <a:extLst>
-                <a:ext uri="{FF2B5EF4-FFF2-40B4-BE49-F238E27FC236}">
-                  <a16:creationId xmlns:a16="http://schemas.microsoft.com/office/drawing/2014/main" id="{F5A1AC32-00C0-C043-AE69-D58FABE23C6D}"/>
-                </a:ext>
-              </a:extLst>
-            </p:cNvPr>
-            <p:cNvSpPr/>
-            <p:nvPr/>
-          </p:nvSpPr>
-          <p:spPr>
-            <a:xfrm>
-              <a:off x="794657" y="457200"/>
-              <a:ext cx="5812972" cy="5812972"/>
-            </a:xfrm>
-            <a:prstGeom prst="rect">
-              <a:avLst/>
-            </a:prstGeom>
-            <a:noFill/>
-            <a:ln w="25400">
-              <a:solidFill>
-                <a:schemeClr val="tx2"/>
-              </a:solidFill>
-            </a:ln>
-            <a:effectLst>
-              <a:glow rad="101600">
-                <a:schemeClr val="accent3">
-                  <a:satMod val="175000"/>
-                  <a:alpha val="40000"/>
-                </a:schemeClr>
-              </a:glow>
-            </a:effectLst>
-          </p:spPr>
-          <p:style>
-            <a:lnRef idx="2">
-              <a:schemeClr val="accent1">
-                <a:shade val="50000"/>
-              </a:schemeClr>
-            </a:lnRef>
-            <a:fillRef idx="1">
-              <a:schemeClr val="accent1"/>
-            </a:fillRef>
-            <a:effectRef idx="0">
-              <a:schemeClr val="accent1"/>
-            </a:effectRef>
-            <a:fontRef idx="minor">
-              <a:schemeClr val="lt1"/>
-            </a:fontRef>
-          </p:style>
-          <p:txBody>
-            <a:bodyPr rtlCol="0" anchor="ctr"/>
-            <a:lstStyle/>
-            <a:p>
-              <a:pPr algn="ctr"/>
-              <a:endParaRPr kumimoji="1" lang="zh-CN" altLang="en-US"/>
-            </a:p>
-          </p:txBody>
-        </p:sp>
-        <p:grpSp>
-          <p:nvGrpSpPr>
-            <p:cNvPr id="9" name="组合 8">
-              <a:extLst>
-                <a:ext uri="{FF2B5EF4-FFF2-40B4-BE49-F238E27FC236}">
-                  <a16:creationId xmlns:a16="http://schemas.microsoft.com/office/drawing/2014/main" id="{51B95604-00BA-1B44-8FC9-7C993E221FF2}"/>
-                </a:ext>
-              </a:extLst>
-            </p:cNvPr>
-            <p:cNvGrpSpPr/>
-            <p:nvPr/>
-          </p:nvGrpSpPr>
-          <p:grpSpPr>
-            <a:xfrm>
-              <a:off x="1264327" y="1418676"/>
-              <a:ext cx="4873632" cy="4020647"/>
-              <a:chOff x="1309528" y="972069"/>
-              <a:chExt cx="5797982" cy="4783217"/>
-            </a:xfrm>
-          </p:grpSpPr>
-          <p:pic>
-            <p:nvPicPr>
-              <p:cNvPr id="3" name="图形 2" descr="风铃">
-                <a:extLst>
-                  <a:ext uri="{FF2B5EF4-FFF2-40B4-BE49-F238E27FC236}">
-                    <a16:creationId xmlns:a16="http://schemas.microsoft.com/office/drawing/2014/main" id="{56E6E282-202E-C04A-ACE7-E4789966F852}"/>
-                  </a:ext>
-                </a:extLst>
-              </p:cNvPr>
-              <p:cNvPicPr>
-                <a:picLocks noChangeAspect="1"/>
-              </p:cNvPicPr>
-              <p:nvPr/>
-            </p:nvPicPr>
-            <p:blipFill>
-              <a:blip r:embed="rId2">
-                <a:extLst>
-                  <a:ext uri="{96DAC541-7B7A-43D3-8B79-37D633B846F1}">
-                    <asvg:svgBlip xmlns:asvg="http://schemas.microsoft.com/office/drawing/2016/SVG/main" r:embed="rId3"/>
-                  </a:ext>
-                </a:extLst>
-              </a:blip>
-              <a:stretch>
-                <a:fillRect/>
-              </a:stretch>
-            </p:blipFill>
-            <p:spPr>
-              <a:xfrm>
-                <a:off x="1309528" y="972071"/>
-                <a:ext cx="4783215" cy="4783215"/>
-              </a:xfrm>
-              <a:prstGeom prst="rect">
-                <a:avLst/>
-              </a:prstGeom>
-            </p:spPr>
-          </p:pic>
-          <p:pic>
-            <p:nvPicPr>
-              <p:cNvPr id="7" name="图形 6" descr="风铃">
-                <a:extLst>
-                  <a:ext uri="{FF2B5EF4-FFF2-40B4-BE49-F238E27FC236}">
-                    <a16:creationId xmlns:a16="http://schemas.microsoft.com/office/drawing/2014/main" id="{69192C43-94F9-4C46-B465-D819059415A4}"/>
-                  </a:ext>
-                </a:extLst>
-              </p:cNvPr>
-              <p:cNvPicPr>
-                <a:picLocks noChangeAspect="1"/>
-              </p:cNvPicPr>
-              <p:nvPr/>
-            </p:nvPicPr>
-            <p:blipFill>
-              <a:blip r:embed="rId2">
-                <a:extLst>
-                  <a:ext uri="{96DAC541-7B7A-43D3-8B79-37D633B846F1}">
-                    <asvg:svgBlip xmlns:asvg="http://schemas.microsoft.com/office/drawing/2016/SVG/main" r:embed="rId3"/>
-                  </a:ext>
-                </a:extLst>
-              </a:blip>
-              <a:stretch>
-                <a:fillRect/>
-              </a:stretch>
-            </p:blipFill>
-            <p:spPr>
-              <a:xfrm flipH="1">
-                <a:off x="2324297" y="972069"/>
-                <a:ext cx="4783213" cy="4783215"/>
-              </a:xfrm>
-              <a:prstGeom prst="rect">
-                <a:avLst/>
-              </a:prstGeom>
-            </p:spPr>
-          </p:pic>
-        </p:grpSp>
-      </p:grpSp>
-    </p:spTree>
-    <p:extLst>
-      <p:ext uri="{BB962C8B-B14F-4D97-AF65-F5344CB8AC3E}">
-        <p14:creationId xmlns:p14="http://schemas.microsoft.com/office/powerpoint/2010/main" val="3151090807"/>
-      </p:ext>
-    </p:extLst>
-  </p:cSld>
-  <p:clrMapOvr>
-    <a:masterClrMapping/>
-  </p:clrMapOvr>
-</p:sld>
-</file>
-
-<file path=ppt/slides/slide17.xml><?xml version="1.0" encoding="utf-8"?>
-<p:sld xmlns:a="http://schemas.openxmlformats.org/drawingml/2006/main" xmlns:r="http://schemas.openxmlformats.org/officeDocument/2006/relationships" xmlns:p="http://schemas.openxmlformats.org/presentationml/2006/main">
-  <p:cSld>
-    <p:spTree>
-      <p:nvGrpSpPr>
-        <p:cNvPr id="1" name=""/>
-        <p:cNvGrpSpPr/>
-        <p:nvPr/>
-      </p:nvGrpSpPr>
-      <p:grpSpPr>
-        <a:xfrm>
-          <a:off x="0" y="0"/>
-          <a:ext cx="0" cy="0"/>
-          <a:chOff x="0" y="0"/>
-          <a:chExt cx="0" cy="0"/>
-        </a:xfrm>
-      </p:grpSpPr>
-      <p:sp>
-        <p:nvSpPr>
-          <p:cNvPr id="5" name="文本框 4">
-            <a:extLst>
-              <a:ext uri="{FF2B5EF4-FFF2-40B4-BE49-F238E27FC236}">
-                <a16:creationId xmlns:a16="http://schemas.microsoft.com/office/drawing/2014/main" id="{0002241C-DE23-3C4B-991F-64F962F8E7D5}"/>
-              </a:ext>
-            </a:extLst>
-          </p:cNvPr>
-          <p:cNvSpPr txBox="1"/>
-          <p:nvPr/>
-        </p:nvSpPr>
-        <p:spPr>
-          <a:xfrm>
-            <a:off x="8184916" y="1508584"/>
-            <a:ext cx="1309974" cy="369332"/>
-          </a:xfrm>
-          <a:prstGeom prst="rect">
-            <a:avLst/>
-          </a:prstGeom>
-          <a:noFill/>
-        </p:spPr>
-        <p:txBody>
-          <a:bodyPr wrap="none" rtlCol="0">
-            <a:spAutoFit/>
-          </a:bodyPr>
-          <a:lstStyle/>
-          <a:p>
-            <a:r>
-              <a:rPr kumimoji="1" lang="en-US" altLang="zh-CN" dirty="0"/>
-              <a:t>+4 </a:t>
-            </a:r>
-            <a:r>
-              <a:rPr kumimoji="1" lang="en-US" altLang="zh-CN" dirty="0" err="1"/>
-              <a:t>defence</a:t>
-            </a:r>
-            <a:endParaRPr kumimoji="1" lang="en-US" altLang="zh-CN" dirty="0"/>
-          </a:p>
-        </p:txBody>
-      </p:sp>
-      <p:grpSp>
-        <p:nvGrpSpPr>
-          <p:cNvPr id="10" name="组合 9">
-            <a:extLst>
-              <a:ext uri="{FF2B5EF4-FFF2-40B4-BE49-F238E27FC236}">
-                <a16:creationId xmlns:a16="http://schemas.microsoft.com/office/drawing/2014/main" id="{CABAFFB5-AD67-734F-BF5E-4D7B1B6A40D1}"/>
-              </a:ext>
-            </a:extLst>
-          </p:cNvPr>
-          <p:cNvGrpSpPr/>
-          <p:nvPr/>
-        </p:nvGrpSpPr>
-        <p:grpSpPr>
-          <a:xfrm>
-            <a:off x="794657" y="457200"/>
-            <a:ext cx="5812972" cy="5812972"/>
-            <a:chOff x="794657" y="457200"/>
-            <a:chExt cx="5812972" cy="5812972"/>
-          </a:xfrm>
-        </p:grpSpPr>
-        <p:sp>
-          <p:nvSpPr>
-            <p:cNvPr id="6" name="矩形 5">
-              <a:extLst>
-                <a:ext uri="{FF2B5EF4-FFF2-40B4-BE49-F238E27FC236}">
-                  <a16:creationId xmlns:a16="http://schemas.microsoft.com/office/drawing/2014/main" id="{F5A1AC32-00C0-C043-AE69-D58FABE23C6D}"/>
-                </a:ext>
-              </a:extLst>
-            </p:cNvPr>
-            <p:cNvSpPr/>
-            <p:nvPr/>
-          </p:nvSpPr>
-          <p:spPr>
-            <a:xfrm>
-              <a:off x="794657" y="457200"/>
-              <a:ext cx="5812972" cy="5812972"/>
-            </a:xfrm>
-            <a:prstGeom prst="rect">
-              <a:avLst/>
-            </a:prstGeom>
-            <a:noFill/>
-            <a:ln w="25400">
-              <a:solidFill>
-                <a:schemeClr val="tx2"/>
-              </a:solidFill>
-            </a:ln>
-            <a:effectLst>
-              <a:glow rad="101600">
-                <a:schemeClr val="accent3">
-                  <a:satMod val="175000"/>
-                  <a:alpha val="40000"/>
-                </a:schemeClr>
-              </a:glow>
-            </a:effectLst>
-          </p:spPr>
-          <p:style>
-            <a:lnRef idx="2">
-              <a:schemeClr val="accent1">
-                <a:shade val="50000"/>
-              </a:schemeClr>
-            </a:lnRef>
-            <a:fillRef idx="1">
-              <a:schemeClr val="accent1"/>
-            </a:fillRef>
-            <a:effectRef idx="0">
-              <a:schemeClr val="accent1"/>
-            </a:effectRef>
-            <a:fontRef idx="minor">
-              <a:schemeClr val="lt1"/>
-            </a:fontRef>
-          </p:style>
-          <p:txBody>
-            <a:bodyPr rtlCol="0" anchor="ctr"/>
-            <a:lstStyle/>
-            <a:p>
-              <a:pPr algn="ctr"/>
-              <a:endParaRPr kumimoji="1" lang="zh-CN" altLang="en-US"/>
-            </a:p>
-          </p:txBody>
-        </p:sp>
-        <p:grpSp>
-          <p:nvGrpSpPr>
-            <p:cNvPr id="9" name="组合 8">
-              <a:extLst>
-                <a:ext uri="{FF2B5EF4-FFF2-40B4-BE49-F238E27FC236}">
-                  <a16:creationId xmlns:a16="http://schemas.microsoft.com/office/drawing/2014/main" id="{51B95604-00BA-1B44-8FC9-7C993E221FF2}"/>
-                </a:ext>
-              </a:extLst>
-            </p:cNvPr>
-            <p:cNvGrpSpPr/>
-            <p:nvPr/>
-          </p:nvGrpSpPr>
-          <p:grpSpPr>
-            <a:xfrm>
-              <a:off x="1264327" y="1418676"/>
-              <a:ext cx="4873632" cy="4020647"/>
-              <a:chOff x="1309528" y="972069"/>
-              <a:chExt cx="5797982" cy="4783217"/>
-            </a:xfrm>
-          </p:grpSpPr>
-          <p:pic>
-            <p:nvPicPr>
-              <p:cNvPr id="3" name="图形 2" descr="风铃">
-                <a:extLst>
-                  <a:ext uri="{FF2B5EF4-FFF2-40B4-BE49-F238E27FC236}">
-                    <a16:creationId xmlns:a16="http://schemas.microsoft.com/office/drawing/2014/main" id="{56E6E282-202E-C04A-ACE7-E4789966F852}"/>
-                  </a:ext>
-                </a:extLst>
-              </p:cNvPr>
-              <p:cNvPicPr>
-                <a:picLocks noChangeAspect="1"/>
-              </p:cNvPicPr>
-              <p:nvPr/>
-            </p:nvPicPr>
-            <p:blipFill>
-              <a:blip r:embed="rId2">
-                <a:extLst>
-                  <a:ext uri="{96DAC541-7B7A-43D3-8B79-37D633B846F1}">
-                    <asvg:svgBlip xmlns:asvg="http://schemas.microsoft.com/office/drawing/2016/SVG/main" r:embed="rId3"/>
-                  </a:ext>
-                </a:extLst>
-              </a:blip>
-              <a:stretch>
-                <a:fillRect/>
-              </a:stretch>
-            </p:blipFill>
-            <p:spPr>
-              <a:xfrm>
-                <a:off x="1309528" y="972071"/>
-                <a:ext cx="4783215" cy="4783215"/>
-              </a:xfrm>
-              <a:prstGeom prst="rect">
-                <a:avLst/>
-              </a:prstGeom>
-            </p:spPr>
-          </p:pic>
-          <p:pic>
-            <p:nvPicPr>
-              <p:cNvPr id="7" name="图形 6" descr="风铃">
-                <a:extLst>
-                  <a:ext uri="{FF2B5EF4-FFF2-40B4-BE49-F238E27FC236}">
-                    <a16:creationId xmlns:a16="http://schemas.microsoft.com/office/drawing/2014/main" id="{69192C43-94F9-4C46-B465-D819059415A4}"/>
-                  </a:ext>
-                </a:extLst>
-              </p:cNvPr>
-              <p:cNvPicPr>
-                <a:picLocks noChangeAspect="1"/>
-              </p:cNvPicPr>
-              <p:nvPr/>
-            </p:nvPicPr>
-            <p:blipFill>
-              <a:blip r:embed="rId2">
-                <a:extLst>
-                  <a:ext uri="{96DAC541-7B7A-43D3-8B79-37D633B846F1}">
-                    <asvg:svgBlip xmlns:asvg="http://schemas.microsoft.com/office/drawing/2016/SVG/main" r:embed="rId3"/>
-                  </a:ext>
-                </a:extLst>
-              </a:blip>
-              <a:stretch>
-                <a:fillRect/>
-              </a:stretch>
-            </p:blipFill>
-            <p:spPr>
-              <a:xfrm flipH="1">
-                <a:off x="2324297" y="972069"/>
-                <a:ext cx="4783213" cy="4783215"/>
-              </a:xfrm>
-              <a:prstGeom prst="rect">
-                <a:avLst/>
-              </a:prstGeom>
-            </p:spPr>
-          </p:pic>
-        </p:grpSp>
-      </p:grpSp>
-      <p:pic>
-        <p:nvPicPr>
-          <p:cNvPr id="1026" name="Picture 2" descr="杀戮尖塔机器人爪击介绍_故障机器人爪击怎么样_3DM单机">
-            <a:extLst>
-              <a:ext uri="{FF2B5EF4-FFF2-40B4-BE49-F238E27FC236}">
-                <a16:creationId xmlns:a16="http://schemas.microsoft.com/office/drawing/2014/main" id="{6A0E5607-DE06-45CB-A7F0-6FC11B513196}"/>
-              </a:ext>
-            </a:extLst>
-          </p:cNvPr>
-          <p:cNvPicPr>
-            <a:picLocks noChangeAspect="1" noChangeArrowheads="1"/>
-          </p:cNvPicPr>
-          <p:nvPr/>
-        </p:nvPicPr>
-        <p:blipFill>
-          <a:blip r:embed="rId4">
-            <a:extLst>
-              <a:ext uri="{28A0092B-C50C-407E-A947-70E740481C1C}">
-                <a14:useLocalDpi xmlns:a14="http://schemas.microsoft.com/office/drawing/2010/main" val="0"/>
-              </a:ext>
-            </a:extLst>
-          </a:blip>
-          <a:srcRect/>
-          <a:stretch>
-            <a:fillRect/>
-          </a:stretch>
-        </p:blipFill>
-        <p:spPr bwMode="auto">
-          <a:xfrm>
-            <a:off x="9494890" y="3111041"/>
-            <a:ext cx="1714500" cy="2238375"/>
-          </a:xfrm>
-          <a:prstGeom prst="rect">
-            <a:avLst/>
-          </a:prstGeom>
-          <a:noFill/>
-          <a:extLst>
-            <a:ext uri="{909E8E84-426E-40DD-AFC4-6F175D3DCCD1}">
-              <a14:hiddenFill xmlns:a14="http://schemas.microsoft.com/office/drawing/2010/main">
-                <a:solidFill>
-                  <a:srgbClr val="FFFFFF"/>
-                </a:solidFill>
-              </a14:hiddenFill>
-            </a:ext>
-          </a:extLst>
-        </p:spPr>
-      </p:pic>
-    </p:spTree>
-    <p:extLst>
-      <p:ext uri="{BB962C8B-B14F-4D97-AF65-F5344CB8AC3E}">
-        <p14:creationId xmlns:p14="http://schemas.microsoft.com/office/powerpoint/2010/main" val="3910105766"/>
-      </p:ext>
-    </p:extLst>
-  </p:cSld>
-  <p:clrMapOvr>
-    <a:masterClrMapping/>
-  </p:clrMapOvr>
-</p:sld>
-</file>
-
-<file path=ppt/slides/slide2.xml><?xml version="1.0" encoding="utf-8"?>
-<p:sld xmlns:a="http://schemas.openxmlformats.org/drawingml/2006/main" xmlns:r="http://schemas.openxmlformats.org/officeDocument/2006/relationships" xmlns:p="http://schemas.openxmlformats.org/presentationml/2006/main">
-  <p:cSld>
-    <p:spTree>
-      <p:nvGrpSpPr>
-        <p:cNvPr id="1" name=""/>
-        <p:cNvGrpSpPr/>
-        <p:nvPr/>
-      </p:nvGrpSpPr>
-      <p:grpSpPr>
-        <a:xfrm>
-          <a:off x="0" y="0"/>
-          <a:ext cx="0" cy="0"/>
-          <a:chOff x="0" y="0"/>
-          <a:chExt cx="0" cy="0"/>
-        </a:xfrm>
-      </p:grpSpPr>
-      <p:grpSp>
-        <p:nvGrpSpPr>
-          <p:cNvPr id="11" name="组合 10">
-            <a:extLst>
-              <a:ext uri="{FF2B5EF4-FFF2-40B4-BE49-F238E27FC236}">
-                <a16:creationId xmlns:a16="http://schemas.microsoft.com/office/drawing/2014/main" id="{A5A34BA0-0C57-D34C-964F-D4A6E8442F44}"/>
-              </a:ext>
-            </a:extLst>
-          </p:cNvPr>
-          <p:cNvGrpSpPr/>
-          <p:nvPr/>
-        </p:nvGrpSpPr>
-        <p:grpSpPr>
-          <a:xfrm>
-            <a:off x="794657" y="457200"/>
-            <a:ext cx="5812972" cy="5812972"/>
-            <a:chOff x="794657" y="457200"/>
-            <a:chExt cx="5812972" cy="5812972"/>
-          </a:xfrm>
-        </p:grpSpPr>
-        <p:pic>
-          <p:nvPicPr>
-            <p:cNvPr id="10" name="图形 9" descr="波浪">
-              <a:extLst>
-                <a:ext uri="{FF2B5EF4-FFF2-40B4-BE49-F238E27FC236}">
-                  <a16:creationId xmlns:a16="http://schemas.microsoft.com/office/drawing/2014/main" id="{84D4E7A1-8FF1-3843-9E65-2FE693689D78}"/>
-                </a:ext>
-              </a:extLst>
-            </p:cNvPr>
-            <p:cNvPicPr>
-              <a:picLocks noChangeAspect="1"/>
-            </p:cNvPicPr>
-            <p:nvPr/>
-          </p:nvPicPr>
-          <p:blipFill>
-            <a:blip r:embed="rId2">
-              <a:extLst>
-                <a:ext uri="{96DAC541-7B7A-43D3-8B79-37D633B846F1}">
-                  <asvg:svgBlip xmlns:asvg="http://schemas.microsoft.com/office/drawing/2016/SVG/main" r:embed="rId3"/>
-                </a:ext>
-              </a:extLst>
-            </a:blip>
-            <a:stretch>
-              <a:fillRect/>
-            </a:stretch>
-          </p:blipFill>
-          <p:spPr>
-            <a:xfrm>
-              <a:off x="1312783" y="972076"/>
-              <a:ext cx="4783217" cy="4783217"/>
-            </a:xfrm>
-            <a:prstGeom prst="rect">
-              <a:avLst/>
-            </a:prstGeom>
-            <a:effectLst>
-              <a:glow rad="127000">
-                <a:schemeClr val="accent5">
-                  <a:lumMod val="40000"/>
-                  <a:lumOff val="60000"/>
-                </a:schemeClr>
-              </a:glow>
-            </a:effectLst>
-          </p:spPr>
-        </p:pic>
-        <p:sp>
-          <p:nvSpPr>
-            <p:cNvPr id="6" name="矩形 5">
-              <a:extLst>
-                <a:ext uri="{FF2B5EF4-FFF2-40B4-BE49-F238E27FC236}">
-                  <a16:creationId xmlns:a16="http://schemas.microsoft.com/office/drawing/2014/main" id="{F5A1AC32-00C0-C043-AE69-D58FABE23C6D}"/>
-                </a:ext>
-              </a:extLst>
-            </p:cNvPr>
-            <p:cNvSpPr/>
-            <p:nvPr/>
-          </p:nvSpPr>
-          <p:spPr>
-            <a:xfrm>
-              <a:off x="794657" y="457200"/>
-              <a:ext cx="5812972" cy="5812972"/>
-            </a:xfrm>
-            <a:prstGeom prst="rect">
-              <a:avLst/>
-            </a:prstGeom>
-            <a:noFill/>
-            <a:ln w="25400">
-              <a:solidFill>
-                <a:schemeClr val="tx2"/>
-              </a:solidFill>
-            </a:ln>
-            <a:effectLst>
-              <a:glow rad="101600">
-                <a:schemeClr val="accent3">
-                  <a:satMod val="175000"/>
-                  <a:alpha val="40000"/>
-                </a:schemeClr>
-              </a:glow>
-            </a:effectLst>
-          </p:spPr>
-          <p:style>
-            <a:lnRef idx="2">
-              <a:schemeClr val="accent1">
-                <a:shade val="50000"/>
-              </a:schemeClr>
-            </a:lnRef>
-            <a:fillRef idx="1">
-              <a:schemeClr val="accent1"/>
-            </a:fillRef>
-            <a:effectRef idx="0">
-              <a:schemeClr val="accent1"/>
-            </a:effectRef>
-            <a:fontRef idx="minor">
-              <a:schemeClr val="lt1"/>
-            </a:fontRef>
-          </p:style>
-          <p:txBody>
-            <a:bodyPr rtlCol="0" anchor="ctr"/>
-            <a:lstStyle/>
-            <a:p>
-              <a:pPr algn="ctr"/>
-              <a:endParaRPr kumimoji="1" lang="zh-CN" altLang="en-US"/>
-            </a:p>
-          </p:txBody>
-        </p:sp>
-      </p:grpSp>
-      <p:sp>
-        <p:nvSpPr>
-          <p:cNvPr id="8" name="文本框 7">
-            <a:extLst>
-              <a:ext uri="{FF2B5EF4-FFF2-40B4-BE49-F238E27FC236}">
-                <a16:creationId xmlns:a16="http://schemas.microsoft.com/office/drawing/2014/main" id="{0D584FCF-1F09-D04A-A5BB-6FE6BDD4CA89}"/>
-              </a:ext>
-            </a:extLst>
-          </p:cNvPr>
-          <p:cNvSpPr txBox="1"/>
-          <p:nvPr/>
-        </p:nvSpPr>
-        <p:spPr>
-          <a:xfrm>
-            <a:off x="8184916" y="1508584"/>
-            <a:ext cx="1697901" cy="369332"/>
-          </a:xfrm>
-          <a:prstGeom prst="rect">
-            <a:avLst/>
-          </a:prstGeom>
-          <a:noFill/>
-        </p:spPr>
-        <p:txBody>
-          <a:bodyPr wrap="none" rtlCol="0">
-            <a:spAutoFit/>
-          </a:bodyPr>
-          <a:lstStyle/>
-          <a:p>
-            <a:r>
-              <a:rPr kumimoji="1" lang="zh-CN" altLang="en-US" dirty="0"/>
-              <a:t>发光</a:t>
-            </a:r>
-            <a:r>
-              <a:rPr kumimoji="1" lang="en-US" altLang="zh-CN" dirty="0"/>
-              <a:t>-</a:t>
-            </a:r>
-            <a:r>
-              <a:rPr kumimoji="1" lang="zh-CN" altLang="en-US" dirty="0"/>
-              <a:t>大小</a:t>
-            </a:r>
-            <a:r>
-              <a:rPr kumimoji="1" lang="en-US" altLang="zh-CN" dirty="0"/>
-              <a:t>20</a:t>
-            </a:r>
-            <a:r>
-              <a:rPr kumimoji="1" lang="zh-CN" altLang="en-US" dirty="0"/>
-              <a:t>磅</a:t>
-            </a:r>
-          </a:p>
-        </p:txBody>
-      </p:sp>
-    </p:spTree>
-    <p:extLst>
-      <p:ext uri="{BB962C8B-B14F-4D97-AF65-F5344CB8AC3E}">
-        <p14:creationId xmlns:p14="http://schemas.microsoft.com/office/powerpoint/2010/main" val="1240234835"/>
-      </p:ext>
-    </p:extLst>
-  </p:cSld>
-  <p:clrMapOvr>
-    <a:masterClrMapping/>
-  </p:clrMapOvr>
-</p:sld>
-</file>
-
-<file path=ppt/slides/slide3.xml><?xml version="1.0" encoding="utf-8"?>
-<p:sld xmlns:a="http://schemas.openxmlformats.org/drawingml/2006/main" xmlns:r="http://schemas.openxmlformats.org/officeDocument/2006/relationships" xmlns:p="http://schemas.openxmlformats.org/presentationml/2006/main">
-  <p:cSld>
-    <p:spTree>
-      <p:nvGrpSpPr>
-        <p:cNvPr id="1" name=""/>
-        <p:cNvGrpSpPr/>
-        <p:nvPr/>
-      </p:nvGrpSpPr>
-      <p:grpSpPr>
-        <a:xfrm>
-          <a:off x="0" y="0"/>
-          <a:ext cx="0" cy="0"/>
-          <a:chOff x="0" y="0"/>
-          <a:chExt cx="0" cy="0"/>
-        </a:xfrm>
-      </p:grpSpPr>
-      <p:grpSp>
-        <p:nvGrpSpPr>
-          <p:cNvPr id="10" name="组合 9">
-            <a:extLst>
-              <a:ext uri="{FF2B5EF4-FFF2-40B4-BE49-F238E27FC236}">
-                <a16:creationId xmlns:a16="http://schemas.microsoft.com/office/drawing/2014/main" id="{6D8D3751-C082-5B46-8CE7-296B0CC4A064}"/>
-              </a:ext>
-            </a:extLst>
-          </p:cNvPr>
-          <p:cNvGrpSpPr/>
-          <p:nvPr/>
-        </p:nvGrpSpPr>
-        <p:grpSpPr>
-          <a:xfrm>
-            <a:off x="794657" y="457200"/>
-            <a:ext cx="5812972" cy="5812972"/>
-            <a:chOff x="794657" y="457200"/>
-            <a:chExt cx="5812972" cy="5812972"/>
-          </a:xfrm>
-        </p:grpSpPr>
-        <p:pic>
-          <p:nvPicPr>
-            <p:cNvPr id="9" name="图形 8" descr="篝火">
-              <a:extLst>
-                <a:ext uri="{FF2B5EF4-FFF2-40B4-BE49-F238E27FC236}">
-                  <a16:creationId xmlns:a16="http://schemas.microsoft.com/office/drawing/2014/main" id="{D635B8A5-AA41-3249-A3F0-1919FF3D8364}"/>
-                </a:ext>
-              </a:extLst>
-            </p:cNvPr>
-            <p:cNvPicPr>
-              <a:picLocks noChangeAspect="1"/>
-            </p:cNvPicPr>
-            <p:nvPr/>
-          </p:nvPicPr>
-          <p:blipFill>
-            <a:blip r:embed="rId2">
-              <a:extLst>
-                <a:ext uri="{96DAC541-7B7A-43D3-8B79-37D633B846F1}">
-                  <asvg:svgBlip xmlns:asvg="http://schemas.microsoft.com/office/drawing/2016/SVG/main" r:embed="rId3"/>
-                </a:ext>
-              </a:extLst>
-            </a:blip>
-            <a:stretch>
-              <a:fillRect/>
-            </a:stretch>
-          </p:blipFill>
-          <p:spPr>
-            <a:xfrm>
-              <a:off x="1309534" y="972076"/>
-              <a:ext cx="4783217" cy="4783217"/>
-            </a:xfrm>
-            <a:prstGeom prst="rect">
-              <a:avLst/>
-            </a:prstGeom>
-            <a:effectLst>
-              <a:glow rad="127000">
-                <a:schemeClr val="accent2">
-                  <a:lumMod val="60000"/>
-                  <a:lumOff val="40000"/>
-                </a:schemeClr>
-              </a:glow>
-            </a:effectLst>
-          </p:spPr>
-        </p:pic>
-        <p:sp>
-          <p:nvSpPr>
-            <p:cNvPr id="6" name="矩形 5">
-              <a:extLst>
-                <a:ext uri="{FF2B5EF4-FFF2-40B4-BE49-F238E27FC236}">
-                  <a16:creationId xmlns:a16="http://schemas.microsoft.com/office/drawing/2014/main" id="{F5A1AC32-00C0-C043-AE69-D58FABE23C6D}"/>
-                </a:ext>
-              </a:extLst>
-            </p:cNvPr>
-            <p:cNvSpPr/>
-            <p:nvPr/>
-          </p:nvSpPr>
-          <p:spPr>
-            <a:xfrm>
-              <a:off x="794657" y="457200"/>
-              <a:ext cx="5812972" cy="5812972"/>
-            </a:xfrm>
-            <a:prstGeom prst="rect">
-              <a:avLst/>
-            </a:prstGeom>
-            <a:noFill/>
-            <a:ln w="25400">
-              <a:solidFill>
-                <a:schemeClr val="tx2"/>
-              </a:solidFill>
-            </a:ln>
-            <a:effectLst>
-              <a:glow rad="101600">
-                <a:schemeClr val="accent3">
-                  <a:satMod val="175000"/>
-                  <a:alpha val="40000"/>
-                </a:schemeClr>
-              </a:glow>
-            </a:effectLst>
-          </p:spPr>
-          <p:style>
-            <a:lnRef idx="2">
-              <a:schemeClr val="accent1">
-                <a:shade val="50000"/>
-              </a:schemeClr>
-            </a:lnRef>
-            <a:fillRef idx="1">
-              <a:schemeClr val="accent1"/>
-            </a:fillRef>
-            <a:effectRef idx="0">
-              <a:schemeClr val="accent1"/>
-            </a:effectRef>
-            <a:fontRef idx="minor">
-              <a:schemeClr val="lt1"/>
-            </a:fontRef>
-          </p:style>
-          <p:txBody>
-            <a:bodyPr rtlCol="0" anchor="ctr"/>
-            <a:lstStyle/>
-            <a:p>
-              <a:pPr algn="ctr"/>
-              <a:endParaRPr kumimoji="1" lang="zh-CN" altLang="en-US"/>
-            </a:p>
-          </p:txBody>
-        </p:sp>
-      </p:grpSp>
-      <p:sp>
-        <p:nvSpPr>
-          <p:cNvPr id="7" name="文本框 6">
-            <a:extLst>
-              <a:ext uri="{FF2B5EF4-FFF2-40B4-BE49-F238E27FC236}">
-                <a16:creationId xmlns:a16="http://schemas.microsoft.com/office/drawing/2014/main" id="{76EFE55E-12D2-D84D-B9C0-8D30425F82C3}"/>
-              </a:ext>
-            </a:extLst>
-          </p:cNvPr>
-          <p:cNvSpPr txBox="1"/>
-          <p:nvPr/>
-        </p:nvSpPr>
-        <p:spPr>
-          <a:xfrm>
-            <a:off x="8184916" y="1508584"/>
-            <a:ext cx="1697901" cy="369332"/>
-          </a:xfrm>
-          <a:prstGeom prst="rect">
-            <a:avLst/>
-          </a:prstGeom>
-          <a:noFill/>
-        </p:spPr>
-        <p:txBody>
-          <a:bodyPr wrap="none" rtlCol="0">
-            <a:spAutoFit/>
-          </a:bodyPr>
-          <a:lstStyle/>
-          <a:p>
-            <a:r>
-              <a:rPr kumimoji="1" lang="zh-CN" altLang="en-US" dirty="0"/>
-              <a:t>发光</a:t>
-            </a:r>
-            <a:r>
-              <a:rPr kumimoji="1" lang="en-US" altLang="zh-CN" dirty="0"/>
-              <a:t>-</a:t>
-            </a:r>
-            <a:r>
-              <a:rPr kumimoji="1" lang="zh-CN" altLang="en-US" dirty="0"/>
-              <a:t>大小</a:t>
-            </a:r>
-            <a:r>
-              <a:rPr kumimoji="1" lang="en-US" altLang="zh-CN" dirty="0"/>
-              <a:t>20</a:t>
-            </a:r>
-            <a:r>
-              <a:rPr kumimoji="1" lang="zh-CN" altLang="en-US" dirty="0"/>
-              <a:t>磅</a:t>
-            </a:r>
-          </a:p>
-        </p:txBody>
-      </p:sp>
-    </p:spTree>
-    <p:extLst>
-      <p:ext uri="{BB962C8B-B14F-4D97-AF65-F5344CB8AC3E}">
-        <p14:creationId xmlns:p14="http://schemas.microsoft.com/office/powerpoint/2010/main" val="1783959862"/>
-      </p:ext>
-    </p:extLst>
-  </p:cSld>
-  <p:clrMapOvr>
-    <a:masterClrMapping/>
-  </p:clrMapOvr>
-</p:sld>
-</file>
-
-<file path=ppt/slides/slide4.xml><?xml version="1.0" encoding="utf-8"?>
-<p:sld xmlns:a="http://schemas.openxmlformats.org/drawingml/2006/main" xmlns:r="http://schemas.openxmlformats.org/officeDocument/2006/relationships" xmlns:p="http://schemas.openxmlformats.org/presentationml/2006/main">
-  <p:cSld>
-    <p:spTree>
-      <p:nvGrpSpPr>
-        <p:cNvPr id="1" name=""/>
-        <p:cNvGrpSpPr/>
-        <p:nvPr/>
-      </p:nvGrpSpPr>
-      <p:grpSpPr>
-        <a:xfrm>
-          <a:off x="0" y="0"/>
-          <a:ext cx="0" cy="0"/>
-          <a:chOff x="0" y="0"/>
-          <a:chExt cx="0" cy="0"/>
-        </a:xfrm>
-      </p:grpSpPr>
-      <p:grpSp>
-        <p:nvGrpSpPr>
-          <p:cNvPr id="11" name="组合 10">
-            <a:extLst>
-              <a:ext uri="{FF2B5EF4-FFF2-40B4-BE49-F238E27FC236}">
-                <a16:creationId xmlns:a16="http://schemas.microsoft.com/office/drawing/2014/main" id="{3C1DDD70-D359-1246-BBD1-C3F2A3E28EC4}"/>
-              </a:ext>
-            </a:extLst>
-          </p:cNvPr>
-          <p:cNvGrpSpPr/>
-          <p:nvPr/>
-        </p:nvGrpSpPr>
-        <p:grpSpPr>
-          <a:xfrm>
-            <a:off x="794657" y="457200"/>
-            <a:ext cx="5812972" cy="5812972"/>
-            <a:chOff x="794657" y="457200"/>
-            <a:chExt cx="5812972" cy="5812972"/>
-          </a:xfrm>
-        </p:grpSpPr>
-        <p:pic>
-          <p:nvPicPr>
-            <p:cNvPr id="3" name="图形 2" descr="金条">
-              <a:extLst>
-                <a:ext uri="{FF2B5EF4-FFF2-40B4-BE49-F238E27FC236}">
-                  <a16:creationId xmlns:a16="http://schemas.microsoft.com/office/drawing/2014/main" id="{7D615728-1FE2-4741-84E9-A2174A5DCA23}"/>
-                </a:ext>
-              </a:extLst>
-            </p:cNvPr>
-            <p:cNvPicPr>
-              <a:picLocks noChangeAspect="1"/>
-            </p:cNvPicPr>
-            <p:nvPr/>
-          </p:nvPicPr>
-          <p:blipFill>
-            <a:blip r:embed="rId2">
-              <a:extLst>
-                <a:ext uri="{96DAC541-7B7A-43D3-8B79-37D633B846F1}">
-                  <asvg:svgBlip xmlns:asvg="http://schemas.microsoft.com/office/drawing/2016/SVG/main" r:embed="rId3"/>
-                </a:ext>
-              </a:extLst>
-            </a:blip>
-            <a:stretch>
-              <a:fillRect/>
-            </a:stretch>
-          </p:blipFill>
-          <p:spPr>
-            <a:xfrm>
-              <a:off x="1309534" y="972075"/>
-              <a:ext cx="4783217" cy="4783217"/>
-            </a:xfrm>
-            <a:prstGeom prst="rect">
-              <a:avLst/>
-            </a:prstGeom>
-            <a:effectLst>
-              <a:glow rad="190500">
-                <a:schemeClr val="accent4">
-                  <a:satMod val="175000"/>
-                  <a:alpha val="40000"/>
-                </a:schemeClr>
-              </a:glow>
-            </a:effectLst>
-          </p:spPr>
-        </p:pic>
-        <p:sp>
-          <p:nvSpPr>
-            <p:cNvPr id="6" name="矩形 5">
-              <a:extLst>
-                <a:ext uri="{FF2B5EF4-FFF2-40B4-BE49-F238E27FC236}">
-                  <a16:creationId xmlns:a16="http://schemas.microsoft.com/office/drawing/2014/main" id="{F5A1AC32-00C0-C043-AE69-D58FABE23C6D}"/>
-                </a:ext>
-              </a:extLst>
-            </p:cNvPr>
-            <p:cNvSpPr/>
-            <p:nvPr/>
-          </p:nvSpPr>
-          <p:spPr>
-            <a:xfrm>
-              <a:off x="794657" y="457200"/>
-              <a:ext cx="5812972" cy="5812972"/>
-            </a:xfrm>
-            <a:prstGeom prst="rect">
-              <a:avLst/>
-            </a:prstGeom>
-            <a:noFill/>
-            <a:ln w="25400">
-              <a:solidFill>
-                <a:schemeClr val="tx2"/>
-              </a:solidFill>
-            </a:ln>
-            <a:effectLst>
-              <a:glow rad="101600">
-                <a:schemeClr val="accent3">
-                  <a:satMod val="175000"/>
-                  <a:alpha val="40000"/>
-                </a:schemeClr>
-              </a:glow>
-            </a:effectLst>
-          </p:spPr>
-          <p:style>
-            <a:lnRef idx="2">
-              <a:schemeClr val="accent1">
-                <a:shade val="50000"/>
-              </a:schemeClr>
-            </a:lnRef>
-            <a:fillRef idx="1">
-              <a:schemeClr val="accent1"/>
-            </a:fillRef>
-            <a:effectRef idx="0">
-              <a:schemeClr val="accent1"/>
-            </a:effectRef>
-            <a:fontRef idx="minor">
-              <a:schemeClr val="lt1"/>
-            </a:fontRef>
-          </p:style>
-          <p:txBody>
-            <a:bodyPr rtlCol="0" anchor="ctr"/>
-            <a:lstStyle/>
-            <a:p>
-              <a:pPr algn="ctr"/>
-              <a:endParaRPr kumimoji="1" lang="zh-CN" altLang="en-US"/>
-            </a:p>
-          </p:txBody>
-        </p:sp>
-      </p:grpSp>
-      <p:sp>
-        <p:nvSpPr>
-          <p:cNvPr id="9" name="文本框 8">
-            <a:extLst>
-              <a:ext uri="{FF2B5EF4-FFF2-40B4-BE49-F238E27FC236}">
-                <a16:creationId xmlns:a16="http://schemas.microsoft.com/office/drawing/2014/main" id="{A4BA6688-3BC3-9942-B372-B6D41BDC4771}"/>
-              </a:ext>
-            </a:extLst>
-          </p:cNvPr>
-          <p:cNvSpPr txBox="1"/>
-          <p:nvPr/>
-        </p:nvSpPr>
-        <p:spPr>
-          <a:xfrm>
-            <a:off x="8184916" y="1508584"/>
-            <a:ext cx="1697901" cy="369332"/>
-          </a:xfrm>
-          <a:prstGeom prst="rect">
-            <a:avLst/>
-          </a:prstGeom>
-          <a:noFill/>
-        </p:spPr>
-        <p:txBody>
-          <a:bodyPr wrap="none" rtlCol="0">
-            <a:spAutoFit/>
-          </a:bodyPr>
-          <a:lstStyle/>
-          <a:p>
-            <a:r>
-              <a:rPr kumimoji="1" lang="zh-CN" altLang="en-US" dirty="0"/>
-              <a:t>发光</a:t>
-            </a:r>
-            <a:r>
-              <a:rPr kumimoji="1" lang="en-US" altLang="zh-CN" dirty="0"/>
-              <a:t>-</a:t>
-            </a:r>
-            <a:r>
-              <a:rPr kumimoji="1" lang="zh-CN" altLang="en-US" dirty="0"/>
-              <a:t>大小</a:t>
-            </a:r>
-            <a:r>
-              <a:rPr kumimoji="1" lang="en-US" altLang="zh-CN" dirty="0"/>
-              <a:t>20</a:t>
-            </a:r>
-            <a:r>
-              <a:rPr kumimoji="1" lang="zh-CN" altLang="en-US" dirty="0"/>
-              <a:t>磅</a:t>
-            </a:r>
-          </a:p>
-        </p:txBody>
-      </p:sp>
-    </p:spTree>
-    <p:extLst>
-      <p:ext uri="{BB962C8B-B14F-4D97-AF65-F5344CB8AC3E}">
-        <p14:creationId xmlns:p14="http://schemas.microsoft.com/office/powerpoint/2010/main" val="4153769020"/>
-      </p:ext>
-    </p:extLst>
-  </p:cSld>
-  <p:clrMapOvr>
-    <a:masterClrMapping/>
-  </p:clrMapOvr>
-</p:sld>
-</file>
-
-<file path=ppt/slides/slide5.xml><?xml version="1.0" encoding="utf-8"?>
-<p:sld xmlns:a="http://schemas.openxmlformats.org/drawingml/2006/main" xmlns:r="http://schemas.openxmlformats.org/officeDocument/2006/relationships" xmlns:p="http://schemas.openxmlformats.org/presentationml/2006/main">
-  <p:cSld>
-    <p:spTree>
-      <p:nvGrpSpPr>
-        <p:cNvPr id="1" name=""/>
-        <p:cNvGrpSpPr/>
-        <p:nvPr/>
-      </p:nvGrpSpPr>
-      <p:grpSpPr>
-        <a:xfrm>
-          <a:off x="0" y="0"/>
-          <a:ext cx="0" cy="0"/>
-          <a:chOff x="0" y="0"/>
-          <a:chExt cx="0" cy="0"/>
-        </a:xfrm>
-      </p:grpSpPr>
-      <p:grpSp>
-        <p:nvGrpSpPr>
-          <p:cNvPr id="10" name="组合 9">
-            <a:extLst>
-              <a:ext uri="{FF2B5EF4-FFF2-40B4-BE49-F238E27FC236}">
-                <a16:creationId xmlns:a16="http://schemas.microsoft.com/office/drawing/2014/main" id="{F7A92BA8-5C2B-0746-AB66-451BCA285ABD}"/>
-              </a:ext>
-            </a:extLst>
-          </p:cNvPr>
-          <p:cNvGrpSpPr/>
-          <p:nvPr/>
-        </p:nvGrpSpPr>
-        <p:grpSpPr>
-          <a:xfrm>
-            <a:off x="794657" y="457200"/>
-            <a:ext cx="5812972" cy="5812972"/>
-            <a:chOff x="794657" y="457200"/>
-            <a:chExt cx="5812972" cy="5812972"/>
-          </a:xfrm>
-        </p:grpSpPr>
-        <p:pic>
-          <p:nvPicPr>
-            <p:cNvPr id="8" name="图形 7" descr="群山">
-              <a:extLst>
-                <a:ext uri="{FF2B5EF4-FFF2-40B4-BE49-F238E27FC236}">
-                  <a16:creationId xmlns:a16="http://schemas.microsoft.com/office/drawing/2014/main" id="{37557B79-7771-1B4C-AACE-10F160550427}"/>
-                </a:ext>
-              </a:extLst>
-            </p:cNvPr>
-            <p:cNvPicPr>
-              <a:picLocks noChangeAspect="1"/>
-            </p:cNvPicPr>
-            <p:nvPr/>
-          </p:nvPicPr>
-          <p:blipFill>
-            <a:blip r:embed="rId2">
-              <a:extLst>
-                <a:ext uri="{96DAC541-7B7A-43D3-8B79-37D633B846F1}">
-                  <asvg:svgBlip xmlns:asvg="http://schemas.microsoft.com/office/drawing/2016/SVG/main" r:embed="rId3"/>
-                </a:ext>
-              </a:extLst>
-            </a:blip>
-            <a:stretch>
-              <a:fillRect/>
-            </a:stretch>
-          </p:blipFill>
-          <p:spPr>
-            <a:xfrm>
-              <a:off x="1309533" y="972075"/>
-              <a:ext cx="4783217" cy="4783217"/>
-            </a:xfrm>
-            <a:prstGeom prst="rect">
-              <a:avLst/>
-            </a:prstGeom>
-            <a:effectLst>
-              <a:glow rad="254000">
-                <a:schemeClr val="accent4">
-                  <a:lumMod val="75000"/>
-                </a:schemeClr>
-              </a:glow>
-            </a:effectLst>
-          </p:spPr>
-        </p:pic>
-        <p:sp>
-          <p:nvSpPr>
-            <p:cNvPr id="6" name="矩形 5">
-              <a:extLst>
-                <a:ext uri="{FF2B5EF4-FFF2-40B4-BE49-F238E27FC236}">
-                  <a16:creationId xmlns:a16="http://schemas.microsoft.com/office/drawing/2014/main" id="{F5A1AC32-00C0-C043-AE69-D58FABE23C6D}"/>
-                </a:ext>
-              </a:extLst>
-            </p:cNvPr>
-            <p:cNvSpPr/>
-            <p:nvPr/>
-          </p:nvSpPr>
-          <p:spPr>
-            <a:xfrm>
-              <a:off x="794657" y="457200"/>
-              <a:ext cx="5812972" cy="5812972"/>
-            </a:xfrm>
-            <a:prstGeom prst="rect">
-              <a:avLst/>
-            </a:prstGeom>
-            <a:noFill/>
-            <a:ln w="25400">
-              <a:solidFill>
-                <a:schemeClr val="tx2"/>
-              </a:solidFill>
-            </a:ln>
-            <a:effectLst>
-              <a:glow rad="101600">
-                <a:schemeClr val="accent3">
-                  <a:satMod val="175000"/>
-                  <a:alpha val="40000"/>
-                </a:schemeClr>
-              </a:glow>
-            </a:effectLst>
-          </p:spPr>
-          <p:style>
-            <a:lnRef idx="2">
-              <a:schemeClr val="accent1">
-                <a:shade val="50000"/>
-              </a:schemeClr>
-            </a:lnRef>
-            <a:fillRef idx="1">
-              <a:schemeClr val="accent1"/>
-            </a:fillRef>
-            <a:effectRef idx="0">
-              <a:schemeClr val="accent1"/>
-            </a:effectRef>
-            <a:fontRef idx="minor">
-              <a:schemeClr val="lt1"/>
-            </a:fontRef>
-          </p:style>
-          <p:txBody>
-            <a:bodyPr rtlCol="0" anchor="ctr"/>
-            <a:lstStyle/>
-            <a:p>
-              <a:pPr algn="ctr"/>
-              <a:endParaRPr kumimoji="1" lang="zh-CN" altLang="en-US"/>
-            </a:p>
-          </p:txBody>
-        </p:sp>
-      </p:grpSp>
-      <p:sp>
-        <p:nvSpPr>
-          <p:cNvPr id="9" name="文本框 8">
-            <a:extLst>
-              <a:ext uri="{FF2B5EF4-FFF2-40B4-BE49-F238E27FC236}">
-                <a16:creationId xmlns:a16="http://schemas.microsoft.com/office/drawing/2014/main" id="{84D6C507-697D-514D-B709-11D6A0010610}"/>
-              </a:ext>
-            </a:extLst>
-          </p:cNvPr>
-          <p:cNvSpPr txBox="1"/>
-          <p:nvPr/>
-        </p:nvSpPr>
-        <p:spPr>
-          <a:xfrm>
-            <a:off x="8184916" y="1508584"/>
-            <a:ext cx="1697901" cy="369332"/>
-          </a:xfrm>
-          <a:prstGeom prst="rect">
-            <a:avLst/>
-          </a:prstGeom>
-          <a:noFill/>
-        </p:spPr>
-        <p:txBody>
-          <a:bodyPr wrap="none" rtlCol="0">
-            <a:spAutoFit/>
-          </a:bodyPr>
-          <a:lstStyle/>
-          <a:p>
-            <a:r>
-              <a:rPr kumimoji="1" lang="zh-CN" altLang="en-US" dirty="0"/>
-              <a:t>发光</a:t>
-            </a:r>
-            <a:r>
-              <a:rPr kumimoji="1" lang="en-US" altLang="zh-CN" dirty="0"/>
-              <a:t>-</a:t>
-            </a:r>
-            <a:r>
-              <a:rPr kumimoji="1" lang="zh-CN" altLang="en-US" dirty="0"/>
-              <a:t>大小</a:t>
-            </a:r>
-            <a:r>
-              <a:rPr kumimoji="1" lang="en-US" altLang="zh-CN" dirty="0"/>
-              <a:t>20</a:t>
-            </a:r>
-            <a:r>
-              <a:rPr kumimoji="1" lang="zh-CN" altLang="en-US" dirty="0"/>
-              <a:t>磅</a:t>
-            </a:r>
-          </a:p>
-        </p:txBody>
-      </p:sp>
-    </p:spTree>
-    <p:extLst>
-      <p:ext uri="{BB962C8B-B14F-4D97-AF65-F5344CB8AC3E}">
-        <p14:creationId xmlns:p14="http://schemas.microsoft.com/office/powerpoint/2010/main" val="980276707"/>
-      </p:ext>
-    </p:extLst>
-  </p:cSld>
-  <p:clrMapOvr>
-    <a:masterClrMapping/>
-  </p:clrMapOvr>
-</p:sld>
-</file>
-
-<file path=ppt/slides/slide6.xml><?xml version="1.0" encoding="utf-8"?>
-<p:sld xmlns:a="http://schemas.openxmlformats.org/drawingml/2006/main" xmlns:r="http://schemas.openxmlformats.org/officeDocument/2006/relationships" xmlns:p="http://schemas.openxmlformats.org/presentationml/2006/main">
-  <p:cSld>
-    <p:spTree>
-      <p:nvGrpSpPr>
-        <p:cNvPr id="1" name=""/>
-        <p:cNvGrpSpPr/>
-        <p:nvPr/>
-      </p:nvGrpSpPr>
-      <p:grpSpPr>
-        <a:xfrm>
-          <a:off x="0" y="0"/>
-          <a:ext cx="0" cy="0"/>
-          <a:chOff x="0" y="0"/>
-          <a:chExt cx="0" cy="0"/>
-        </a:xfrm>
-      </p:grpSpPr>
-      <p:grpSp>
-        <p:nvGrpSpPr>
-          <p:cNvPr id="14" name="组合 13">
-            <a:extLst>
-              <a:ext uri="{FF2B5EF4-FFF2-40B4-BE49-F238E27FC236}">
-                <a16:creationId xmlns:a16="http://schemas.microsoft.com/office/drawing/2014/main" id="{9CA7760B-D551-1242-B39A-094D4EA21CC1}"/>
-              </a:ext>
-            </a:extLst>
-          </p:cNvPr>
-          <p:cNvGrpSpPr/>
-          <p:nvPr/>
-        </p:nvGrpSpPr>
-        <p:grpSpPr>
-          <a:xfrm>
-            <a:off x="794657" y="457200"/>
-            <a:ext cx="5812972" cy="5812972"/>
-            <a:chOff x="794657" y="457200"/>
-            <a:chExt cx="5812972" cy="5812972"/>
-          </a:xfrm>
-        </p:grpSpPr>
-        <p:pic>
-          <p:nvPicPr>
-            <p:cNvPr id="13" name="图形 12" descr="植物">
-              <a:extLst>
-                <a:ext uri="{FF2B5EF4-FFF2-40B4-BE49-F238E27FC236}">
-                  <a16:creationId xmlns:a16="http://schemas.microsoft.com/office/drawing/2014/main" id="{25631562-C5F9-E14C-9736-26CC6E559FFF}"/>
-                </a:ext>
-              </a:extLst>
-            </p:cNvPr>
-            <p:cNvPicPr>
-              <a:picLocks noChangeAspect="1"/>
-            </p:cNvPicPr>
-            <p:nvPr/>
-          </p:nvPicPr>
-          <p:blipFill>
-            <a:blip r:embed="rId2">
-              <a:extLst>
-                <a:ext uri="{96DAC541-7B7A-43D3-8B79-37D633B846F1}">
-                  <asvg:svgBlip xmlns:asvg="http://schemas.microsoft.com/office/drawing/2016/SVG/main" r:embed="rId3"/>
-                </a:ext>
-              </a:extLst>
-            </a:blip>
-            <a:stretch>
-              <a:fillRect/>
-            </a:stretch>
-          </p:blipFill>
-          <p:spPr>
-            <a:xfrm>
-              <a:off x="1309532" y="972073"/>
-              <a:ext cx="4783216" cy="4783216"/>
-            </a:xfrm>
-            <a:prstGeom prst="rect">
-              <a:avLst/>
-            </a:prstGeom>
-            <a:effectLst>
-              <a:glow rad="127000">
-                <a:schemeClr val="accent6">
-                  <a:lumMod val="60000"/>
-                  <a:lumOff val="40000"/>
-                </a:schemeClr>
-              </a:glow>
-            </a:effectLst>
-          </p:spPr>
-        </p:pic>
-        <p:sp>
-          <p:nvSpPr>
-            <p:cNvPr id="6" name="矩形 5">
-              <a:extLst>
-                <a:ext uri="{FF2B5EF4-FFF2-40B4-BE49-F238E27FC236}">
-                  <a16:creationId xmlns:a16="http://schemas.microsoft.com/office/drawing/2014/main" id="{F5A1AC32-00C0-C043-AE69-D58FABE23C6D}"/>
-                </a:ext>
-              </a:extLst>
-            </p:cNvPr>
-            <p:cNvSpPr/>
-            <p:nvPr/>
-          </p:nvSpPr>
-          <p:spPr>
-            <a:xfrm>
-              <a:off x="794657" y="457200"/>
-              <a:ext cx="5812972" cy="5812972"/>
-            </a:xfrm>
-            <a:prstGeom prst="rect">
-              <a:avLst/>
-            </a:prstGeom>
-            <a:noFill/>
-            <a:ln w="25400">
-              <a:solidFill>
-                <a:schemeClr val="tx2"/>
-              </a:solidFill>
-            </a:ln>
-            <a:effectLst>
-              <a:glow rad="101600">
-                <a:schemeClr val="accent3">
-                  <a:satMod val="175000"/>
-                  <a:alpha val="40000"/>
-                </a:schemeClr>
-              </a:glow>
-            </a:effectLst>
-          </p:spPr>
-          <p:style>
-            <a:lnRef idx="2">
-              <a:schemeClr val="accent1">
-                <a:shade val="50000"/>
-              </a:schemeClr>
-            </a:lnRef>
-            <a:fillRef idx="1">
-              <a:schemeClr val="accent1"/>
-            </a:fillRef>
-            <a:effectRef idx="0">
-              <a:schemeClr val="accent1"/>
-            </a:effectRef>
-            <a:fontRef idx="minor">
-              <a:schemeClr val="lt1"/>
-            </a:fontRef>
-          </p:style>
-          <p:txBody>
-            <a:bodyPr rtlCol="0" anchor="ctr"/>
-            <a:lstStyle/>
-            <a:p>
-              <a:pPr algn="ctr"/>
-              <a:endParaRPr kumimoji="1" lang="zh-CN" altLang="en-US"/>
-            </a:p>
-          </p:txBody>
-        </p:sp>
-      </p:grpSp>
-      <p:sp>
-        <p:nvSpPr>
-          <p:cNvPr id="5" name="文本框 4">
-            <a:extLst>
-              <a:ext uri="{FF2B5EF4-FFF2-40B4-BE49-F238E27FC236}">
-                <a16:creationId xmlns:a16="http://schemas.microsoft.com/office/drawing/2014/main" id="{0002241C-DE23-3C4B-991F-64F962F8E7D5}"/>
-              </a:ext>
-            </a:extLst>
-          </p:cNvPr>
-          <p:cNvSpPr txBox="1"/>
-          <p:nvPr/>
-        </p:nvSpPr>
-        <p:spPr>
-          <a:xfrm>
-            <a:off x="8184916" y="1508584"/>
-            <a:ext cx="1697901" cy="369332"/>
-          </a:xfrm>
-          <a:prstGeom prst="rect">
-            <a:avLst/>
-          </a:prstGeom>
-          <a:noFill/>
-        </p:spPr>
-        <p:txBody>
-          <a:bodyPr wrap="none" rtlCol="0">
-            <a:spAutoFit/>
-          </a:bodyPr>
-          <a:lstStyle/>
-          <a:p>
-            <a:r>
-              <a:rPr kumimoji="1" lang="zh-CN" altLang="en-US" dirty="0"/>
-              <a:t>发光</a:t>
-            </a:r>
-            <a:r>
-              <a:rPr kumimoji="1" lang="en-US" altLang="zh-CN" dirty="0"/>
-              <a:t>-</a:t>
-            </a:r>
-            <a:r>
-              <a:rPr kumimoji="1" lang="zh-CN" altLang="en-US" dirty="0"/>
-              <a:t>大小</a:t>
-            </a:r>
-            <a:r>
-              <a:rPr kumimoji="1" lang="en-US" altLang="zh-CN" dirty="0"/>
-              <a:t>20</a:t>
-            </a:r>
-            <a:r>
-              <a:rPr kumimoji="1" lang="zh-CN" altLang="en-US" dirty="0"/>
-              <a:t>磅</a:t>
-            </a:r>
-          </a:p>
-        </p:txBody>
-      </p:sp>
-    </p:spTree>
-    <p:extLst>
-      <p:ext uri="{BB962C8B-B14F-4D97-AF65-F5344CB8AC3E}">
-        <p14:creationId xmlns:p14="http://schemas.microsoft.com/office/powerpoint/2010/main" val="1667150747"/>
-      </p:ext>
-    </p:extLst>
-  </p:cSld>
-  <p:clrMapOvr>
-    <a:masterClrMapping/>
-  </p:clrMapOvr>
-</p:sld>
-</file>
-
-<file path=ppt/slides/slide7.xml><?xml version="1.0" encoding="utf-8"?>
-<p:sld xmlns:a="http://schemas.openxmlformats.org/drawingml/2006/main" xmlns:r="http://schemas.openxmlformats.org/officeDocument/2006/relationships" xmlns:p="http://schemas.openxmlformats.org/presentationml/2006/main">
-  <p:cSld>
-    <p:spTree>
-      <p:nvGrpSpPr>
-        <p:cNvPr id="1" name=""/>
-        <p:cNvGrpSpPr/>
-        <p:nvPr/>
-      </p:nvGrpSpPr>
-      <p:grpSpPr>
-        <a:xfrm>
-          <a:off x="0" y="0"/>
-          <a:ext cx="0" cy="0"/>
-          <a:chOff x="0" y="0"/>
-          <a:chExt cx="0" cy="0"/>
-        </a:xfrm>
-      </p:grpSpPr>
-      <p:sp>
-        <p:nvSpPr>
-          <p:cNvPr id="5" name="文本框 4">
-            <a:extLst>
-              <a:ext uri="{FF2B5EF4-FFF2-40B4-BE49-F238E27FC236}">
-                <a16:creationId xmlns:a16="http://schemas.microsoft.com/office/drawing/2014/main" id="{0002241C-DE23-3C4B-991F-64F962F8E7D5}"/>
-              </a:ext>
-            </a:extLst>
-          </p:cNvPr>
-          <p:cNvSpPr txBox="1"/>
-          <p:nvPr/>
-        </p:nvSpPr>
-        <p:spPr>
-          <a:xfrm>
-            <a:off x="8184916" y="1508584"/>
-            <a:ext cx="1069524" cy="369332"/>
-          </a:xfrm>
-          <a:prstGeom prst="rect">
-            <a:avLst/>
-          </a:prstGeom>
-          <a:noFill/>
-        </p:spPr>
-        <p:txBody>
-          <a:bodyPr wrap="none" rtlCol="0">
-            <a:spAutoFit/>
-          </a:bodyPr>
-          <a:lstStyle/>
-          <a:p>
-            <a:r>
-              <a:rPr kumimoji="1" lang="en-US" altLang="zh-CN" dirty="0" err="1"/>
-              <a:t>Diagnoal</a:t>
-            </a:r>
-            <a:endParaRPr kumimoji="1" lang="en-US" altLang="zh-CN" dirty="0"/>
-          </a:p>
-        </p:txBody>
-      </p:sp>
-      <p:grpSp>
-        <p:nvGrpSpPr>
-          <p:cNvPr id="9" name="组合 8">
-            <a:extLst>
-              <a:ext uri="{FF2B5EF4-FFF2-40B4-BE49-F238E27FC236}">
-                <a16:creationId xmlns:a16="http://schemas.microsoft.com/office/drawing/2014/main" id="{9EAE6A9E-1656-254E-B95D-D74912F13CF4}"/>
-              </a:ext>
-            </a:extLst>
-          </p:cNvPr>
-          <p:cNvGrpSpPr/>
-          <p:nvPr/>
-        </p:nvGrpSpPr>
-        <p:grpSpPr>
-          <a:xfrm>
-            <a:off x="794657" y="457200"/>
-            <a:ext cx="5812972" cy="5812972"/>
-            <a:chOff x="794657" y="457200"/>
-            <a:chExt cx="5812972" cy="5812972"/>
-          </a:xfrm>
-        </p:grpSpPr>
-        <p:sp>
-          <p:nvSpPr>
-            <p:cNvPr id="6" name="矩形 5">
-              <a:extLst>
-                <a:ext uri="{FF2B5EF4-FFF2-40B4-BE49-F238E27FC236}">
-                  <a16:creationId xmlns:a16="http://schemas.microsoft.com/office/drawing/2014/main" id="{F5A1AC32-00C0-C043-AE69-D58FABE23C6D}"/>
-                </a:ext>
-              </a:extLst>
-            </p:cNvPr>
-            <p:cNvSpPr/>
-            <p:nvPr/>
-          </p:nvSpPr>
-          <p:spPr>
-            <a:xfrm>
-              <a:off x="794657" y="457200"/>
-              <a:ext cx="5812972" cy="5812972"/>
-            </a:xfrm>
-            <a:prstGeom prst="rect">
-              <a:avLst/>
-            </a:prstGeom>
-            <a:noFill/>
-            <a:ln w="25400">
-              <a:solidFill>
-                <a:schemeClr val="tx2"/>
-              </a:solidFill>
-            </a:ln>
-            <a:effectLst>
-              <a:glow rad="101600">
-                <a:schemeClr val="accent3">
-                  <a:satMod val="175000"/>
-                  <a:alpha val="40000"/>
-                </a:schemeClr>
-              </a:glow>
-            </a:effectLst>
-          </p:spPr>
-          <p:style>
-            <a:lnRef idx="2">
-              <a:schemeClr val="accent1">
-                <a:shade val="50000"/>
-              </a:schemeClr>
-            </a:lnRef>
-            <a:fillRef idx="1">
-              <a:schemeClr val="accent1"/>
-            </a:fillRef>
-            <a:effectRef idx="0">
-              <a:schemeClr val="accent1"/>
-            </a:effectRef>
-            <a:fontRef idx="minor">
-              <a:schemeClr val="lt1"/>
-            </a:fontRef>
-          </p:style>
-          <p:txBody>
-            <a:bodyPr rtlCol="0" anchor="ctr"/>
-            <a:lstStyle/>
-            <a:p>
-              <a:pPr algn="ctr"/>
-              <a:endParaRPr kumimoji="1" lang="zh-CN" altLang="en-US"/>
-            </a:p>
-          </p:txBody>
-        </p:sp>
-        <p:grpSp>
-          <p:nvGrpSpPr>
-            <p:cNvPr id="4" name="组合 3">
-              <a:extLst>
-                <a:ext uri="{FF2B5EF4-FFF2-40B4-BE49-F238E27FC236}">
-                  <a16:creationId xmlns:a16="http://schemas.microsoft.com/office/drawing/2014/main" id="{C3CC598E-A687-634D-98C5-F22F91FAF8F0}"/>
-                </a:ext>
-              </a:extLst>
-            </p:cNvPr>
-            <p:cNvGrpSpPr/>
-            <p:nvPr/>
-          </p:nvGrpSpPr>
-          <p:grpSpPr>
-            <a:xfrm rot="2700000">
-              <a:off x="967683" y="2528521"/>
-              <a:ext cx="5479767" cy="1663908"/>
-              <a:chOff x="1309532" y="2597046"/>
-              <a:chExt cx="4783216" cy="1663908"/>
-            </a:xfrm>
-            <a:solidFill>
-              <a:schemeClr val="tx2"/>
-            </a:solidFill>
-          </p:grpSpPr>
-          <p:sp>
-            <p:nvSpPr>
-              <p:cNvPr id="3" name="左箭头 2">
-                <a:extLst>
-                  <a:ext uri="{FF2B5EF4-FFF2-40B4-BE49-F238E27FC236}">
-                    <a16:creationId xmlns:a16="http://schemas.microsoft.com/office/drawing/2014/main" id="{1BA89EC1-F91B-534B-B209-8CEFC1563AD6}"/>
-                  </a:ext>
-                </a:extLst>
-              </p:cNvPr>
-              <p:cNvSpPr/>
-              <p:nvPr/>
-            </p:nvSpPr>
-            <p:spPr>
-              <a:xfrm>
-                <a:off x="1309532" y="2597046"/>
-                <a:ext cx="3642610" cy="1663908"/>
-              </a:xfrm>
-              <a:prstGeom prst="leftArrow">
-                <a:avLst>
-                  <a:gd name="adj1" fmla="val 50000"/>
-                  <a:gd name="adj2" fmla="val 79730"/>
-                </a:avLst>
-              </a:prstGeom>
-              <a:grpFill/>
-              <a:ln>
-                <a:noFill/>
-              </a:ln>
-            </p:spPr>
-            <p:style>
-              <a:lnRef idx="2">
-                <a:schemeClr val="accent1">
-                  <a:shade val="50000"/>
-                </a:schemeClr>
-              </a:lnRef>
-              <a:fillRef idx="1">
-                <a:schemeClr val="accent1"/>
-              </a:fillRef>
-              <a:effectRef idx="0">
-                <a:schemeClr val="accent1"/>
-              </a:effectRef>
-              <a:fontRef idx="minor">
-                <a:schemeClr val="lt1"/>
-              </a:fontRef>
-            </p:style>
-            <p:txBody>
-              <a:bodyPr rtlCol="0" anchor="ctr"/>
-              <a:lstStyle/>
-              <a:p>
-                <a:pPr algn="ctr"/>
-                <a:endParaRPr kumimoji="1" lang="zh-CN" altLang="en-US"/>
-              </a:p>
-            </p:txBody>
-          </p:sp>
-          <p:sp>
-            <p:nvSpPr>
-              <p:cNvPr id="7" name="左箭头 6">
-                <a:extLst>
-                  <a:ext uri="{FF2B5EF4-FFF2-40B4-BE49-F238E27FC236}">
-                    <a16:creationId xmlns:a16="http://schemas.microsoft.com/office/drawing/2014/main" id="{D34D9AEF-5CA8-FE4C-9FD8-D311FCADC20B}"/>
-                  </a:ext>
-                </a:extLst>
-              </p:cNvPr>
-              <p:cNvSpPr/>
-              <p:nvPr/>
-            </p:nvSpPr>
-            <p:spPr>
-              <a:xfrm rot="10800000">
-                <a:off x="2450138" y="2597046"/>
-                <a:ext cx="3642610" cy="1663908"/>
-              </a:xfrm>
-              <a:prstGeom prst="leftArrow">
-                <a:avLst>
-                  <a:gd name="adj1" fmla="val 50000"/>
-                  <a:gd name="adj2" fmla="val 79730"/>
-                </a:avLst>
-              </a:prstGeom>
-              <a:grpFill/>
-              <a:ln>
-                <a:noFill/>
-              </a:ln>
-            </p:spPr>
-            <p:style>
-              <a:lnRef idx="2">
-                <a:schemeClr val="accent1">
-                  <a:shade val="50000"/>
-                </a:schemeClr>
-              </a:lnRef>
-              <a:fillRef idx="1">
-                <a:schemeClr val="accent1"/>
-              </a:fillRef>
-              <a:effectRef idx="0">
-                <a:schemeClr val="accent1"/>
-              </a:effectRef>
-              <a:fontRef idx="minor">
-                <a:schemeClr val="lt1"/>
-              </a:fontRef>
-            </p:style>
-            <p:txBody>
-              <a:bodyPr rtlCol="0" anchor="ctr"/>
-              <a:lstStyle/>
-              <a:p>
-                <a:pPr algn="ctr"/>
-                <a:endParaRPr kumimoji="1" lang="zh-CN" altLang="en-US"/>
-              </a:p>
-            </p:txBody>
-          </p:sp>
-        </p:grpSp>
-        <p:grpSp>
-          <p:nvGrpSpPr>
-            <p:cNvPr id="14" name="组合 13">
-              <a:extLst>
-                <a:ext uri="{FF2B5EF4-FFF2-40B4-BE49-F238E27FC236}">
-                  <a16:creationId xmlns:a16="http://schemas.microsoft.com/office/drawing/2014/main" id="{7BB99D0F-C41F-CB42-838D-EE29BD778DEE}"/>
-                </a:ext>
-              </a:extLst>
-            </p:cNvPr>
-            <p:cNvGrpSpPr/>
-            <p:nvPr/>
-          </p:nvGrpSpPr>
-          <p:grpSpPr>
-            <a:xfrm rot="-2700000">
-              <a:off x="967683" y="2531731"/>
-              <a:ext cx="5479767" cy="1663908"/>
-              <a:chOff x="1309532" y="2597046"/>
-              <a:chExt cx="4783216" cy="1663908"/>
-            </a:xfrm>
-            <a:solidFill>
-              <a:schemeClr val="tx2"/>
-            </a:solidFill>
-          </p:grpSpPr>
-          <p:sp>
-            <p:nvSpPr>
-              <p:cNvPr id="15" name="左箭头 14">
-                <a:extLst>
-                  <a:ext uri="{FF2B5EF4-FFF2-40B4-BE49-F238E27FC236}">
-                    <a16:creationId xmlns:a16="http://schemas.microsoft.com/office/drawing/2014/main" id="{FD04DBFD-BD14-2B49-A051-AECDCD134EC2}"/>
-                  </a:ext>
-                </a:extLst>
-              </p:cNvPr>
-              <p:cNvSpPr/>
-              <p:nvPr/>
-            </p:nvSpPr>
-            <p:spPr>
-              <a:xfrm>
-                <a:off x="1309532" y="2597046"/>
-                <a:ext cx="3642610" cy="1663908"/>
-              </a:xfrm>
-              <a:prstGeom prst="leftArrow">
-                <a:avLst>
-                  <a:gd name="adj1" fmla="val 50000"/>
-                  <a:gd name="adj2" fmla="val 79730"/>
-                </a:avLst>
-              </a:prstGeom>
-              <a:grpFill/>
-              <a:ln>
-                <a:noFill/>
-              </a:ln>
-            </p:spPr>
-            <p:style>
-              <a:lnRef idx="2">
-                <a:schemeClr val="accent1">
-                  <a:shade val="50000"/>
-                </a:schemeClr>
-              </a:lnRef>
-              <a:fillRef idx="1">
-                <a:schemeClr val="accent1"/>
-              </a:fillRef>
-              <a:effectRef idx="0">
-                <a:schemeClr val="accent1"/>
-              </a:effectRef>
-              <a:fontRef idx="minor">
-                <a:schemeClr val="lt1"/>
-              </a:fontRef>
-            </p:style>
-            <p:txBody>
-              <a:bodyPr rtlCol="0" anchor="ctr"/>
-              <a:lstStyle/>
-              <a:p>
-                <a:pPr algn="ctr"/>
-                <a:endParaRPr kumimoji="1" lang="zh-CN" altLang="en-US"/>
-              </a:p>
-            </p:txBody>
-          </p:sp>
-          <p:sp>
-            <p:nvSpPr>
-              <p:cNvPr id="16" name="左箭头 15">
-                <a:extLst>
-                  <a:ext uri="{FF2B5EF4-FFF2-40B4-BE49-F238E27FC236}">
-                    <a16:creationId xmlns:a16="http://schemas.microsoft.com/office/drawing/2014/main" id="{63285F2B-FC87-184B-BC89-0873E7E14375}"/>
-                  </a:ext>
-                </a:extLst>
-              </p:cNvPr>
-              <p:cNvSpPr/>
-              <p:nvPr/>
-            </p:nvSpPr>
-            <p:spPr>
-              <a:xfrm rot="10800000">
-                <a:off x="2450138" y="2597046"/>
-                <a:ext cx="3642610" cy="1663908"/>
-              </a:xfrm>
-              <a:prstGeom prst="leftArrow">
-                <a:avLst>
-                  <a:gd name="adj1" fmla="val 50000"/>
-                  <a:gd name="adj2" fmla="val 79730"/>
-                </a:avLst>
-              </a:prstGeom>
-              <a:grpFill/>
-              <a:ln>
-                <a:noFill/>
-              </a:ln>
-            </p:spPr>
-            <p:style>
-              <a:lnRef idx="2">
-                <a:schemeClr val="accent1">
-                  <a:shade val="50000"/>
-                </a:schemeClr>
-              </a:lnRef>
-              <a:fillRef idx="1">
-                <a:schemeClr val="accent1"/>
-              </a:fillRef>
-              <a:effectRef idx="0">
-                <a:schemeClr val="accent1"/>
-              </a:effectRef>
-              <a:fontRef idx="minor">
-                <a:schemeClr val="lt1"/>
-              </a:fontRef>
-            </p:style>
-            <p:txBody>
-              <a:bodyPr rtlCol="0" anchor="ctr"/>
-              <a:lstStyle/>
-              <a:p>
-                <a:pPr algn="ctr"/>
-                <a:endParaRPr kumimoji="1" lang="zh-CN" altLang="en-US"/>
-              </a:p>
-            </p:txBody>
-          </p:sp>
-        </p:grpSp>
-      </p:grpSp>
-    </p:spTree>
-    <p:extLst>
-      <p:ext uri="{BB962C8B-B14F-4D97-AF65-F5344CB8AC3E}">
-        <p14:creationId xmlns:p14="http://schemas.microsoft.com/office/powerpoint/2010/main" val="3996089321"/>
-      </p:ext>
-    </p:extLst>
-  </p:cSld>
-  <p:clrMapOvr>
-    <a:masterClrMapping/>
-  </p:clrMapOvr>
-</p:sld>
-</file>
-
-<file path=ppt/slides/slide8.xml><?xml version="1.0" encoding="utf-8"?>
-<p:sld xmlns:a="http://schemas.openxmlformats.org/drawingml/2006/main" xmlns:r="http://schemas.openxmlformats.org/officeDocument/2006/relationships" xmlns:p="http://schemas.openxmlformats.org/presentationml/2006/main">
-  <p:cSld>
-    <p:spTree>
-      <p:nvGrpSpPr>
-        <p:cNvPr id="1" name=""/>
-        <p:cNvGrpSpPr/>
-        <p:nvPr/>
-      </p:nvGrpSpPr>
-      <p:grpSpPr>
-        <a:xfrm>
-          <a:off x="0" y="0"/>
-          <a:ext cx="0" cy="0"/>
-          <a:chOff x="0" y="0"/>
-          <a:chExt cx="0" cy="0"/>
-        </a:xfrm>
-      </p:grpSpPr>
-      <p:sp>
-        <p:nvSpPr>
-          <p:cNvPr id="5" name="文本框 4">
-            <a:extLst>
-              <a:ext uri="{FF2B5EF4-FFF2-40B4-BE49-F238E27FC236}">
-                <a16:creationId xmlns:a16="http://schemas.microsoft.com/office/drawing/2014/main" id="{0002241C-DE23-3C4B-991F-64F962F8E7D5}"/>
-              </a:ext>
-            </a:extLst>
-          </p:cNvPr>
-          <p:cNvSpPr txBox="1"/>
-          <p:nvPr/>
-        </p:nvSpPr>
-        <p:spPr>
-          <a:xfrm>
-            <a:off x="8184916" y="1508584"/>
-            <a:ext cx="1936749" cy="369332"/>
-          </a:xfrm>
-          <a:prstGeom prst="rect">
-            <a:avLst/>
-          </a:prstGeom>
-          <a:noFill/>
-        </p:spPr>
-        <p:txBody>
-          <a:bodyPr wrap="none" rtlCol="0">
-            <a:spAutoFit/>
-          </a:bodyPr>
-          <a:lstStyle/>
-          <a:p>
-            <a:r>
-              <a:rPr kumimoji="1" lang="en-US" altLang="zh-CN" dirty="0"/>
-              <a:t>Diagonal Remove</a:t>
-            </a:r>
-          </a:p>
-        </p:txBody>
-      </p:sp>
-      <p:grpSp>
-        <p:nvGrpSpPr>
-          <p:cNvPr id="30" name="组合 29">
-            <a:extLst>
-              <a:ext uri="{FF2B5EF4-FFF2-40B4-BE49-F238E27FC236}">
-                <a16:creationId xmlns:a16="http://schemas.microsoft.com/office/drawing/2014/main" id="{BA7D2917-8A3B-544B-AC24-87B6E8FFB64E}"/>
-              </a:ext>
-            </a:extLst>
-          </p:cNvPr>
-          <p:cNvGrpSpPr/>
-          <p:nvPr/>
-        </p:nvGrpSpPr>
-        <p:grpSpPr>
-          <a:xfrm>
-            <a:off x="794657" y="457200"/>
-            <a:ext cx="5812972" cy="5812972"/>
-            <a:chOff x="794657" y="457200"/>
-            <a:chExt cx="5812972" cy="5812972"/>
-          </a:xfrm>
-        </p:grpSpPr>
-        <p:sp>
-          <p:nvSpPr>
-            <p:cNvPr id="6" name="矩形 5">
-              <a:extLst>
-                <a:ext uri="{FF2B5EF4-FFF2-40B4-BE49-F238E27FC236}">
-                  <a16:creationId xmlns:a16="http://schemas.microsoft.com/office/drawing/2014/main" id="{F5A1AC32-00C0-C043-AE69-D58FABE23C6D}"/>
-                </a:ext>
-              </a:extLst>
-            </p:cNvPr>
-            <p:cNvSpPr/>
-            <p:nvPr/>
-          </p:nvSpPr>
-          <p:spPr>
-            <a:xfrm>
-              <a:off x="794657" y="457200"/>
-              <a:ext cx="5812972" cy="5812972"/>
-            </a:xfrm>
-            <a:prstGeom prst="rect">
-              <a:avLst/>
-            </a:prstGeom>
-            <a:noFill/>
-            <a:ln w="25400">
-              <a:solidFill>
-                <a:schemeClr val="tx2"/>
-              </a:solidFill>
-            </a:ln>
-            <a:effectLst>
-              <a:glow rad="101600">
-                <a:schemeClr val="accent3">
-                  <a:satMod val="175000"/>
-                  <a:alpha val="40000"/>
-                </a:schemeClr>
-              </a:glow>
-            </a:effectLst>
-          </p:spPr>
-          <p:style>
-            <a:lnRef idx="2">
-              <a:schemeClr val="accent1">
-                <a:shade val="50000"/>
-              </a:schemeClr>
-            </a:lnRef>
-            <a:fillRef idx="1">
-              <a:schemeClr val="accent1"/>
-            </a:fillRef>
-            <a:effectRef idx="0">
-              <a:schemeClr val="accent1"/>
-            </a:effectRef>
-            <a:fontRef idx="minor">
-              <a:schemeClr val="lt1"/>
-            </a:fontRef>
-          </p:style>
-          <p:txBody>
-            <a:bodyPr rtlCol="0" anchor="ctr"/>
-            <a:lstStyle/>
-            <a:p>
-              <a:pPr algn="ctr"/>
-              <a:endParaRPr kumimoji="1" lang="zh-CN" altLang="en-US"/>
-            </a:p>
-          </p:txBody>
-        </p:sp>
-        <p:cxnSp>
-          <p:nvCxnSpPr>
-            <p:cNvPr id="10" name="直线连接符 9">
-              <a:extLst>
-                <a:ext uri="{FF2B5EF4-FFF2-40B4-BE49-F238E27FC236}">
-                  <a16:creationId xmlns:a16="http://schemas.microsoft.com/office/drawing/2014/main" id="{0B5B7A59-8E08-1945-AE4F-068B54A16FE1}"/>
-                </a:ext>
-              </a:extLst>
-            </p:cNvPr>
-            <p:cNvCxnSpPr>
-              <a:cxnSpLocks/>
-            </p:cNvCxnSpPr>
-            <p:nvPr/>
-          </p:nvCxnSpPr>
-          <p:spPr>
-            <a:xfrm>
-              <a:off x="1693484" y="1362180"/>
-              <a:ext cx="4003012" cy="4003012"/>
-            </a:xfrm>
-            <a:prstGeom prst="line">
-              <a:avLst/>
-            </a:prstGeom>
-            <a:ln w="101600">
-              <a:solidFill>
-                <a:schemeClr val="tx2"/>
-              </a:solidFill>
-            </a:ln>
-          </p:spPr>
-          <p:style>
-            <a:lnRef idx="1">
-              <a:schemeClr val="accent1"/>
-            </a:lnRef>
-            <a:fillRef idx="0">
-              <a:schemeClr val="accent1"/>
-            </a:fillRef>
-            <a:effectRef idx="0">
-              <a:schemeClr val="accent1"/>
-            </a:effectRef>
-            <a:fontRef idx="minor">
-              <a:schemeClr val="tx1"/>
-            </a:fontRef>
-          </p:style>
-        </p:cxnSp>
-        <p:cxnSp>
-          <p:nvCxnSpPr>
-            <p:cNvPr id="19" name="直线连接符 18">
-              <a:extLst>
-                <a:ext uri="{FF2B5EF4-FFF2-40B4-BE49-F238E27FC236}">
-                  <a16:creationId xmlns:a16="http://schemas.microsoft.com/office/drawing/2014/main" id="{3D6EA56B-08B3-9740-97D1-2021D9A55B51}"/>
-                </a:ext>
-              </a:extLst>
-            </p:cNvPr>
-            <p:cNvCxnSpPr>
-              <a:cxnSpLocks/>
-            </p:cNvCxnSpPr>
-            <p:nvPr/>
-          </p:nvCxnSpPr>
-          <p:spPr>
-            <a:xfrm>
-              <a:off x="2092988" y="1362180"/>
-              <a:ext cx="3599564" cy="3599564"/>
-            </a:xfrm>
-            <a:prstGeom prst="line">
-              <a:avLst/>
-            </a:prstGeom>
-            <a:ln w="101600">
-              <a:solidFill>
-                <a:schemeClr val="tx2"/>
-              </a:solidFill>
-            </a:ln>
-          </p:spPr>
-          <p:style>
-            <a:lnRef idx="1">
-              <a:schemeClr val="accent1"/>
-            </a:lnRef>
-            <a:fillRef idx="0">
-              <a:schemeClr val="accent1"/>
-            </a:fillRef>
-            <a:effectRef idx="0">
-              <a:schemeClr val="accent1"/>
-            </a:effectRef>
-            <a:fontRef idx="minor">
-              <a:schemeClr val="tx1"/>
-            </a:fontRef>
-          </p:style>
-        </p:cxnSp>
-        <p:cxnSp>
-          <p:nvCxnSpPr>
-            <p:cNvPr id="24" name="直线连接符 23">
-              <a:extLst>
-                <a:ext uri="{FF2B5EF4-FFF2-40B4-BE49-F238E27FC236}">
-                  <a16:creationId xmlns:a16="http://schemas.microsoft.com/office/drawing/2014/main" id="{86E56D25-F7AE-8C4C-84F9-7C4D2B534EE5}"/>
-                </a:ext>
-              </a:extLst>
-            </p:cNvPr>
-            <p:cNvCxnSpPr>
-              <a:cxnSpLocks/>
-            </p:cNvCxnSpPr>
-            <p:nvPr/>
-          </p:nvCxnSpPr>
-          <p:spPr>
-            <a:xfrm>
-              <a:off x="1693484" y="1763656"/>
-              <a:ext cx="3599564" cy="3599564"/>
-            </a:xfrm>
-            <a:prstGeom prst="line">
-              <a:avLst/>
-            </a:prstGeom>
-            <a:ln w="101600">
-              <a:solidFill>
-                <a:schemeClr val="tx2"/>
-              </a:solidFill>
-            </a:ln>
-          </p:spPr>
-          <p:style>
-            <a:lnRef idx="1">
-              <a:schemeClr val="accent1"/>
-            </a:lnRef>
-            <a:fillRef idx="0">
-              <a:schemeClr val="accent1"/>
-            </a:fillRef>
-            <a:effectRef idx="0">
-              <a:schemeClr val="accent1"/>
-            </a:effectRef>
-            <a:fontRef idx="minor">
-              <a:schemeClr val="tx1"/>
-            </a:fontRef>
-          </p:style>
-        </p:cxnSp>
-        <p:cxnSp>
-          <p:nvCxnSpPr>
-            <p:cNvPr id="26" name="直线连接符 25">
-              <a:extLst>
-                <a:ext uri="{FF2B5EF4-FFF2-40B4-BE49-F238E27FC236}">
-                  <a16:creationId xmlns:a16="http://schemas.microsoft.com/office/drawing/2014/main" id="{F16A42E8-43EC-9942-9ADF-BDE62A667AAD}"/>
-                </a:ext>
-              </a:extLst>
-            </p:cNvPr>
-            <p:cNvCxnSpPr>
-              <a:cxnSpLocks/>
-            </p:cNvCxnSpPr>
-            <p:nvPr/>
-          </p:nvCxnSpPr>
-          <p:spPr>
-            <a:xfrm rot="5400000">
-              <a:off x="1689540" y="1362180"/>
-              <a:ext cx="4003012" cy="4003012"/>
-            </a:xfrm>
-            <a:prstGeom prst="line">
-              <a:avLst/>
-            </a:prstGeom>
-            <a:ln w="101600">
-              <a:solidFill>
-                <a:schemeClr val="tx2"/>
-              </a:solidFill>
-            </a:ln>
-          </p:spPr>
-          <p:style>
-            <a:lnRef idx="1">
-              <a:schemeClr val="accent1"/>
-            </a:lnRef>
-            <a:fillRef idx="0">
-              <a:schemeClr val="accent1"/>
-            </a:fillRef>
-            <a:effectRef idx="0">
-              <a:schemeClr val="accent1"/>
-            </a:effectRef>
-            <a:fontRef idx="minor">
-              <a:schemeClr val="tx1"/>
-            </a:fontRef>
-          </p:style>
-        </p:cxnSp>
-        <p:cxnSp>
-          <p:nvCxnSpPr>
-            <p:cNvPr id="27" name="直线连接符 26">
-              <a:extLst>
-                <a:ext uri="{FF2B5EF4-FFF2-40B4-BE49-F238E27FC236}">
-                  <a16:creationId xmlns:a16="http://schemas.microsoft.com/office/drawing/2014/main" id="{3B8B3BB4-E776-4541-A508-BDAC06301FEF}"/>
-                </a:ext>
-              </a:extLst>
-            </p:cNvPr>
-            <p:cNvCxnSpPr>
-              <a:cxnSpLocks/>
-            </p:cNvCxnSpPr>
-            <p:nvPr/>
-          </p:nvCxnSpPr>
-          <p:spPr>
-            <a:xfrm rot="5400000">
-              <a:off x="2152948" y="1761684"/>
-              <a:ext cx="3599564" cy="3599564"/>
-            </a:xfrm>
-            <a:prstGeom prst="line">
-              <a:avLst/>
-            </a:prstGeom>
-            <a:ln w="101600">
-              <a:solidFill>
-                <a:schemeClr val="tx2"/>
-              </a:solidFill>
-            </a:ln>
-          </p:spPr>
-          <p:style>
-            <a:lnRef idx="1">
-              <a:schemeClr val="accent1"/>
-            </a:lnRef>
-            <a:fillRef idx="0">
-              <a:schemeClr val="accent1"/>
-            </a:fillRef>
-            <a:effectRef idx="0">
-              <a:schemeClr val="accent1"/>
-            </a:effectRef>
-            <a:fontRef idx="minor">
-              <a:schemeClr val="tx1"/>
-            </a:fontRef>
-          </p:style>
-        </p:cxnSp>
-        <p:cxnSp>
-          <p:nvCxnSpPr>
-            <p:cNvPr id="28" name="直线连接符 27">
-              <a:extLst>
-                <a:ext uri="{FF2B5EF4-FFF2-40B4-BE49-F238E27FC236}">
-                  <a16:creationId xmlns:a16="http://schemas.microsoft.com/office/drawing/2014/main" id="{5FCCD7AF-CF41-7E46-A608-57E2E7DA6336}"/>
-                </a:ext>
-              </a:extLst>
-            </p:cNvPr>
-            <p:cNvCxnSpPr>
-              <a:cxnSpLocks/>
-            </p:cNvCxnSpPr>
-            <p:nvPr/>
-          </p:nvCxnSpPr>
-          <p:spPr>
-            <a:xfrm rot="5400000">
-              <a:off x="1676522" y="1362180"/>
-              <a:ext cx="3599564" cy="3599564"/>
-            </a:xfrm>
-            <a:prstGeom prst="line">
-              <a:avLst/>
-            </a:prstGeom>
-            <a:ln w="101600">
-              <a:solidFill>
-                <a:schemeClr val="tx2"/>
-              </a:solidFill>
-            </a:ln>
-          </p:spPr>
-          <p:style>
-            <a:lnRef idx="1">
-              <a:schemeClr val="accent1"/>
-            </a:lnRef>
-            <a:fillRef idx="0">
-              <a:schemeClr val="accent1"/>
-            </a:fillRef>
-            <a:effectRef idx="0">
-              <a:schemeClr val="accent1"/>
-            </a:effectRef>
-            <a:fontRef idx="minor">
-              <a:schemeClr val="tx1"/>
-            </a:fontRef>
-          </p:style>
-        </p:cxnSp>
-      </p:grpSp>
-    </p:spTree>
-    <p:extLst>
-      <p:ext uri="{BB962C8B-B14F-4D97-AF65-F5344CB8AC3E}">
-        <p14:creationId xmlns:p14="http://schemas.microsoft.com/office/powerpoint/2010/main" val="2087247895"/>
-      </p:ext>
-    </p:extLst>
-  </p:cSld>
-  <p:clrMapOvr>
-    <a:masterClrMapping/>
-  </p:clrMapOvr>
-</p:sld>
-</file>
-
-<file path=ppt/slides/slide9.xml><?xml version="1.0" encoding="utf-8"?>
 <p:sld xmlns:a="http://schemas.openxmlformats.org/drawingml/2006/main" xmlns:r="http://schemas.openxmlformats.org/officeDocument/2006/relationships" xmlns:p="http://schemas.openxmlformats.org/presentationml/2006/main">
   <p:cSld>
     <p:spTree>
@@ -10688,6 +7145,3672 @@
 </p:sld>
 </file>
 
+<file path=ppt/slides/slide11.xml><?xml version="1.0" encoding="utf-8"?>
+<p:sld xmlns:a="http://schemas.openxmlformats.org/drawingml/2006/main" xmlns:r="http://schemas.openxmlformats.org/officeDocument/2006/relationships" xmlns:p="http://schemas.openxmlformats.org/presentationml/2006/main">
+  <p:cSld>
+    <p:spTree>
+      <p:nvGrpSpPr>
+        <p:cNvPr id="1" name=""/>
+        <p:cNvGrpSpPr/>
+        <p:nvPr/>
+      </p:nvGrpSpPr>
+      <p:grpSpPr>
+        <a:xfrm>
+          <a:off x="0" y="0"/>
+          <a:ext cx="0" cy="0"/>
+          <a:chOff x="0" y="0"/>
+          <a:chExt cx="0" cy="0"/>
+        </a:xfrm>
+      </p:grpSpPr>
+      <p:grpSp>
+        <p:nvGrpSpPr>
+          <p:cNvPr id="15" name="组合 14">
+            <a:extLst>
+              <a:ext uri="{FF2B5EF4-FFF2-40B4-BE49-F238E27FC236}">
+                <a16:creationId xmlns:a16="http://schemas.microsoft.com/office/drawing/2014/main" id="{7C4DF6E9-9986-6849-A171-FB1845A25DFA}"/>
+              </a:ext>
+            </a:extLst>
+          </p:cNvPr>
+          <p:cNvGrpSpPr/>
+          <p:nvPr/>
+        </p:nvGrpSpPr>
+        <p:grpSpPr>
+          <a:xfrm>
+            <a:off x="794657" y="457200"/>
+            <a:ext cx="5812972" cy="5812972"/>
+            <a:chOff x="794657" y="457200"/>
+            <a:chExt cx="5812972" cy="5812972"/>
+          </a:xfrm>
+        </p:grpSpPr>
+        <p:pic>
+          <p:nvPicPr>
+            <p:cNvPr id="9" name="图形 8" descr="工资袋">
+              <a:extLst>
+                <a:ext uri="{FF2B5EF4-FFF2-40B4-BE49-F238E27FC236}">
+                  <a16:creationId xmlns:a16="http://schemas.microsoft.com/office/drawing/2014/main" id="{65855D17-0791-6C48-B7A7-0A71BFA4C2CB}"/>
+                </a:ext>
+              </a:extLst>
+            </p:cNvPr>
+            <p:cNvPicPr>
+              <a:picLocks noChangeAspect="1"/>
+            </p:cNvPicPr>
+            <p:nvPr/>
+          </p:nvPicPr>
+          <p:blipFill>
+            <a:blip r:embed="rId2">
+              <a:extLst>
+                <a:ext uri="{96DAC541-7B7A-43D3-8B79-37D633B846F1}">
+                  <asvg:svgBlip xmlns:asvg="http://schemas.microsoft.com/office/drawing/2016/SVG/main" r:embed="rId3"/>
+                </a:ext>
+              </a:extLst>
+            </a:blip>
+            <a:stretch>
+              <a:fillRect/>
+            </a:stretch>
+          </p:blipFill>
+          <p:spPr>
+            <a:xfrm>
+              <a:off x="1309532" y="972073"/>
+              <a:ext cx="4783216" cy="4783216"/>
+            </a:xfrm>
+            <a:prstGeom prst="rect">
+              <a:avLst/>
+            </a:prstGeom>
+          </p:spPr>
+        </p:pic>
+        <p:sp>
+          <p:nvSpPr>
+            <p:cNvPr id="6" name="矩形 5">
+              <a:extLst>
+                <a:ext uri="{FF2B5EF4-FFF2-40B4-BE49-F238E27FC236}">
+                  <a16:creationId xmlns:a16="http://schemas.microsoft.com/office/drawing/2014/main" id="{F5A1AC32-00C0-C043-AE69-D58FABE23C6D}"/>
+                </a:ext>
+              </a:extLst>
+            </p:cNvPr>
+            <p:cNvSpPr/>
+            <p:nvPr/>
+          </p:nvSpPr>
+          <p:spPr>
+            <a:xfrm>
+              <a:off x="794657" y="457200"/>
+              <a:ext cx="5812972" cy="5812972"/>
+            </a:xfrm>
+            <a:prstGeom prst="rect">
+              <a:avLst/>
+            </a:prstGeom>
+            <a:noFill/>
+            <a:ln w="25400">
+              <a:solidFill>
+                <a:schemeClr val="tx2"/>
+              </a:solidFill>
+            </a:ln>
+            <a:effectLst>
+              <a:glow rad="101600">
+                <a:schemeClr val="accent3">
+                  <a:satMod val="175000"/>
+                  <a:alpha val="40000"/>
+                </a:schemeClr>
+              </a:glow>
+            </a:effectLst>
+          </p:spPr>
+          <p:style>
+            <a:lnRef idx="2">
+              <a:schemeClr val="accent1">
+                <a:shade val="50000"/>
+              </a:schemeClr>
+            </a:lnRef>
+            <a:fillRef idx="1">
+              <a:schemeClr val="accent1"/>
+            </a:fillRef>
+            <a:effectRef idx="0">
+              <a:schemeClr val="accent1"/>
+            </a:effectRef>
+            <a:fontRef idx="minor">
+              <a:schemeClr val="lt1"/>
+            </a:fontRef>
+          </p:style>
+          <p:txBody>
+            <a:bodyPr rtlCol="0" anchor="ctr"/>
+            <a:lstStyle/>
+            <a:p>
+              <a:pPr algn="ctr"/>
+              <a:endParaRPr kumimoji="1" lang="zh-CN" altLang="en-US"/>
+            </a:p>
+          </p:txBody>
+        </p:sp>
+      </p:grpSp>
+      <p:sp>
+        <p:nvSpPr>
+          <p:cNvPr id="5" name="文本框 4">
+            <a:extLst>
+              <a:ext uri="{FF2B5EF4-FFF2-40B4-BE49-F238E27FC236}">
+                <a16:creationId xmlns:a16="http://schemas.microsoft.com/office/drawing/2014/main" id="{0002241C-DE23-3C4B-991F-64F962F8E7D5}"/>
+              </a:ext>
+            </a:extLst>
+          </p:cNvPr>
+          <p:cNvSpPr txBox="1"/>
+          <p:nvPr/>
+        </p:nvSpPr>
+        <p:spPr>
+          <a:xfrm>
+            <a:off x="8184916" y="1508584"/>
+            <a:ext cx="995785" cy="369332"/>
+          </a:xfrm>
+          <a:prstGeom prst="rect">
+            <a:avLst/>
+          </a:prstGeom>
+          <a:noFill/>
+        </p:spPr>
+        <p:txBody>
+          <a:bodyPr wrap="none" rtlCol="0">
+            <a:spAutoFit/>
+          </a:bodyPr>
+          <a:lstStyle/>
+          <a:p>
+            <a:r>
+              <a:rPr kumimoji="1" lang="en-US" altLang="zh-CN" dirty="0"/>
+              <a:t>shortcut</a:t>
+            </a:r>
+          </a:p>
+        </p:txBody>
+      </p:sp>
+    </p:spTree>
+    <p:extLst>
+      <p:ext uri="{BB962C8B-B14F-4D97-AF65-F5344CB8AC3E}">
+        <p14:creationId xmlns:p14="http://schemas.microsoft.com/office/powerpoint/2010/main" val="4069632154"/>
+      </p:ext>
+    </p:extLst>
+  </p:cSld>
+  <p:clrMapOvr>
+    <a:masterClrMapping/>
+  </p:clrMapOvr>
+</p:sld>
+</file>
+
+<file path=ppt/slides/slide12.xml><?xml version="1.0" encoding="utf-8"?>
+<p:sld xmlns:a="http://schemas.openxmlformats.org/drawingml/2006/main" xmlns:r="http://schemas.openxmlformats.org/officeDocument/2006/relationships" xmlns:p="http://schemas.openxmlformats.org/presentationml/2006/main">
+  <p:cSld>
+    <p:spTree>
+      <p:nvGrpSpPr>
+        <p:cNvPr id="1" name=""/>
+        <p:cNvGrpSpPr/>
+        <p:nvPr/>
+      </p:nvGrpSpPr>
+      <p:grpSpPr>
+        <a:xfrm>
+          <a:off x="0" y="0"/>
+          <a:ext cx="0" cy="0"/>
+          <a:chOff x="0" y="0"/>
+          <a:chExt cx="0" cy="0"/>
+        </a:xfrm>
+      </p:grpSpPr>
+      <p:grpSp>
+        <p:nvGrpSpPr>
+          <p:cNvPr id="4" name="组合 3">
+            <a:extLst>
+              <a:ext uri="{FF2B5EF4-FFF2-40B4-BE49-F238E27FC236}">
+                <a16:creationId xmlns:a16="http://schemas.microsoft.com/office/drawing/2014/main" id="{B8721C14-6B49-8B46-BBA1-B4DF96EBCD68}"/>
+              </a:ext>
+            </a:extLst>
+          </p:cNvPr>
+          <p:cNvGrpSpPr/>
+          <p:nvPr/>
+        </p:nvGrpSpPr>
+        <p:grpSpPr>
+          <a:xfrm>
+            <a:off x="794657" y="457200"/>
+            <a:ext cx="5812972" cy="5812972"/>
+            <a:chOff x="794657" y="457200"/>
+            <a:chExt cx="5812972" cy="5812972"/>
+          </a:xfrm>
+        </p:grpSpPr>
+        <p:pic>
+          <p:nvPicPr>
+            <p:cNvPr id="3" name="图形 2" descr="橡皮鸭">
+              <a:extLst>
+                <a:ext uri="{FF2B5EF4-FFF2-40B4-BE49-F238E27FC236}">
+                  <a16:creationId xmlns:a16="http://schemas.microsoft.com/office/drawing/2014/main" id="{27234718-49EC-A845-B88A-CE0EDD8295C9}"/>
+                </a:ext>
+              </a:extLst>
+            </p:cNvPr>
+            <p:cNvPicPr>
+              <a:picLocks noChangeAspect="1"/>
+            </p:cNvPicPr>
+            <p:nvPr/>
+          </p:nvPicPr>
+          <p:blipFill>
+            <a:blip r:embed="rId2">
+              <a:extLst>
+                <a:ext uri="{96DAC541-7B7A-43D3-8B79-37D633B846F1}">
+                  <asvg:svgBlip xmlns:asvg="http://schemas.microsoft.com/office/drawing/2016/SVG/main" r:embed="rId3"/>
+                </a:ext>
+              </a:extLst>
+            </a:blip>
+            <a:stretch>
+              <a:fillRect/>
+            </a:stretch>
+          </p:blipFill>
+          <p:spPr>
+            <a:xfrm>
+              <a:off x="1309532" y="972074"/>
+              <a:ext cx="4783215" cy="4783215"/>
+            </a:xfrm>
+            <a:prstGeom prst="rect">
+              <a:avLst/>
+            </a:prstGeom>
+          </p:spPr>
+        </p:pic>
+        <p:sp>
+          <p:nvSpPr>
+            <p:cNvPr id="6" name="矩形 5">
+              <a:extLst>
+                <a:ext uri="{FF2B5EF4-FFF2-40B4-BE49-F238E27FC236}">
+                  <a16:creationId xmlns:a16="http://schemas.microsoft.com/office/drawing/2014/main" id="{F5A1AC32-00C0-C043-AE69-D58FABE23C6D}"/>
+                </a:ext>
+              </a:extLst>
+            </p:cNvPr>
+            <p:cNvSpPr/>
+            <p:nvPr/>
+          </p:nvSpPr>
+          <p:spPr>
+            <a:xfrm>
+              <a:off x="794657" y="457200"/>
+              <a:ext cx="5812972" cy="5812972"/>
+            </a:xfrm>
+            <a:prstGeom prst="rect">
+              <a:avLst/>
+            </a:prstGeom>
+            <a:noFill/>
+            <a:ln w="25400">
+              <a:solidFill>
+                <a:schemeClr val="tx2"/>
+              </a:solidFill>
+            </a:ln>
+            <a:effectLst>
+              <a:glow rad="101600">
+                <a:schemeClr val="accent3">
+                  <a:satMod val="175000"/>
+                  <a:alpha val="40000"/>
+                </a:schemeClr>
+              </a:glow>
+            </a:effectLst>
+          </p:spPr>
+          <p:style>
+            <a:lnRef idx="2">
+              <a:schemeClr val="accent1">
+                <a:shade val="50000"/>
+              </a:schemeClr>
+            </a:lnRef>
+            <a:fillRef idx="1">
+              <a:schemeClr val="accent1"/>
+            </a:fillRef>
+            <a:effectRef idx="0">
+              <a:schemeClr val="accent1"/>
+            </a:effectRef>
+            <a:fontRef idx="minor">
+              <a:schemeClr val="lt1"/>
+            </a:fontRef>
+          </p:style>
+          <p:txBody>
+            <a:bodyPr rtlCol="0" anchor="ctr"/>
+            <a:lstStyle/>
+            <a:p>
+              <a:pPr algn="ctr"/>
+              <a:endParaRPr kumimoji="1" lang="zh-CN" altLang="en-US"/>
+            </a:p>
+          </p:txBody>
+        </p:sp>
+      </p:grpSp>
+      <p:sp>
+        <p:nvSpPr>
+          <p:cNvPr id="5" name="文本框 4">
+            <a:extLst>
+              <a:ext uri="{FF2B5EF4-FFF2-40B4-BE49-F238E27FC236}">
+                <a16:creationId xmlns:a16="http://schemas.microsoft.com/office/drawing/2014/main" id="{0002241C-DE23-3C4B-991F-64F962F8E7D5}"/>
+              </a:ext>
+            </a:extLst>
+          </p:cNvPr>
+          <p:cNvSpPr txBox="1"/>
+          <p:nvPr/>
+        </p:nvSpPr>
+        <p:spPr>
+          <a:xfrm>
+            <a:off x="8184916" y="1508584"/>
+            <a:ext cx="987771" cy="369332"/>
+          </a:xfrm>
+          <a:prstGeom prst="rect">
+            <a:avLst/>
+          </a:prstGeom>
+          <a:noFill/>
+        </p:spPr>
+        <p:txBody>
+          <a:bodyPr wrap="none" rtlCol="0">
+            <a:spAutoFit/>
+          </a:bodyPr>
+          <a:lstStyle/>
+          <a:p>
+            <a:r>
+              <a:rPr kumimoji="1" lang="en-US" altLang="zh-CN" dirty="0"/>
+              <a:t>Let It Be</a:t>
+            </a:r>
+          </a:p>
+        </p:txBody>
+      </p:sp>
+      <p:pic>
+        <p:nvPicPr>
+          <p:cNvPr id="12" name="图形 11" descr="风扇">
+            <a:extLst>
+              <a:ext uri="{FF2B5EF4-FFF2-40B4-BE49-F238E27FC236}">
+                <a16:creationId xmlns:a16="http://schemas.microsoft.com/office/drawing/2014/main" id="{D280ABDF-546A-C64A-8833-A4F94727A4AC}"/>
+              </a:ext>
+            </a:extLst>
+          </p:cNvPr>
+          <p:cNvPicPr>
+            <a:picLocks noChangeAspect="1"/>
+          </p:cNvPicPr>
+          <p:nvPr/>
+        </p:nvPicPr>
+        <p:blipFill>
+          <a:blip r:embed="rId4">
+            <a:extLst>
+              <a:ext uri="{96DAC541-7B7A-43D3-8B79-37D633B846F1}">
+                <asvg:svgBlip xmlns:asvg="http://schemas.microsoft.com/office/drawing/2016/SVG/main" r:embed="rId5"/>
+              </a:ext>
+            </a:extLst>
+          </a:blip>
+          <a:stretch>
+            <a:fillRect/>
+          </a:stretch>
+        </p:blipFill>
+        <p:spPr>
+          <a:xfrm>
+            <a:off x="9641812" y="2971800"/>
+            <a:ext cx="914400" cy="914400"/>
+          </a:xfrm>
+          <a:prstGeom prst="rect">
+            <a:avLst/>
+          </a:prstGeom>
+        </p:spPr>
+      </p:pic>
+      <p:pic>
+        <p:nvPicPr>
+          <p:cNvPr id="14" name="图形 13" descr="金币罐">
+            <a:extLst>
+              <a:ext uri="{FF2B5EF4-FFF2-40B4-BE49-F238E27FC236}">
+                <a16:creationId xmlns:a16="http://schemas.microsoft.com/office/drawing/2014/main" id="{5B2C147E-69E4-7342-86A8-213F3E4843A5}"/>
+              </a:ext>
+            </a:extLst>
+          </p:cNvPr>
+          <p:cNvPicPr>
+            <a:picLocks noChangeAspect="1"/>
+          </p:cNvPicPr>
+          <p:nvPr/>
+        </p:nvPicPr>
+        <p:blipFill>
+          <a:blip r:embed="rId6">
+            <a:extLst>
+              <a:ext uri="{96DAC541-7B7A-43D3-8B79-37D633B846F1}">
+                <asvg:svgBlip xmlns:asvg="http://schemas.microsoft.com/office/drawing/2016/SVG/main" r:embed="rId7"/>
+              </a:ext>
+            </a:extLst>
+          </a:blip>
+          <a:stretch>
+            <a:fillRect/>
+          </a:stretch>
+        </p:blipFill>
+        <p:spPr>
+          <a:xfrm>
+            <a:off x="9341370" y="4076927"/>
+            <a:ext cx="914400" cy="914400"/>
+          </a:xfrm>
+          <a:prstGeom prst="rect">
+            <a:avLst/>
+          </a:prstGeom>
+        </p:spPr>
+      </p:pic>
+    </p:spTree>
+    <p:extLst>
+      <p:ext uri="{BB962C8B-B14F-4D97-AF65-F5344CB8AC3E}">
+        <p14:creationId xmlns:p14="http://schemas.microsoft.com/office/powerpoint/2010/main" val="138811072"/>
+      </p:ext>
+    </p:extLst>
+  </p:cSld>
+  <p:clrMapOvr>
+    <a:masterClrMapping/>
+  </p:clrMapOvr>
+</p:sld>
+</file>
+
+<file path=ppt/slides/slide13.xml><?xml version="1.0" encoding="utf-8"?>
+<p:sld xmlns:a="http://schemas.openxmlformats.org/drawingml/2006/main" xmlns:r="http://schemas.openxmlformats.org/officeDocument/2006/relationships" xmlns:p="http://schemas.openxmlformats.org/presentationml/2006/main">
+  <p:cSld>
+    <p:spTree>
+      <p:nvGrpSpPr>
+        <p:cNvPr id="1" name=""/>
+        <p:cNvGrpSpPr/>
+        <p:nvPr/>
+      </p:nvGrpSpPr>
+      <p:grpSpPr>
+        <a:xfrm>
+          <a:off x="0" y="0"/>
+          <a:ext cx="0" cy="0"/>
+          <a:chOff x="0" y="0"/>
+          <a:chExt cx="0" cy="0"/>
+        </a:xfrm>
+      </p:grpSpPr>
+      <p:grpSp>
+        <p:nvGrpSpPr>
+          <p:cNvPr id="8" name="组合 7">
+            <a:extLst>
+              <a:ext uri="{FF2B5EF4-FFF2-40B4-BE49-F238E27FC236}">
+                <a16:creationId xmlns:a16="http://schemas.microsoft.com/office/drawing/2014/main" id="{B7E1E268-6287-1E4D-A8D9-1170AFB47D15}"/>
+              </a:ext>
+            </a:extLst>
+          </p:cNvPr>
+          <p:cNvGrpSpPr/>
+          <p:nvPr/>
+        </p:nvGrpSpPr>
+        <p:grpSpPr>
+          <a:xfrm>
+            <a:off x="794657" y="457200"/>
+            <a:ext cx="5812972" cy="5812972"/>
+            <a:chOff x="794657" y="457200"/>
+            <a:chExt cx="5812972" cy="5812972"/>
+          </a:xfrm>
+        </p:grpSpPr>
+        <p:pic>
+          <p:nvPicPr>
+            <p:cNvPr id="7" name="图形 6" descr="鞭炮">
+              <a:extLst>
+                <a:ext uri="{FF2B5EF4-FFF2-40B4-BE49-F238E27FC236}">
+                  <a16:creationId xmlns:a16="http://schemas.microsoft.com/office/drawing/2014/main" id="{289829F8-B53B-5046-B434-DCA229A91232}"/>
+                </a:ext>
+              </a:extLst>
+            </p:cNvPr>
+            <p:cNvPicPr>
+              <a:picLocks noChangeAspect="1"/>
+            </p:cNvPicPr>
+            <p:nvPr/>
+          </p:nvPicPr>
+          <p:blipFill>
+            <a:blip r:embed="rId2">
+              <a:extLst>
+                <a:ext uri="{96DAC541-7B7A-43D3-8B79-37D633B846F1}">
+                  <asvg:svgBlip xmlns:asvg="http://schemas.microsoft.com/office/drawing/2016/SVG/main" r:embed="rId3"/>
+                </a:ext>
+              </a:extLst>
+            </a:blip>
+            <a:stretch>
+              <a:fillRect/>
+            </a:stretch>
+          </p:blipFill>
+          <p:spPr>
+            <a:xfrm>
+              <a:off x="1309531" y="972073"/>
+              <a:ext cx="4783215" cy="4783215"/>
+            </a:xfrm>
+            <a:prstGeom prst="rect">
+              <a:avLst/>
+            </a:prstGeom>
+          </p:spPr>
+        </p:pic>
+        <p:sp>
+          <p:nvSpPr>
+            <p:cNvPr id="6" name="矩形 5">
+              <a:extLst>
+                <a:ext uri="{FF2B5EF4-FFF2-40B4-BE49-F238E27FC236}">
+                  <a16:creationId xmlns:a16="http://schemas.microsoft.com/office/drawing/2014/main" id="{F5A1AC32-00C0-C043-AE69-D58FABE23C6D}"/>
+                </a:ext>
+              </a:extLst>
+            </p:cNvPr>
+            <p:cNvSpPr/>
+            <p:nvPr/>
+          </p:nvSpPr>
+          <p:spPr>
+            <a:xfrm>
+              <a:off x="794657" y="457200"/>
+              <a:ext cx="5812972" cy="5812972"/>
+            </a:xfrm>
+            <a:prstGeom prst="rect">
+              <a:avLst/>
+            </a:prstGeom>
+            <a:noFill/>
+            <a:ln w="25400">
+              <a:solidFill>
+                <a:schemeClr val="tx2"/>
+              </a:solidFill>
+            </a:ln>
+            <a:effectLst>
+              <a:glow rad="101600">
+                <a:schemeClr val="accent3">
+                  <a:satMod val="175000"/>
+                  <a:alpha val="40000"/>
+                </a:schemeClr>
+              </a:glow>
+            </a:effectLst>
+          </p:spPr>
+          <p:style>
+            <a:lnRef idx="2">
+              <a:schemeClr val="accent1">
+                <a:shade val="50000"/>
+              </a:schemeClr>
+            </a:lnRef>
+            <a:fillRef idx="1">
+              <a:schemeClr val="accent1"/>
+            </a:fillRef>
+            <a:effectRef idx="0">
+              <a:schemeClr val="accent1"/>
+            </a:effectRef>
+            <a:fontRef idx="minor">
+              <a:schemeClr val="lt1"/>
+            </a:fontRef>
+          </p:style>
+          <p:txBody>
+            <a:bodyPr rtlCol="0" anchor="ctr"/>
+            <a:lstStyle/>
+            <a:p>
+              <a:pPr algn="ctr"/>
+              <a:endParaRPr kumimoji="1" lang="zh-CN" altLang="en-US"/>
+            </a:p>
+          </p:txBody>
+        </p:sp>
+      </p:grpSp>
+      <p:sp>
+        <p:nvSpPr>
+          <p:cNvPr id="5" name="文本框 4">
+            <a:extLst>
+              <a:ext uri="{FF2B5EF4-FFF2-40B4-BE49-F238E27FC236}">
+                <a16:creationId xmlns:a16="http://schemas.microsoft.com/office/drawing/2014/main" id="{0002241C-DE23-3C4B-991F-64F962F8E7D5}"/>
+              </a:ext>
+            </a:extLst>
+          </p:cNvPr>
+          <p:cNvSpPr txBox="1"/>
+          <p:nvPr/>
+        </p:nvSpPr>
+        <p:spPr>
+          <a:xfrm>
+            <a:off x="8184916" y="1508584"/>
+            <a:ext cx="984565" cy="369332"/>
+          </a:xfrm>
+          <a:prstGeom prst="rect">
+            <a:avLst/>
+          </a:prstGeom>
+          <a:noFill/>
+        </p:spPr>
+        <p:txBody>
+          <a:bodyPr wrap="none" rtlCol="0">
+            <a:spAutoFit/>
+          </a:bodyPr>
+          <a:lstStyle/>
+          <a:p>
+            <a:r>
+              <a:rPr kumimoji="1" lang="en-US" altLang="zh-CN" dirty="0"/>
+              <a:t>Surprise</a:t>
+            </a:r>
+          </a:p>
+        </p:txBody>
+      </p:sp>
+    </p:spTree>
+    <p:extLst>
+      <p:ext uri="{BB962C8B-B14F-4D97-AF65-F5344CB8AC3E}">
+        <p14:creationId xmlns:p14="http://schemas.microsoft.com/office/powerpoint/2010/main" val="1241367881"/>
+      </p:ext>
+    </p:extLst>
+  </p:cSld>
+  <p:clrMapOvr>
+    <a:masterClrMapping/>
+  </p:clrMapOvr>
+</p:sld>
+</file>
+
+<file path=ppt/slides/slide14.xml><?xml version="1.0" encoding="utf-8"?>
+<p:sld xmlns:a="http://schemas.openxmlformats.org/drawingml/2006/main" xmlns:r="http://schemas.openxmlformats.org/officeDocument/2006/relationships" xmlns:p="http://schemas.openxmlformats.org/presentationml/2006/main">
+  <p:cSld>
+    <p:spTree>
+      <p:nvGrpSpPr>
+        <p:cNvPr id="1" name=""/>
+        <p:cNvGrpSpPr/>
+        <p:nvPr/>
+      </p:nvGrpSpPr>
+      <p:grpSpPr>
+        <a:xfrm>
+          <a:off x="0" y="0"/>
+          <a:ext cx="0" cy="0"/>
+          <a:chOff x="0" y="0"/>
+          <a:chExt cx="0" cy="0"/>
+        </a:xfrm>
+      </p:grpSpPr>
+      <p:grpSp>
+        <p:nvGrpSpPr>
+          <p:cNvPr id="2" name="组合 1">
+            <a:extLst>
+              <a:ext uri="{FF2B5EF4-FFF2-40B4-BE49-F238E27FC236}">
+                <a16:creationId xmlns:a16="http://schemas.microsoft.com/office/drawing/2014/main" id="{04971957-6567-6D42-B006-C402620FEA4E}"/>
+              </a:ext>
+            </a:extLst>
+          </p:cNvPr>
+          <p:cNvGrpSpPr/>
+          <p:nvPr/>
+        </p:nvGrpSpPr>
+        <p:grpSpPr>
+          <a:xfrm>
+            <a:off x="794657" y="457200"/>
+            <a:ext cx="5812972" cy="5812972"/>
+            <a:chOff x="794657" y="457200"/>
+            <a:chExt cx="5812972" cy="5812972"/>
+          </a:xfrm>
+        </p:grpSpPr>
+        <p:pic>
+          <p:nvPicPr>
+            <p:cNvPr id="3" name="图形 2" descr="煮熟的火鸡">
+              <a:extLst>
+                <a:ext uri="{FF2B5EF4-FFF2-40B4-BE49-F238E27FC236}">
+                  <a16:creationId xmlns:a16="http://schemas.microsoft.com/office/drawing/2014/main" id="{AC2869E7-87F3-A344-B8C9-321150DA8551}"/>
+                </a:ext>
+              </a:extLst>
+            </p:cNvPr>
+            <p:cNvPicPr>
+              <a:picLocks noChangeAspect="1"/>
+            </p:cNvPicPr>
+            <p:nvPr/>
+          </p:nvPicPr>
+          <p:blipFill>
+            <a:blip r:embed="rId2">
+              <a:extLst>
+                <a:ext uri="{96DAC541-7B7A-43D3-8B79-37D633B846F1}">
+                  <asvg:svgBlip xmlns:asvg="http://schemas.microsoft.com/office/drawing/2016/SVG/main" r:embed="rId3"/>
+                </a:ext>
+              </a:extLst>
+            </a:blip>
+            <a:stretch>
+              <a:fillRect/>
+            </a:stretch>
+          </p:blipFill>
+          <p:spPr>
+            <a:xfrm>
+              <a:off x="1309530" y="972072"/>
+              <a:ext cx="4783215" cy="4783215"/>
+            </a:xfrm>
+            <a:prstGeom prst="rect">
+              <a:avLst/>
+            </a:prstGeom>
+          </p:spPr>
+        </p:pic>
+        <p:sp>
+          <p:nvSpPr>
+            <p:cNvPr id="6" name="矩形 5">
+              <a:extLst>
+                <a:ext uri="{FF2B5EF4-FFF2-40B4-BE49-F238E27FC236}">
+                  <a16:creationId xmlns:a16="http://schemas.microsoft.com/office/drawing/2014/main" id="{F5A1AC32-00C0-C043-AE69-D58FABE23C6D}"/>
+                </a:ext>
+              </a:extLst>
+            </p:cNvPr>
+            <p:cNvSpPr/>
+            <p:nvPr/>
+          </p:nvSpPr>
+          <p:spPr>
+            <a:xfrm>
+              <a:off x="794657" y="457200"/>
+              <a:ext cx="5812972" cy="5812972"/>
+            </a:xfrm>
+            <a:prstGeom prst="rect">
+              <a:avLst/>
+            </a:prstGeom>
+            <a:noFill/>
+            <a:ln w="25400">
+              <a:solidFill>
+                <a:schemeClr val="tx2"/>
+              </a:solidFill>
+            </a:ln>
+            <a:effectLst>
+              <a:glow rad="101600">
+                <a:schemeClr val="accent3">
+                  <a:satMod val="175000"/>
+                  <a:alpha val="40000"/>
+                </a:schemeClr>
+              </a:glow>
+            </a:effectLst>
+          </p:spPr>
+          <p:style>
+            <a:lnRef idx="2">
+              <a:schemeClr val="accent1">
+                <a:shade val="50000"/>
+              </a:schemeClr>
+            </a:lnRef>
+            <a:fillRef idx="1">
+              <a:schemeClr val="accent1"/>
+            </a:fillRef>
+            <a:effectRef idx="0">
+              <a:schemeClr val="accent1"/>
+            </a:effectRef>
+            <a:fontRef idx="minor">
+              <a:schemeClr val="lt1"/>
+            </a:fontRef>
+          </p:style>
+          <p:txBody>
+            <a:bodyPr rtlCol="0" anchor="ctr"/>
+            <a:lstStyle/>
+            <a:p>
+              <a:pPr algn="ctr"/>
+              <a:endParaRPr kumimoji="1" lang="zh-CN" altLang="en-US"/>
+            </a:p>
+          </p:txBody>
+        </p:sp>
+      </p:grpSp>
+      <p:sp>
+        <p:nvSpPr>
+          <p:cNvPr id="5" name="文本框 4">
+            <a:extLst>
+              <a:ext uri="{FF2B5EF4-FFF2-40B4-BE49-F238E27FC236}">
+                <a16:creationId xmlns:a16="http://schemas.microsoft.com/office/drawing/2014/main" id="{0002241C-DE23-3C4B-991F-64F962F8E7D5}"/>
+              </a:ext>
+            </a:extLst>
+          </p:cNvPr>
+          <p:cNvSpPr txBox="1"/>
+          <p:nvPr/>
+        </p:nvSpPr>
+        <p:spPr>
+          <a:xfrm>
+            <a:off x="8184916" y="1508584"/>
+            <a:ext cx="841897" cy="369332"/>
+          </a:xfrm>
+          <a:prstGeom prst="rect">
+            <a:avLst/>
+          </a:prstGeom>
+          <a:noFill/>
+        </p:spPr>
+        <p:txBody>
+          <a:bodyPr wrap="none" rtlCol="0">
+            <a:spAutoFit/>
+          </a:bodyPr>
+          <a:lstStyle/>
+          <a:p>
+            <a:r>
+              <a:rPr kumimoji="1" lang="en-US" altLang="zh-CN" dirty="0"/>
+              <a:t>+20hp</a:t>
+            </a:r>
+          </a:p>
+        </p:txBody>
+      </p:sp>
+    </p:spTree>
+    <p:extLst>
+      <p:ext uri="{BB962C8B-B14F-4D97-AF65-F5344CB8AC3E}">
+        <p14:creationId xmlns:p14="http://schemas.microsoft.com/office/powerpoint/2010/main" val="708439874"/>
+      </p:ext>
+    </p:extLst>
+  </p:cSld>
+  <p:clrMapOvr>
+    <a:masterClrMapping/>
+  </p:clrMapOvr>
+</p:sld>
+</file>
+
+<file path=ppt/slides/slide15.xml><?xml version="1.0" encoding="utf-8"?>
+<p:sld xmlns:a="http://schemas.openxmlformats.org/drawingml/2006/main" xmlns:r="http://schemas.openxmlformats.org/officeDocument/2006/relationships" xmlns:p="http://schemas.openxmlformats.org/presentationml/2006/main">
+  <p:cSld>
+    <p:spTree>
+      <p:nvGrpSpPr>
+        <p:cNvPr id="1" name=""/>
+        <p:cNvGrpSpPr/>
+        <p:nvPr/>
+      </p:nvGrpSpPr>
+      <p:grpSpPr>
+        <a:xfrm>
+          <a:off x="0" y="0"/>
+          <a:ext cx="0" cy="0"/>
+          <a:chOff x="0" y="0"/>
+          <a:chExt cx="0" cy="0"/>
+        </a:xfrm>
+      </p:grpSpPr>
+      <p:grpSp>
+        <p:nvGrpSpPr>
+          <p:cNvPr id="13" name="组合 12">
+            <a:extLst>
+              <a:ext uri="{FF2B5EF4-FFF2-40B4-BE49-F238E27FC236}">
+                <a16:creationId xmlns:a16="http://schemas.microsoft.com/office/drawing/2014/main" id="{55140D6A-3F04-3C49-937B-14E4AB23ABA5}"/>
+              </a:ext>
+            </a:extLst>
+          </p:cNvPr>
+          <p:cNvGrpSpPr/>
+          <p:nvPr/>
+        </p:nvGrpSpPr>
+        <p:grpSpPr>
+          <a:xfrm>
+            <a:off x="794657" y="457200"/>
+            <a:ext cx="5812972" cy="5812972"/>
+            <a:chOff x="794657" y="457200"/>
+            <a:chExt cx="5812972" cy="5812972"/>
+          </a:xfrm>
+        </p:grpSpPr>
+        <p:pic>
+          <p:nvPicPr>
+            <p:cNvPr id="11" name="图形 10" descr="鸡腿">
+              <a:extLst>
+                <a:ext uri="{FF2B5EF4-FFF2-40B4-BE49-F238E27FC236}">
+                  <a16:creationId xmlns:a16="http://schemas.microsoft.com/office/drawing/2014/main" id="{CBCC502A-26B1-3B4B-BC90-5B621C615A21}"/>
+                </a:ext>
+              </a:extLst>
+            </p:cNvPr>
+            <p:cNvPicPr>
+              <a:picLocks noChangeAspect="1"/>
+            </p:cNvPicPr>
+            <p:nvPr/>
+          </p:nvPicPr>
+          <p:blipFill>
+            <a:blip r:embed="rId2">
+              <a:extLst>
+                <a:ext uri="{96DAC541-7B7A-43D3-8B79-37D633B846F1}">
+                  <asvg:svgBlip xmlns:asvg="http://schemas.microsoft.com/office/drawing/2016/SVG/main" r:embed="rId3"/>
+                </a:ext>
+              </a:extLst>
+            </a:blip>
+            <a:stretch>
+              <a:fillRect/>
+            </a:stretch>
+          </p:blipFill>
+          <p:spPr>
+            <a:xfrm>
+              <a:off x="1309529" y="972072"/>
+              <a:ext cx="4783215" cy="4783215"/>
+            </a:xfrm>
+            <a:prstGeom prst="rect">
+              <a:avLst/>
+            </a:prstGeom>
+          </p:spPr>
+        </p:pic>
+        <p:sp>
+          <p:nvSpPr>
+            <p:cNvPr id="6" name="矩形 5">
+              <a:extLst>
+                <a:ext uri="{FF2B5EF4-FFF2-40B4-BE49-F238E27FC236}">
+                  <a16:creationId xmlns:a16="http://schemas.microsoft.com/office/drawing/2014/main" id="{F5A1AC32-00C0-C043-AE69-D58FABE23C6D}"/>
+                </a:ext>
+              </a:extLst>
+            </p:cNvPr>
+            <p:cNvSpPr/>
+            <p:nvPr/>
+          </p:nvSpPr>
+          <p:spPr>
+            <a:xfrm>
+              <a:off x="794657" y="457200"/>
+              <a:ext cx="5812972" cy="5812972"/>
+            </a:xfrm>
+            <a:prstGeom prst="rect">
+              <a:avLst/>
+            </a:prstGeom>
+            <a:noFill/>
+            <a:ln w="25400">
+              <a:solidFill>
+                <a:schemeClr val="tx2"/>
+              </a:solidFill>
+            </a:ln>
+            <a:effectLst>
+              <a:glow rad="101600">
+                <a:schemeClr val="accent3">
+                  <a:satMod val="175000"/>
+                  <a:alpha val="40000"/>
+                </a:schemeClr>
+              </a:glow>
+            </a:effectLst>
+          </p:spPr>
+          <p:style>
+            <a:lnRef idx="2">
+              <a:schemeClr val="accent1">
+                <a:shade val="50000"/>
+              </a:schemeClr>
+            </a:lnRef>
+            <a:fillRef idx="1">
+              <a:schemeClr val="accent1"/>
+            </a:fillRef>
+            <a:effectRef idx="0">
+              <a:schemeClr val="accent1"/>
+            </a:effectRef>
+            <a:fontRef idx="minor">
+              <a:schemeClr val="lt1"/>
+            </a:fontRef>
+          </p:style>
+          <p:txBody>
+            <a:bodyPr rtlCol="0" anchor="ctr"/>
+            <a:lstStyle/>
+            <a:p>
+              <a:pPr algn="ctr"/>
+              <a:endParaRPr kumimoji="1" lang="zh-CN" altLang="en-US"/>
+            </a:p>
+          </p:txBody>
+        </p:sp>
+      </p:grpSp>
+      <p:sp>
+        <p:nvSpPr>
+          <p:cNvPr id="5" name="文本框 4">
+            <a:extLst>
+              <a:ext uri="{FF2B5EF4-FFF2-40B4-BE49-F238E27FC236}">
+                <a16:creationId xmlns:a16="http://schemas.microsoft.com/office/drawing/2014/main" id="{0002241C-DE23-3C4B-991F-64F962F8E7D5}"/>
+              </a:ext>
+            </a:extLst>
+          </p:cNvPr>
+          <p:cNvSpPr txBox="1"/>
+          <p:nvPr/>
+        </p:nvSpPr>
+        <p:spPr>
+          <a:xfrm>
+            <a:off x="8184916" y="1508584"/>
+            <a:ext cx="841897" cy="369332"/>
+          </a:xfrm>
+          <a:prstGeom prst="rect">
+            <a:avLst/>
+          </a:prstGeom>
+          <a:noFill/>
+        </p:spPr>
+        <p:txBody>
+          <a:bodyPr wrap="none" rtlCol="0">
+            <a:spAutoFit/>
+          </a:bodyPr>
+          <a:lstStyle/>
+          <a:p>
+            <a:r>
+              <a:rPr kumimoji="1" lang="en-US" altLang="zh-CN" dirty="0"/>
+              <a:t>+10hp</a:t>
+            </a:r>
+          </a:p>
+        </p:txBody>
+      </p:sp>
+    </p:spTree>
+    <p:extLst>
+      <p:ext uri="{BB962C8B-B14F-4D97-AF65-F5344CB8AC3E}">
+        <p14:creationId xmlns:p14="http://schemas.microsoft.com/office/powerpoint/2010/main" val="2131912645"/>
+      </p:ext>
+    </p:extLst>
+  </p:cSld>
+  <p:clrMapOvr>
+    <a:masterClrMapping/>
+  </p:clrMapOvr>
+</p:sld>
+</file>
+
+<file path=ppt/slides/slide16.xml><?xml version="1.0" encoding="utf-8"?>
+<p:sld xmlns:a="http://schemas.openxmlformats.org/drawingml/2006/main" xmlns:r="http://schemas.openxmlformats.org/officeDocument/2006/relationships" xmlns:p="http://schemas.openxmlformats.org/presentationml/2006/main">
+  <p:cSld>
+    <p:spTree>
+      <p:nvGrpSpPr>
+        <p:cNvPr id="1" name=""/>
+        <p:cNvGrpSpPr/>
+        <p:nvPr/>
+      </p:nvGrpSpPr>
+      <p:grpSpPr>
+        <a:xfrm>
+          <a:off x="0" y="0"/>
+          <a:ext cx="0" cy="0"/>
+          <a:chOff x="0" y="0"/>
+          <a:chExt cx="0" cy="0"/>
+        </a:xfrm>
+      </p:grpSpPr>
+      <p:grpSp>
+        <p:nvGrpSpPr>
+          <p:cNvPr id="4" name="组合 3">
+            <a:extLst>
+              <a:ext uri="{FF2B5EF4-FFF2-40B4-BE49-F238E27FC236}">
+                <a16:creationId xmlns:a16="http://schemas.microsoft.com/office/drawing/2014/main" id="{A5915991-EF6D-8947-8929-293BEBFBB1EA}"/>
+              </a:ext>
+            </a:extLst>
+          </p:cNvPr>
+          <p:cNvGrpSpPr/>
+          <p:nvPr/>
+        </p:nvGrpSpPr>
+        <p:grpSpPr>
+          <a:xfrm>
+            <a:off x="794657" y="457200"/>
+            <a:ext cx="5812972" cy="5812972"/>
+            <a:chOff x="794657" y="457200"/>
+            <a:chExt cx="5812972" cy="5812972"/>
+          </a:xfrm>
+        </p:grpSpPr>
+        <p:pic>
+          <p:nvPicPr>
+            <p:cNvPr id="3" name="图形 2" descr="风铃">
+              <a:extLst>
+                <a:ext uri="{FF2B5EF4-FFF2-40B4-BE49-F238E27FC236}">
+                  <a16:creationId xmlns:a16="http://schemas.microsoft.com/office/drawing/2014/main" id="{56E6E282-202E-C04A-ACE7-E4789966F852}"/>
+                </a:ext>
+              </a:extLst>
+            </p:cNvPr>
+            <p:cNvPicPr>
+              <a:picLocks noChangeAspect="1"/>
+            </p:cNvPicPr>
+            <p:nvPr/>
+          </p:nvPicPr>
+          <p:blipFill>
+            <a:blip r:embed="rId2">
+              <a:extLst>
+                <a:ext uri="{96DAC541-7B7A-43D3-8B79-37D633B846F1}">
+                  <asvg:svgBlip xmlns:asvg="http://schemas.microsoft.com/office/drawing/2016/SVG/main" r:embed="rId3"/>
+                </a:ext>
+              </a:extLst>
+            </a:blip>
+            <a:stretch>
+              <a:fillRect/>
+            </a:stretch>
+          </p:blipFill>
+          <p:spPr>
+            <a:xfrm>
+              <a:off x="1174618" y="972071"/>
+              <a:ext cx="4783215" cy="4783215"/>
+            </a:xfrm>
+            <a:prstGeom prst="rect">
+              <a:avLst/>
+            </a:prstGeom>
+          </p:spPr>
+        </p:pic>
+        <p:sp>
+          <p:nvSpPr>
+            <p:cNvPr id="6" name="矩形 5">
+              <a:extLst>
+                <a:ext uri="{FF2B5EF4-FFF2-40B4-BE49-F238E27FC236}">
+                  <a16:creationId xmlns:a16="http://schemas.microsoft.com/office/drawing/2014/main" id="{F5A1AC32-00C0-C043-AE69-D58FABE23C6D}"/>
+                </a:ext>
+              </a:extLst>
+            </p:cNvPr>
+            <p:cNvSpPr/>
+            <p:nvPr/>
+          </p:nvSpPr>
+          <p:spPr>
+            <a:xfrm>
+              <a:off x="794657" y="457200"/>
+              <a:ext cx="5812972" cy="5812972"/>
+            </a:xfrm>
+            <a:prstGeom prst="rect">
+              <a:avLst/>
+            </a:prstGeom>
+            <a:noFill/>
+            <a:ln w="25400">
+              <a:solidFill>
+                <a:schemeClr val="tx2"/>
+              </a:solidFill>
+            </a:ln>
+            <a:effectLst>
+              <a:glow rad="101600">
+                <a:schemeClr val="accent3">
+                  <a:satMod val="175000"/>
+                  <a:alpha val="40000"/>
+                </a:schemeClr>
+              </a:glow>
+            </a:effectLst>
+          </p:spPr>
+          <p:style>
+            <a:lnRef idx="2">
+              <a:schemeClr val="accent1">
+                <a:shade val="50000"/>
+              </a:schemeClr>
+            </a:lnRef>
+            <a:fillRef idx="1">
+              <a:schemeClr val="accent1"/>
+            </a:fillRef>
+            <a:effectRef idx="0">
+              <a:schemeClr val="accent1"/>
+            </a:effectRef>
+            <a:fontRef idx="minor">
+              <a:schemeClr val="lt1"/>
+            </a:fontRef>
+          </p:style>
+          <p:txBody>
+            <a:bodyPr rtlCol="0" anchor="ctr"/>
+            <a:lstStyle/>
+            <a:p>
+              <a:pPr algn="ctr"/>
+              <a:endParaRPr kumimoji="1" lang="zh-CN" altLang="en-US"/>
+            </a:p>
+          </p:txBody>
+        </p:sp>
+      </p:grpSp>
+      <p:sp>
+        <p:nvSpPr>
+          <p:cNvPr id="5" name="文本框 4">
+            <a:extLst>
+              <a:ext uri="{FF2B5EF4-FFF2-40B4-BE49-F238E27FC236}">
+                <a16:creationId xmlns:a16="http://schemas.microsoft.com/office/drawing/2014/main" id="{0002241C-DE23-3C4B-991F-64F962F8E7D5}"/>
+              </a:ext>
+            </a:extLst>
+          </p:cNvPr>
+          <p:cNvSpPr txBox="1"/>
+          <p:nvPr/>
+        </p:nvSpPr>
+        <p:spPr>
+          <a:xfrm>
+            <a:off x="8184916" y="1508584"/>
+            <a:ext cx="1309974" cy="369332"/>
+          </a:xfrm>
+          <a:prstGeom prst="rect">
+            <a:avLst/>
+          </a:prstGeom>
+          <a:noFill/>
+        </p:spPr>
+        <p:txBody>
+          <a:bodyPr wrap="none" rtlCol="0">
+            <a:spAutoFit/>
+          </a:bodyPr>
+          <a:lstStyle/>
+          <a:p>
+            <a:r>
+              <a:rPr kumimoji="1" lang="en-US" altLang="zh-CN" dirty="0"/>
+              <a:t>+2 </a:t>
+            </a:r>
+            <a:r>
+              <a:rPr kumimoji="1" lang="en-US" altLang="zh-CN" dirty="0" err="1"/>
+              <a:t>defence</a:t>
+            </a:r>
+            <a:endParaRPr kumimoji="1" lang="en-US" altLang="zh-CN" dirty="0"/>
+          </a:p>
+        </p:txBody>
+      </p:sp>
+    </p:spTree>
+    <p:extLst>
+      <p:ext uri="{BB962C8B-B14F-4D97-AF65-F5344CB8AC3E}">
+        <p14:creationId xmlns:p14="http://schemas.microsoft.com/office/powerpoint/2010/main" val="3251639612"/>
+      </p:ext>
+    </p:extLst>
+  </p:cSld>
+  <p:clrMapOvr>
+    <a:masterClrMapping/>
+  </p:clrMapOvr>
+</p:sld>
+</file>
+
+<file path=ppt/slides/slide17.xml><?xml version="1.0" encoding="utf-8"?>
+<p:sld xmlns:a="http://schemas.openxmlformats.org/drawingml/2006/main" xmlns:r="http://schemas.openxmlformats.org/officeDocument/2006/relationships" xmlns:p="http://schemas.openxmlformats.org/presentationml/2006/main">
+  <p:cSld>
+    <p:spTree>
+      <p:nvGrpSpPr>
+        <p:cNvPr id="1" name=""/>
+        <p:cNvGrpSpPr/>
+        <p:nvPr/>
+      </p:nvGrpSpPr>
+      <p:grpSpPr>
+        <a:xfrm>
+          <a:off x="0" y="0"/>
+          <a:ext cx="0" cy="0"/>
+          <a:chOff x="0" y="0"/>
+          <a:chExt cx="0" cy="0"/>
+        </a:xfrm>
+      </p:grpSpPr>
+      <p:sp>
+        <p:nvSpPr>
+          <p:cNvPr id="5" name="文本框 4">
+            <a:extLst>
+              <a:ext uri="{FF2B5EF4-FFF2-40B4-BE49-F238E27FC236}">
+                <a16:creationId xmlns:a16="http://schemas.microsoft.com/office/drawing/2014/main" id="{0002241C-DE23-3C4B-991F-64F962F8E7D5}"/>
+              </a:ext>
+            </a:extLst>
+          </p:cNvPr>
+          <p:cNvSpPr txBox="1"/>
+          <p:nvPr/>
+        </p:nvSpPr>
+        <p:spPr>
+          <a:xfrm>
+            <a:off x="8184916" y="1508584"/>
+            <a:ext cx="1309974" cy="369332"/>
+          </a:xfrm>
+          <a:prstGeom prst="rect">
+            <a:avLst/>
+          </a:prstGeom>
+          <a:noFill/>
+        </p:spPr>
+        <p:txBody>
+          <a:bodyPr wrap="none" rtlCol="0">
+            <a:spAutoFit/>
+          </a:bodyPr>
+          <a:lstStyle/>
+          <a:p>
+            <a:r>
+              <a:rPr kumimoji="1" lang="en-US" altLang="zh-CN" dirty="0"/>
+              <a:t>+4 </a:t>
+            </a:r>
+            <a:r>
+              <a:rPr kumimoji="1" lang="en-US" altLang="zh-CN" dirty="0" err="1"/>
+              <a:t>defence</a:t>
+            </a:r>
+            <a:endParaRPr kumimoji="1" lang="en-US" altLang="zh-CN" dirty="0"/>
+          </a:p>
+        </p:txBody>
+      </p:sp>
+      <p:grpSp>
+        <p:nvGrpSpPr>
+          <p:cNvPr id="10" name="组合 9">
+            <a:extLst>
+              <a:ext uri="{FF2B5EF4-FFF2-40B4-BE49-F238E27FC236}">
+                <a16:creationId xmlns:a16="http://schemas.microsoft.com/office/drawing/2014/main" id="{CABAFFB5-AD67-734F-BF5E-4D7B1B6A40D1}"/>
+              </a:ext>
+            </a:extLst>
+          </p:cNvPr>
+          <p:cNvGrpSpPr/>
+          <p:nvPr/>
+        </p:nvGrpSpPr>
+        <p:grpSpPr>
+          <a:xfrm>
+            <a:off x="794657" y="457200"/>
+            <a:ext cx="5812972" cy="5812972"/>
+            <a:chOff x="794657" y="457200"/>
+            <a:chExt cx="5812972" cy="5812972"/>
+          </a:xfrm>
+        </p:grpSpPr>
+        <p:sp>
+          <p:nvSpPr>
+            <p:cNvPr id="6" name="矩形 5">
+              <a:extLst>
+                <a:ext uri="{FF2B5EF4-FFF2-40B4-BE49-F238E27FC236}">
+                  <a16:creationId xmlns:a16="http://schemas.microsoft.com/office/drawing/2014/main" id="{F5A1AC32-00C0-C043-AE69-D58FABE23C6D}"/>
+                </a:ext>
+              </a:extLst>
+            </p:cNvPr>
+            <p:cNvSpPr/>
+            <p:nvPr/>
+          </p:nvSpPr>
+          <p:spPr>
+            <a:xfrm>
+              <a:off x="794657" y="457200"/>
+              <a:ext cx="5812972" cy="5812972"/>
+            </a:xfrm>
+            <a:prstGeom prst="rect">
+              <a:avLst/>
+            </a:prstGeom>
+            <a:noFill/>
+            <a:ln w="25400">
+              <a:solidFill>
+                <a:schemeClr val="tx2"/>
+              </a:solidFill>
+            </a:ln>
+            <a:effectLst>
+              <a:glow rad="101600">
+                <a:schemeClr val="accent3">
+                  <a:satMod val="175000"/>
+                  <a:alpha val="40000"/>
+                </a:schemeClr>
+              </a:glow>
+            </a:effectLst>
+          </p:spPr>
+          <p:style>
+            <a:lnRef idx="2">
+              <a:schemeClr val="accent1">
+                <a:shade val="50000"/>
+              </a:schemeClr>
+            </a:lnRef>
+            <a:fillRef idx="1">
+              <a:schemeClr val="accent1"/>
+            </a:fillRef>
+            <a:effectRef idx="0">
+              <a:schemeClr val="accent1"/>
+            </a:effectRef>
+            <a:fontRef idx="minor">
+              <a:schemeClr val="lt1"/>
+            </a:fontRef>
+          </p:style>
+          <p:txBody>
+            <a:bodyPr rtlCol="0" anchor="ctr"/>
+            <a:lstStyle/>
+            <a:p>
+              <a:pPr algn="ctr"/>
+              <a:endParaRPr kumimoji="1" lang="zh-CN" altLang="en-US"/>
+            </a:p>
+          </p:txBody>
+        </p:sp>
+        <p:grpSp>
+          <p:nvGrpSpPr>
+            <p:cNvPr id="9" name="组合 8">
+              <a:extLst>
+                <a:ext uri="{FF2B5EF4-FFF2-40B4-BE49-F238E27FC236}">
+                  <a16:creationId xmlns:a16="http://schemas.microsoft.com/office/drawing/2014/main" id="{51B95604-00BA-1B44-8FC9-7C993E221FF2}"/>
+                </a:ext>
+              </a:extLst>
+            </p:cNvPr>
+            <p:cNvGrpSpPr/>
+            <p:nvPr/>
+          </p:nvGrpSpPr>
+          <p:grpSpPr>
+            <a:xfrm>
+              <a:off x="1264327" y="1418676"/>
+              <a:ext cx="4873632" cy="4020647"/>
+              <a:chOff x="1309528" y="972069"/>
+              <a:chExt cx="5797982" cy="4783217"/>
+            </a:xfrm>
+          </p:grpSpPr>
+          <p:pic>
+            <p:nvPicPr>
+              <p:cNvPr id="3" name="图形 2" descr="风铃">
+                <a:extLst>
+                  <a:ext uri="{FF2B5EF4-FFF2-40B4-BE49-F238E27FC236}">
+                    <a16:creationId xmlns:a16="http://schemas.microsoft.com/office/drawing/2014/main" id="{56E6E282-202E-C04A-ACE7-E4789966F852}"/>
+                  </a:ext>
+                </a:extLst>
+              </p:cNvPr>
+              <p:cNvPicPr>
+                <a:picLocks noChangeAspect="1"/>
+              </p:cNvPicPr>
+              <p:nvPr/>
+            </p:nvPicPr>
+            <p:blipFill>
+              <a:blip r:embed="rId2">
+                <a:extLst>
+                  <a:ext uri="{96DAC541-7B7A-43D3-8B79-37D633B846F1}">
+                    <asvg:svgBlip xmlns:asvg="http://schemas.microsoft.com/office/drawing/2016/SVG/main" r:embed="rId3"/>
+                  </a:ext>
+                </a:extLst>
+              </a:blip>
+              <a:stretch>
+                <a:fillRect/>
+              </a:stretch>
+            </p:blipFill>
+            <p:spPr>
+              <a:xfrm>
+                <a:off x="1309528" y="972071"/>
+                <a:ext cx="4783215" cy="4783215"/>
+              </a:xfrm>
+              <a:prstGeom prst="rect">
+                <a:avLst/>
+              </a:prstGeom>
+            </p:spPr>
+          </p:pic>
+          <p:pic>
+            <p:nvPicPr>
+              <p:cNvPr id="7" name="图形 6" descr="风铃">
+                <a:extLst>
+                  <a:ext uri="{FF2B5EF4-FFF2-40B4-BE49-F238E27FC236}">
+                    <a16:creationId xmlns:a16="http://schemas.microsoft.com/office/drawing/2014/main" id="{69192C43-94F9-4C46-B465-D819059415A4}"/>
+                  </a:ext>
+                </a:extLst>
+              </p:cNvPr>
+              <p:cNvPicPr>
+                <a:picLocks noChangeAspect="1"/>
+              </p:cNvPicPr>
+              <p:nvPr/>
+            </p:nvPicPr>
+            <p:blipFill>
+              <a:blip r:embed="rId2">
+                <a:extLst>
+                  <a:ext uri="{96DAC541-7B7A-43D3-8B79-37D633B846F1}">
+                    <asvg:svgBlip xmlns:asvg="http://schemas.microsoft.com/office/drawing/2016/SVG/main" r:embed="rId3"/>
+                  </a:ext>
+                </a:extLst>
+              </a:blip>
+              <a:stretch>
+                <a:fillRect/>
+              </a:stretch>
+            </p:blipFill>
+            <p:spPr>
+              <a:xfrm flipH="1">
+                <a:off x="2324297" y="972069"/>
+                <a:ext cx="4783213" cy="4783215"/>
+              </a:xfrm>
+              <a:prstGeom prst="rect">
+                <a:avLst/>
+              </a:prstGeom>
+            </p:spPr>
+          </p:pic>
+        </p:grpSp>
+      </p:grpSp>
+    </p:spTree>
+    <p:extLst>
+      <p:ext uri="{BB962C8B-B14F-4D97-AF65-F5344CB8AC3E}">
+        <p14:creationId xmlns:p14="http://schemas.microsoft.com/office/powerpoint/2010/main" val="3151090807"/>
+      </p:ext>
+    </p:extLst>
+  </p:cSld>
+  <p:clrMapOvr>
+    <a:masterClrMapping/>
+  </p:clrMapOvr>
+</p:sld>
+</file>
+
+<file path=ppt/slides/slide18.xml><?xml version="1.0" encoding="utf-8"?>
+<p:sld xmlns:a="http://schemas.openxmlformats.org/drawingml/2006/main" xmlns:r="http://schemas.openxmlformats.org/officeDocument/2006/relationships" xmlns:p="http://schemas.openxmlformats.org/presentationml/2006/main">
+  <p:cSld>
+    <p:spTree>
+      <p:nvGrpSpPr>
+        <p:cNvPr id="1" name=""/>
+        <p:cNvGrpSpPr/>
+        <p:nvPr/>
+      </p:nvGrpSpPr>
+      <p:grpSpPr>
+        <a:xfrm>
+          <a:off x="0" y="0"/>
+          <a:ext cx="0" cy="0"/>
+          <a:chOff x="0" y="0"/>
+          <a:chExt cx="0" cy="0"/>
+        </a:xfrm>
+      </p:grpSpPr>
+      <p:sp>
+        <p:nvSpPr>
+          <p:cNvPr id="5" name="文本框 4">
+            <a:extLst>
+              <a:ext uri="{FF2B5EF4-FFF2-40B4-BE49-F238E27FC236}">
+                <a16:creationId xmlns:a16="http://schemas.microsoft.com/office/drawing/2014/main" id="{0002241C-DE23-3C4B-991F-64F962F8E7D5}"/>
+              </a:ext>
+            </a:extLst>
+          </p:cNvPr>
+          <p:cNvSpPr txBox="1"/>
+          <p:nvPr/>
+        </p:nvSpPr>
+        <p:spPr>
+          <a:xfrm>
+            <a:off x="8184916" y="1508584"/>
+            <a:ext cx="1309974" cy="369332"/>
+          </a:xfrm>
+          <a:prstGeom prst="rect">
+            <a:avLst/>
+          </a:prstGeom>
+          <a:noFill/>
+        </p:spPr>
+        <p:txBody>
+          <a:bodyPr wrap="none" rtlCol="0">
+            <a:spAutoFit/>
+          </a:bodyPr>
+          <a:lstStyle/>
+          <a:p>
+            <a:r>
+              <a:rPr kumimoji="1" lang="en-US" altLang="zh-CN" dirty="0"/>
+              <a:t>+4 </a:t>
+            </a:r>
+            <a:r>
+              <a:rPr kumimoji="1" lang="en-US" altLang="zh-CN" dirty="0" err="1"/>
+              <a:t>defence</a:t>
+            </a:r>
+            <a:endParaRPr kumimoji="1" lang="en-US" altLang="zh-CN" dirty="0"/>
+          </a:p>
+        </p:txBody>
+      </p:sp>
+      <p:grpSp>
+        <p:nvGrpSpPr>
+          <p:cNvPr id="10" name="组合 9">
+            <a:extLst>
+              <a:ext uri="{FF2B5EF4-FFF2-40B4-BE49-F238E27FC236}">
+                <a16:creationId xmlns:a16="http://schemas.microsoft.com/office/drawing/2014/main" id="{CABAFFB5-AD67-734F-BF5E-4D7B1B6A40D1}"/>
+              </a:ext>
+            </a:extLst>
+          </p:cNvPr>
+          <p:cNvGrpSpPr/>
+          <p:nvPr/>
+        </p:nvGrpSpPr>
+        <p:grpSpPr>
+          <a:xfrm>
+            <a:off x="794657" y="457200"/>
+            <a:ext cx="5812972" cy="5812972"/>
+            <a:chOff x="794657" y="457200"/>
+            <a:chExt cx="5812972" cy="5812972"/>
+          </a:xfrm>
+        </p:grpSpPr>
+        <p:sp>
+          <p:nvSpPr>
+            <p:cNvPr id="6" name="矩形 5">
+              <a:extLst>
+                <a:ext uri="{FF2B5EF4-FFF2-40B4-BE49-F238E27FC236}">
+                  <a16:creationId xmlns:a16="http://schemas.microsoft.com/office/drawing/2014/main" id="{F5A1AC32-00C0-C043-AE69-D58FABE23C6D}"/>
+                </a:ext>
+              </a:extLst>
+            </p:cNvPr>
+            <p:cNvSpPr/>
+            <p:nvPr/>
+          </p:nvSpPr>
+          <p:spPr>
+            <a:xfrm>
+              <a:off x="794657" y="457200"/>
+              <a:ext cx="5812972" cy="5812972"/>
+            </a:xfrm>
+            <a:prstGeom prst="rect">
+              <a:avLst/>
+            </a:prstGeom>
+            <a:noFill/>
+            <a:ln w="25400">
+              <a:solidFill>
+                <a:schemeClr val="tx2"/>
+              </a:solidFill>
+            </a:ln>
+            <a:effectLst>
+              <a:glow rad="101600">
+                <a:schemeClr val="accent3">
+                  <a:satMod val="175000"/>
+                  <a:alpha val="40000"/>
+                </a:schemeClr>
+              </a:glow>
+            </a:effectLst>
+          </p:spPr>
+          <p:style>
+            <a:lnRef idx="2">
+              <a:schemeClr val="accent1">
+                <a:shade val="50000"/>
+              </a:schemeClr>
+            </a:lnRef>
+            <a:fillRef idx="1">
+              <a:schemeClr val="accent1"/>
+            </a:fillRef>
+            <a:effectRef idx="0">
+              <a:schemeClr val="accent1"/>
+            </a:effectRef>
+            <a:fontRef idx="minor">
+              <a:schemeClr val="lt1"/>
+            </a:fontRef>
+          </p:style>
+          <p:txBody>
+            <a:bodyPr rtlCol="0" anchor="ctr"/>
+            <a:lstStyle/>
+            <a:p>
+              <a:pPr algn="ctr"/>
+              <a:endParaRPr kumimoji="1" lang="zh-CN" altLang="en-US"/>
+            </a:p>
+          </p:txBody>
+        </p:sp>
+        <p:grpSp>
+          <p:nvGrpSpPr>
+            <p:cNvPr id="9" name="组合 8">
+              <a:extLst>
+                <a:ext uri="{FF2B5EF4-FFF2-40B4-BE49-F238E27FC236}">
+                  <a16:creationId xmlns:a16="http://schemas.microsoft.com/office/drawing/2014/main" id="{51B95604-00BA-1B44-8FC9-7C993E221FF2}"/>
+                </a:ext>
+              </a:extLst>
+            </p:cNvPr>
+            <p:cNvGrpSpPr/>
+            <p:nvPr/>
+          </p:nvGrpSpPr>
+          <p:grpSpPr>
+            <a:xfrm>
+              <a:off x="1264327" y="1418676"/>
+              <a:ext cx="4873632" cy="4020647"/>
+              <a:chOff x="1309528" y="972069"/>
+              <a:chExt cx="5797982" cy="4783217"/>
+            </a:xfrm>
+          </p:grpSpPr>
+          <p:pic>
+            <p:nvPicPr>
+              <p:cNvPr id="3" name="图形 2" descr="风铃">
+                <a:extLst>
+                  <a:ext uri="{FF2B5EF4-FFF2-40B4-BE49-F238E27FC236}">
+                    <a16:creationId xmlns:a16="http://schemas.microsoft.com/office/drawing/2014/main" id="{56E6E282-202E-C04A-ACE7-E4789966F852}"/>
+                  </a:ext>
+                </a:extLst>
+              </p:cNvPr>
+              <p:cNvPicPr>
+                <a:picLocks noChangeAspect="1"/>
+              </p:cNvPicPr>
+              <p:nvPr/>
+            </p:nvPicPr>
+            <p:blipFill>
+              <a:blip r:embed="rId2">
+                <a:extLst>
+                  <a:ext uri="{96DAC541-7B7A-43D3-8B79-37D633B846F1}">
+                    <asvg:svgBlip xmlns:asvg="http://schemas.microsoft.com/office/drawing/2016/SVG/main" r:embed="rId3"/>
+                  </a:ext>
+                </a:extLst>
+              </a:blip>
+              <a:stretch>
+                <a:fillRect/>
+              </a:stretch>
+            </p:blipFill>
+            <p:spPr>
+              <a:xfrm>
+                <a:off x="1309528" y="972071"/>
+                <a:ext cx="4783215" cy="4783215"/>
+              </a:xfrm>
+              <a:prstGeom prst="rect">
+                <a:avLst/>
+              </a:prstGeom>
+            </p:spPr>
+          </p:pic>
+          <p:pic>
+            <p:nvPicPr>
+              <p:cNvPr id="7" name="图形 6" descr="风铃">
+                <a:extLst>
+                  <a:ext uri="{FF2B5EF4-FFF2-40B4-BE49-F238E27FC236}">
+                    <a16:creationId xmlns:a16="http://schemas.microsoft.com/office/drawing/2014/main" id="{69192C43-94F9-4C46-B465-D819059415A4}"/>
+                  </a:ext>
+                </a:extLst>
+              </p:cNvPr>
+              <p:cNvPicPr>
+                <a:picLocks noChangeAspect="1"/>
+              </p:cNvPicPr>
+              <p:nvPr/>
+            </p:nvPicPr>
+            <p:blipFill>
+              <a:blip r:embed="rId2">
+                <a:extLst>
+                  <a:ext uri="{96DAC541-7B7A-43D3-8B79-37D633B846F1}">
+                    <asvg:svgBlip xmlns:asvg="http://schemas.microsoft.com/office/drawing/2016/SVG/main" r:embed="rId3"/>
+                  </a:ext>
+                </a:extLst>
+              </a:blip>
+              <a:stretch>
+                <a:fillRect/>
+              </a:stretch>
+            </p:blipFill>
+            <p:spPr>
+              <a:xfrm flipH="1">
+                <a:off x="2324297" y="972069"/>
+                <a:ext cx="4783213" cy="4783215"/>
+              </a:xfrm>
+              <a:prstGeom prst="rect">
+                <a:avLst/>
+              </a:prstGeom>
+            </p:spPr>
+          </p:pic>
+        </p:grpSp>
+      </p:grpSp>
+      <p:pic>
+        <p:nvPicPr>
+          <p:cNvPr id="1026" name="Picture 2" descr="杀戮尖塔机器人爪击介绍_故障机器人爪击怎么样_3DM单机">
+            <a:extLst>
+              <a:ext uri="{FF2B5EF4-FFF2-40B4-BE49-F238E27FC236}">
+                <a16:creationId xmlns:a16="http://schemas.microsoft.com/office/drawing/2014/main" id="{6A0E5607-DE06-45CB-A7F0-6FC11B513196}"/>
+              </a:ext>
+            </a:extLst>
+          </p:cNvPr>
+          <p:cNvPicPr>
+            <a:picLocks noChangeAspect="1" noChangeArrowheads="1"/>
+          </p:cNvPicPr>
+          <p:nvPr/>
+        </p:nvPicPr>
+        <p:blipFill>
+          <a:blip r:embed="rId4">
+            <a:extLst>
+              <a:ext uri="{28A0092B-C50C-407E-A947-70E740481C1C}">
+                <a14:useLocalDpi xmlns:a14="http://schemas.microsoft.com/office/drawing/2010/main" val="0"/>
+              </a:ext>
+            </a:extLst>
+          </a:blip>
+          <a:srcRect/>
+          <a:stretch>
+            <a:fillRect/>
+          </a:stretch>
+        </p:blipFill>
+        <p:spPr bwMode="auto">
+          <a:xfrm>
+            <a:off x="9494890" y="3111041"/>
+            <a:ext cx="1714500" cy="2238375"/>
+          </a:xfrm>
+          <a:prstGeom prst="rect">
+            <a:avLst/>
+          </a:prstGeom>
+          <a:noFill/>
+          <a:extLst>
+            <a:ext uri="{909E8E84-426E-40DD-AFC4-6F175D3DCCD1}">
+              <a14:hiddenFill xmlns:a14="http://schemas.microsoft.com/office/drawing/2010/main">
+                <a:solidFill>
+                  <a:srgbClr val="FFFFFF"/>
+                </a:solidFill>
+              </a14:hiddenFill>
+            </a:ext>
+          </a:extLst>
+        </p:spPr>
+      </p:pic>
+    </p:spTree>
+    <p:extLst>
+      <p:ext uri="{BB962C8B-B14F-4D97-AF65-F5344CB8AC3E}">
+        <p14:creationId xmlns:p14="http://schemas.microsoft.com/office/powerpoint/2010/main" val="3910105766"/>
+      </p:ext>
+    </p:extLst>
+  </p:cSld>
+  <p:clrMapOvr>
+    <a:masterClrMapping/>
+  </p:clrMapOvr>
+</p:sld>
+</file>
+
+<file path=ppt/slides/slide2.xml><?xml version="1.0" encoding="utf-8"?>
+<p:sld xmlns:a="http://schemas.openxmlformats.org/drawingml/2006/main" xmlns:r="http://schemas.openxmlformats.org/officeDocument/2006/relationships" xmlns:p="http://schemas.openxmlformats.org/presentationml/2006/main">
+  <p:cSld>
+    <p:spTree>
+      <p:nvGrpSpPr>
+        <p:cNvPr id="1" name=""/>
+        <p:cNvGrpSpPr/>
+        <p:nvPr/>
+      </p:nvGrpSpPr>
+      <p:grpSpPr>
+        <a:xfrm>
+          <a:off x="0" y="0"/>
+          <a:ext cx="0" cy="0"/>
+          <a:chOff x="0" y="0"/>
+          <a:chExt cx="0" cy="0"/>
+        </a:xfrm>
+      </p:grpSpPr>
+      <p:sp>
+        <p:nvSpPr>
+          <p:cNvPr id="6" name="矩形 5">
+            <a:extLst>
+              <a:ext uri="{FF2B5EF4-FFF2-40B4-BE49-F238E27FC236}">
+                <a16:creationId xmlns:a16="http://schemas.microsoft.com/office/drawing/2014/main" id="{F5A1AC32-00C0-C043-AE69-D58FABE23C6D}"/>
+              </a:ext>
+            </a:extLst>
+          </p:cNvPr>
+          <p:cNvSpPr/>
+          <p:nvPr/>
+        </p:nvSpPr>
+        <p:spPr>
+          <a:xfrm>
+            <a:off x="794657" y="457200"/>
+            <a:ext cx="5812972" cy="5812972"/>
+          </a:xfrm>
+          <a:prstGeom prst="rect">
+            <a:avLst/>
+          </a:prstGeom>
+          <a:noFill/>
+          <a:ln w="19050">
+            <a:solidFill>
+              <a:schemeClr val="tx2"/>
+            </a:solidFill>
+          </a:ln>
+        </p:spPr>
+        <p:style>
+          <a:lnRef idx="2">
+            <a:schemeClr val="accent1">
+              <a:shade val="50000"/>
+            </a:schemeClr>
+          </a:lnRef>
+          <a:fillRef idx="1">
+            <a:schemeClr val="accent1"/>
+          </a:fillRef>
+          <a:effectRef idx="0">
+            <a:schemeClr val="accent1"/>
+          </a:effectRef>
+          <a:fontRef idx="minor">
+            <a:schemeClr val="lt1"/>
+          </a:fontRef>
+        </p:style>
+        <p:txBody>
+          <a:bodyPr rtlCol="0" anchor="ctr"/>
+          <a:lstStyle/>
+          <a:p>
+            <a:pPr algn="ctr"/>
+            <a:endParaRPr kumimoji="1" lang="zh-CN" altLang="en-US"/>
+          </a:p>
+        </p:txBody>
+      </p:sp>
+      <p:sp>
+        <p:nvSpPr>
+          <p:cNvPr id="7" name="文本框 6">
+            <a:extLst>
+              <a:ext uri="{FF2B5EF4-FFF2-40B4-BE49-F238E27FC236}">
+                <a16:creationId xmlns:a16="http://schemas.microsoft.com/office/drawing/2014/main" id="{185DB8BF-A8BB-C845-A54D-2A2CD2D234EE}"/>
+              </a:ext>
+            </a:extLst>
+          </p:cNvPr>
+          <p:cNvSpPr txBox="1"/>
+          <p:nvPr/>
+        </p:nvSpPr>
+        <p:spPr>
+          <a:xfrm>
+            <a:off x="1227251" y="2517300"/>
+            <a:ext cx="4947783" cy="1692771"/>
+          </a:xfrm>
+          <a:prstGeom prst="rect">
+            <a:avLst/>
+          </a:prstGeom>
+          <a:noFill/>
+        </p:spPr>
+        <p:txBody>
+          <a:bodyPr wrap="square" rtlCol="0">
+            <a:spAutoFit/>
+          </a:bodyPr>
+          <a:lstStyle/>
+          <a:p>
+            <a:r>
+              <a:rPr kumimoji="1" lang="en-US" altLang="zh-CN" sz="10400" dirty="0">
+                <a:latin typeface="Bradley Hand" pitchFamily="2" charset="0"/>
+              </a:rPr>
+              <a:t>Creature</a:t>
+            </a:r>
+            <a:endParaRPr kumimoji="1" lang="zh-CN" altLang="en-US" sz="10400" dirty="0">
+              <a:latin typeface="Bradley Hand" pitchFamily="2" charset="0"/>
+            </a:endParaRPr>
+          </a:p>
+        </p:txBody>
+      </p:sp>
+    </p:spTree>
+    <p:extLst>
+      <p:ext uri="{BB962C8B-B14F-4D97-AF65-F5344CB8AC3E}">
+        <p14:creationId xmlns:p14="http://schemas.microsoft.com/office/powerpoint/2010/main" val="4250341799"/>
+      </p:ext>
+    </p:extLst>
+  </p:cSld>
+  <p:clrMapOvr>
+    <a:masterClrMapping/>
+  </p:clrMapOvr>
+</p:sld>
+</file>
+
+<file path=ppt/slides/slide3.xml><?xml version="1.0" encoding="utf-8"?>
+<p:sld xmlns:a="http://schemas.openxmlformats.org/drawingml/2006/main" xmlns:r="http://schemas.openxmlformats.org/officeDocument/2006/relationships" xmlns:p="http://schemas.openxmlformats.org/presentationml/2006/main">
+  <p:cSld>
+    <p:spTree>
+      <p:nvGrpSpPr>
+        <p:cNvPr id="1" name=""/>
+        <p:cNvGrpSpPr/>
+        <p:nvPr/>
+      </p:nvGrpSpPr>
+      <p:grpSpPr>
+        <a:xfrm>
+          <a:off x="0" y="0"/>
+          <a:ext cx="0" cy="0"/>
+          <a:chOff x="0" y="0"/>
+          <a:chExt cx="0" cy="0"/>
+        </a:xfrm>
+      </p:grpSpPr>
+      <p:grpSp>
+        <p:nvGrpSpPr>
+          <p:cNvPr id="11" name="组合 10">
+            <a:extLst>
+              <a:ext uri="{FF2B5EF4-FFF2-40B4-BE49-F238E27FC236}">
+                <a16:creationId xmlns:a16="http://schemas.microsoft.com/office/drawing/2014/main" id="{A5A34BA0-0C57-D34C-964F-D4A6E8442F44}"/>
+              </a:ext>
+            </a:extLst>
+          </p:cNvPr>
+          <p:cNvGrpSpPr/>
+          <p:nvPr/>
+        </p:nvGrpSpPr>
+        <p:grpSpPr>
+          <a:xfrm>
+            <a:off x="794657" y="457200"/>
+            <a:ext cx="5812972" cy="5812972"/>
+            <a:chOff x="794657" y="457200"/>
+            <a:chExt cx="5812972" cy="5812972"/>
+          </a:xfrm>
+        </p:grpSpPr>
+        <p:pic>
+          <p:nvPicPr>
+            <p:cNvPr id="10" name="图形 9" descr="波浪">
+              <a:extLst>
+                <a:ext uri="{FF2B5EF4-FFF2-40B4-BE49-F238E27FC236}">
+                  <a16:creationId xmlns:a16="http://schemas.microsoft.com/office/drawing/2014/main" id="{84D4E7A1-8FF1-3843-9E65-2FE693689D78}"/>
+                </a:ext>
+              </a:extLst>
+            </p:cNvPr>
+            <p:cNvPicPr>
+              <a:picLocks noChangeAspect="1"/>
+            </p:cNvPicPr>
+            <p:nvPr/>
+          </p:nvPicPr>
+          <p:blipFill>
+            <a:blip r:embed="rId2">
+              <a:extLst>
+                <a:ext uri="{96DAC541-7B7A-43D3-8B79-37D633B846F1}">
+                  <asvg:svgBlip xmlns:asvg="http://schemas.microsoft.com/office/drawing/2016/SVG/main" r:embed="rId3"/>
+                </a:ext>
+              </a:extLst>
+            </a:blip>
+            <a:stretch>
+              <a:fillRect/>
+            </a:stretch>
+          </p:blipFill>
+          <p:spPr>
+            <a:xfrm>
+              <a:off x="1312783" y="972076"/>
+              <a:ext cx="4783217" cy="4783217"/>
+            </a:xfrm>
+            <a:prstGeom prst="rect">
+              <a:avLst/>
+            </a:prstGeom>
+            <a:effectLst>
+              <a:glow rad="127000">
+                <a:schemeClr val="accent5">
+                  <a:lumMod val="40000"/>
+                  <a:lumOff val="60000"/>
+                </a:schemeClr>
+              </a:glow>
+            </a:effectLst>
+          </p:spPr>
+        </p:pic>
+        <p:sp>
+          <p:nvSpPr>
+            <p:cNvPr id="6" name="矩形 5">
+              <a:extLst>
+                <a:ext uri="{FF2B5EF4-FFF2-40B4-BE49-F238E27FC236}">
+                  <a16:creationId xmlns:a16="http://schemas.microsoft.com/office/drawing/2014/main" id="{F5A1AC32-00C0-C043-AE69-D58FABE23C6D}"/>
+                </a:ext>
+              </a:extLst>
+            </p:cNvPr>
+            <p:cNvSpPr/>
+            <p:nvPr/>
+          </p:nvSpPr>
+          <p:spPr>
+            <a:xfrm>
+              <a:off x="794657" y="457200"/>
+              <a:ext cx="5812972" cy="5812972"/>
+            </a:xfrm>
+            <a:prstGeom prst="rect">
+              <a:avLst/>
+            </a:prstGeom>
+            <a:noFill/>
+            <a:ln w="25400">
+              <a:solidFill>
+                <a:schemeClr val="tx2"/>
+              </a:solidFill>
+            </a:ln>
+            <a:effectLst>
+              <a:glow rad="101600">
+                <a:schemeClr val="accent3">
+                  <a:satMod val="175000"/>
+                  <a:alpha val="40000"/>
+                </a:schemeClr>
+              </a:glow>
+            </a:effectLst>
+          </p:spPr>
+          <p:style>
+            <a:lnRef idx="2">
+              <a:schemeClr val="accent1">
+                <a:shade val="50000"/>
+              </a:schemeClr>
+            </a:lnRef>
+            <a:fillRef idx="1">
+              <a:schemeClr val="accent1"/>
+            </a:fillRef>
+            <a:effectRef idx="0">
+              <a:schemeClr val="accent1"/>
+            </a:effectRef>
+            <a:fontRef idx="minor">
+              <a:schemeClr val="lt1"/>
+            </a:fontRef>
+          </p:style>
+          <p:txBody>
+            <a:bodyPr rtlCol="0" anchor="ctr"/>
+            <a:lstStyle/>
+            <a:p>
+              <a:pPr algn="ctr"/>
+              <a:endParaRPr kumimoji="1" lang="zh-CN" altLang="en-US"/>
+            </a:p>
+          </p:txBody>
+        </p:sp>
+      </p:grpSp>
+      <p:sp>
+        <p:nvSpPr>
+          <p:cNvPr id="8" name="文本框 7">
+            <a:extLst>
+              <a:ext uri="{FF2B5EF4-FFF2-40B4-BE49-F238E27FC236}">
+                <a16:creationId xmlns:a16="http://schemas.microsoft.com/office/drawing/2014/main" id="{0D584FCF-1F09-D04A-A5BB-6FE6BDD4CA89}"/>
+              </a:ext>
+            </a:extLst>
+          </p:cNvPr>
+          <p:cNvSpPr txBox="1"/>
+          <p:nvPr/>
+        </p:nvSpPr>
+        <p:spPr>
+          <a:xfrm>
+            <a:off x="8184916" y="1508584"/>
+            <a:ext cx="1697901" cy="369332"/>
+          </a:xfrm>
+          <a:prstGeom prst="rect">
+            <a:avLst/>
+          </a:prstGeom>
+          <a:noFill/>
+        </p:spPr>
+        <p:txBody>
+          <a:bodyPr wrap="none" rtlCol="0">
+            <a:spAutoFit/>
+          </a:bodyPr>
+          <a:lstStyle/>
+          <a:p>
+            <a:r>
+              <a:rPr kumimoji="1" lang="zh-CN" altLang="en-US" dirty="0"/>
+              <a:t>发光</a:t>
+            </a:r>
+            <a:r>
+              <a:rPr kumimoji="1" lang="en-US" altLang="zh-CN" dirty="0"/>
+              <a:t>-</a:t>
+            </a:r>
+            <a:r>
+              <a:rPr kumimoji="1" lang="zh-CN" altLang="en-US" dirty="0"/>
+              <a:t>大小</a:t>
+            </a:r>
+            <a:r>
+              <a:rPr kumimoji="1" lang="en-US" altLang="zh-CN" dirty="0"/>
+              <a:t>20</a:t>
+            </a:r>
+            <a:r>
+              <a:rPr kumimoji="1" lang="zh-CN" altLang="en-US" dirty="0"/>
+              <a:t>磅</a:t>
+            </a:r>
+          </a:p>
+        </p:txBody>
+      </p:sp>
+    </p:spTree>
+    <p:extLst>
+      <p:ext uri="{BB962C8B-B14F-4D97-AF65-F5344CB8AC3E}">
+        <p14:creationId xmlns:p14="http://schemas.microsoft.com/office/powerpoint/2010/main" val="1240234835"/>
+      </p:ext>
+    </p:extLst>
+  </p:cSld>
+  <p:clrMapOvr>
+    <a:masterClrMapping/>
+  </p:clrMapOvr>
+</p:sld>
+</file>
+
+<file path=ppt/slides/slide4.xml><?xml version="1.0" encoding="utf-8"?>
+<p:sld xmlns:a="http://schemas.openxmlformats.org/drawingml/2006/main" xmlns:r="http://schemas.openxmlformats.org/officeDocument/2006/relationships" xmlns:p="http://schemas.openxmlformats.org/presentationml/2006/main">
+  <p:cSld>
+    <p:spTree>
+      <p:nvGrpSpPr>
+        <p:cNvPr id="1" name=""/>
+        <p:cNvGrpSpPr/>
+        <p:nvPr/>
+      </p:nvGrpSpPr>
+      <p:grpSpPr>
+        <a:xfrm>
+          <a:off x="0" y="0"/>
+          <a:ext cx="0" cy="0"/>
+          <a:chOff x="0" y="0"/>
+          <a:chExt cx="0" cy="0"/>
+        </a:xfrm>
+      </p:grpSpPr>
+      <p:grpSp>
+        <p:nvGrpSpPr>
+          <p:cNvPr id="10" name="组合 9">
+            <a:extLst>
+              <a:ext uri="{FF2B5EF4-FFF2-40B4-BE49-F238E27FC236}">
+                <a16:creationId xmlns:a16="http://schemas.microsoft.com/office/drawing/2014/main" id="{6D8D3751-C082-5B46-8CE7-296B0CC4A064}"/>
+              </a:ext>
+            </a:extLst>
+          </p:cNvPr>
+          <p:cNvGrpSpPr/>
+          <p:nvPr/>
+        </p:nvGrpSpPr>
+        <p:grpSpPr>
+          <a:xfrm>
+            <a:off x="794657" y="457200"/>
+            <a:ext cx="5812972" cy="5812972"/>
+            <a:chOff x="794657" y="457200"/>
+            <a:chExt cx="5812972" cy="5812972"/>
+          </a:xfrm>
+        </p:grpSpPr>
+        <p:pic>
+          <p:nvPicPr>
+            <p:cNvPr id="9" name="图形 8" descr="篝火">
+              <a:extLst>
+                <a:ext uri="{FF2B5EF4-FFF2-40B4-BE49-F238E27FC236}">
+                  <a16:creationId xmlns:a16="http://schemas.microsoft.com/office/drawing/2014/main" id="{D635B8A5-AA41-3249-A3F0-1919FF3D8364}"/>
+                </a:ext>
+              </a:extLst>
+            </p:cNvPr>
+            <p:cNvPicPr>
+              <a:picLocks noChangeAspect="1"/>
+            </p:cNvPicPr>
+            <p:nvPr/>
+          </p:nvPicPr>
+          <p:blipFill>
+            <a:blip r:embed="rId2">
+              <a:extLst>
+                <a:ext uri="{96DAC541-7B7A-43D3-8B79-37D633B846F1}">
+                  <asvg:svgBlip xmlns:asvg="http://schemas.microsoft.com/office/drawing/2016/SVG/main" r:embed="rId3"/>
+                </a:ext>
+              </a:extLst>
+            </a:blip>
+            <a:stretch>
+              <a:fillRect/>
+            </a:stretch>
+          </p:blipFill>
+          <p:spPr>
+            <a:xfrm>
+              <a:off x="1309534" y="972076"/>
+              <a:ext cx="4783217" cy="4783217"/>
+            </a:xfrm>
+            <a:prstGeom prst="rect">
+              <a:avLst/>
+            </a:prstGeom>
+            <a:effectLst>
+              <a:glow rad="127000">
+                <a:schemeClr val="accent2">
+                  <a:lumMod val="60000"/>
+                  <a:lumOff val="40000"/>
+                </a:schemeClr>
+              </a:glow>
+            </a:effectLst>
+          </p:spPr>
+        </p:pic>
+        <p:sp>
+          <p:nvSpPr>
+            <p:cNvPr id="6" name="矩形 5">
+              <a:extLst>
+                <a:ext uri="{FF2B5EF4-FFF2-40B4-BE49-F238E27FC236}">
+                  <a16:creationId xmlns:a16="http://schemas.microsoft.com/office/drawing/2014/main" id="{F5A1AC32-00C0-C043-AE69-D58FABE23C6D}"/>
+                </a:ext>
+              </a:extLst>
+            </p:cNvPr>
+            <p:cNvSpPr/>
+            <p:nvPr/>
+          </p:nvSpPr>
+          <p:spPr>
+            <a:xfrm>
+              <a:off x="794657" y="457200"/>
+              <a:ext cx="5812972" cy="5812972"/>
+            </a:xfrm>
+            <a:prstGeom prst="rect">
+              <a:avLst/>
+            </a:prstGeom>
+            <a:noFill/>
+            <a:ln w="25400">
+              <a:solidFill>
+                <a:schemeClr val="tx2"/>
+              </a:solidFill>
+            </a:ln>
+            <a:effectLst>
+              <a:glow rad="101600">
+                <a:schemeClr val="accent3">
+                  <a:satMod val="175000"/>
+                  <a:alpha val="40000"/>
+                </a:schemeClr>
+              </a:glow>
+            </a:effectLst>
+          </p:spPr>
+          <p:style>
+            <a:lnRef idx="2">
+              <a:schemeClr val="accent1">
+                <a:shade val="50000"/>
+              </a:schemeClr>
+            </a:lnRef>
+            <a:fillRef idx="1">
+              <a:schemeClr val="accent1"/>
+            </a:fillRef>
+            <a:effectRef idx="0">
+              <a:schemeClr val="accent1"/>
+            </a:effectRef>
+            <a:fontRef idx="minor">
+              <a:schemeClr val="lt1"/>
+            </a:fontRef>
+          </p:style>
+          <p:txBody>
+            <a:bodyPr rtlCol="0" anchor="ctr"/>
+            <a:lstStyle/>
+            <a:p>
+              <a:pPr algn="ctr"/>
+              <a:endParaRPr kumimoji="1" lang="zh-CN" altLang="en-US"/>
+            </a:p>
+          </p:txBody>
+        </p:sp>
+      </p:grpSp>
+      <p:sp>
+        <p:nvSpPr>
+          <p:cNvPr id="7" name="文本框 6">
+            <a:extLst>
+              <a:ext uri="{FF2B5EF4-FFF2-40B4-BE49-F238E27FC236}">
+                <a16:creationId xmlns:a16="http://schemas.microsoft.com/office/drawing/2014/main" id="{76EFE55E-12D2-D84D-B9C0-8D30425F82C3}"/>
+              </a:ext>
+            </a:extLst>
+          </p:cNvPr>
+          <p:cNvSpPr txBox="1"/>
+          <p:nvPr/>
+        </p:nvSpPr>
+        <p:spPr>
+          <a:xfrm>
+            <a:off x="8184916" y="1508584"/>
+            <a:ext cx="1697901" cy="369332"/>
+          </a:xfrm>
+          <a:prstGeom prst="rect">
+            <a:avLst/>
+          </a:prstGeom>
+          <a:noFill/>
+        </p:spPr>
+        <p:txBody>
+          <a:bodyPr wrap="none" rtlCol="0">
+            <a:spAutoFit/>
+          </a:bodyPr>
+          <a:lstStyle/>
+          <a:p>
+            <a:r>
+              <a:rPr kumimoji="1" lang="zh-CN" altLang="en-US" dirty="0"/>
+              <a:t>发光</a:t>
+            </a:r>
+            <a:r>
+              <a:rPr kumimoji="1" lang="en-US" altLang="zh-CN" dirty="0"/>
+              <a:t>-</a:t>
+            </a:r>
+            <a:r>
+              <a:rPr kumimoji="1" lang="zh-CN" altLang="en-US" dirty="0"/>
+              <a:t>大小</a:t>
+            </a:r>
+            <a:r>
+              <a:rPr kumimoji="1" lang="en-US" altLang="zh-CN" dirty="0"/>
+              <a:t>20</a:t>
+            </a:r>
+            <a:r>
+              <a:rPr kumimoji="1" lang="zh-CN" altLang="en-US" dirty="0"/>
+              <a:t>磅</a:t>
+            </a:r>
+          </a:p>
+        </p:txBody>
+      </p:sp>
+    </p:spTree>
+    <p:extLst>
+      <p:ext uri="{BB962C8B-B14F-4D97-AF65-F5344CB8AC3E}">
+        <p14:creationId xmlns:p14="http://schemas.microsoft.com/office/powerpoint/2010/main" val="1783959862"/>
+      </p:ext>
+    </p:extLst>
+  </p:cSld>
+  <p:clrMapOvr>
+    <a:masterClrMapping/>
+  </p:clrMapOvr>
+</p:sld>
+</file>
+
+<file path=ppt/slides/slide5.xml><?xml version="1.0" encoding="utf-8"?>
+<p:sld xmlns:a="http://schemas.openxmlformats.org/drawingml/2006/main" xmlns:r="http://schemas.openxmlformats.org/officeDocument/2006/relationships" xmlns:p="http://schemas.openxmlformats.org/presentationml/2006/main">
+  <p:cSld>
+    <p:spTree>
+      <p:nvGrpSpPr>
+        <p:cNvPr id="1" name=""/>
+        <p:cNvGrpSpPr/>
+        <p:nvPr/>
+      </p:nvGrpSpPr>
+      <p:grpSpPr>
+        <a:xfrm>
+          <a:off x="0" y="0"/>
+          <a:ext cx="0" cy="0"/>
+          <a:chOff x="0" y="0"/>
+          <a:chExt cx="0" cy="0"/>
+        </a:xfrm>
+      </p:grpSpPr>
+      <p:grpSp>
+        <p:nvGrpSpPr>
+          <p:cNvPr id="11" name="组合 10">
+            <a:extLst>
+              <a:ext uri="{FF2B5EF4-FFF2-40B4-BE49-F238E27FC236}">
+                <a16:creationId xmlns:a16="http://schemas.microsoft.com/office/drawing/2014/main" id="{3C1DDD70-D359-1246-BBD1-C3F2A3E28EC4}"/>
+              </a:ext>
+            </a:extLst>
+          </p:cNvPr>
+          <p:cNvGrpSpPr/>
+          <p:nvPr/>
+        </p:nvGrpSpPr>
+        <p:grpSpPr>
+          <a:xfrm>
+            <a:off x="794657" y="457200"/>
+            <a:ext cx="5812972" cy="5812972"/>
+            <a:chOff x="794657" y="457200"/>
+            <a:chExt cx="5812972" cy="5812972"/>
+          </a:xfrm>
+        </p:grpSpPr>
+        <p:pic>
+          <p:nvPicPr>
+            <p:cNvPr id="3" name="图形 2" descr="金条">
+              <a:extLst>
+                <a:ext uri="{FF2B5EF4-FFF2-40B4-BE49-F238E27FC236}">
+                  <a16:creationId xmlns:a16="http://schemas.microsoft.com/office/drawing/2014/main" id="{7D615728-1FE2-4741-84E9-A2174A5DCA23}"/>
+                </a:ext>
+              </a:extLst>
+            </p:cNvPr>
+            <p:cNvPicPr>
+              <a:picLocks noChangeAspect="1"/>
+            </p:cNvPicPr>
+            <p:nvPr/>
+          </p:nvPicPr>
+          <p:blipFill>
+            <a:blip r:embed="rId2">
+              <a:extLst>
+                <a:ext uri="{96DAC541-7B7A-43D3-8B79-37D633B846F1}">
+                  <asvg:svgBlip xmlns:asvg="http://schemas.microsoft.com/office/drawing/2016/SVG/main" r:embed="rId3"/>
+                </a:ext>
+              </a:extLst>
+            </a:blip>
+            <a:stretch>
+              <a:fillRect/>
+            </a:stretch>
+          </p:blipFill>
+          <p:spPr>
+            <a:xfrm>
+              <a:off x="1309534" y="972075"/>
+              <a:ext cx="4783217" cy="4783217"/>
+            </a:xfrm>
+            <a:prstGeom prst="rect">
+              <a:avLst/>
+            </a:prstGeom>
+            <a:effectLst>
+              <a:glow rad="190500">
+                <a:schemeClr val="accent4">
+                  <a:satMod val="175000"/>
+                  <a:alpha val="40000"/>
+                </a:schemeClr>
+              </a:glow>
+            </a:effectLst>
+          </p:spPr>
+        </p:pic>
+        <p:sp>
+          <p:nvSpPr>
+            <p:cNvPr id="6" name="矩形 5">
+              <a:extLst>
+                <a:ext uri="{FF2B5EF4-FFF2-40B4-BE49-F238E27FC236}">
+                  <a16:creationId xmlns:a16="http://schemas.microsoft.com/office/drawing/2014/main" id="{F5A1AC32-00C0-C043-AE69-D58FABE23C6D}"/>
+                </a:ext>
+              </a:extLst>
+            </p:cNvPr>
+            <p:cNvSpPr/>
+            <p:nvPr/>
+          </p:nvSpPr>
+          <p:spPr>
+            <a:xfrm>
+              <a:off x="794657" y="457200"/>
+              <a:ext cx="5812972" cy="5812972"/>
+            </a:xfrm>
+            <a:prstGeom prst="rect">
+              <a:avLst/>
+            </a:prstGeom>
+            <a:noFill/>
+            <a:ln w="25400">
+              <a:solidFill>
+                <a:schemeClr val="tx2"/>
+              </a:solidFill>
+            </a:ln>
+            <a:effectLst>
+              <a:glow rad="101600">
+                <a:schemeClr val="accent3">
+                  <a:satMod val="175000"/>
+                  <a:alpha val="40000"/>
+                </a:schemeClr>
+              </a:glow>
+            </a:effectLst>
+          </p:spPr>
+          <p:style>
+            <a:lnRef idx="2">
+              <a:schemeClr val="accent1">
+                <a:shade val="50000"/>
+              </a:schemeClr>
+            </a:lnRef>
+            <a:fillRef idx="1">
+              <a:schemeClr val="accent1"/>
+            </a:fillRef>
+            <a:effectRef idx="0">
+              <a:schemeClr val="accent1"/>
+            </a:effectRef>
+            <a:fontRef idx="minor">
+              <a:schemeClr val="lt1"/>
+            </a:fontRef>
+          </p:style>
+          <p:txBody>
+            <a:bodyPr rtlCol="0" anchor="ctr"/>
+            <a:lstStyle/>
+            <a:p>
+              <a:pPr algn="ctr"/>
+              <a:endParaRPr kumimoji="1" lang="zh-CN" altLang="en-US"/>
+            </a:p>
+          </p:txBody>
+        </p:sp>
+      </p:grpSp>
+      <p:sp>
+        <p:nvSpPr>
+          <p:cNvPr id="9" name="文本框 8">
+            <a:extLst>
+              <a:ext uri="{FF2B5EF4-FFF2-40B4-BE49-F238E27FC236}">
+                <a16:creationId xmlns:a16="http://schemas.microsoft.com/office/drawing/2014/main" id="{A4BA6688-3BC3-9942-B372-B6D41BDC4771}"/>
+              </a:ext>
+            </a:extLst>
+          </p:cNvPr>
+          <p:cNvSpPr txBox="1"/>
+          <p:nvPr/>
+        </p:nvSpPr>
+        <p:spPr>
+          <a:xfrm>
+            <a:off x="8184916" y="1508584"/>
+            <a:ext cx="1697901" cy="369332"/>
+          </a:xfrm>
+          <a:prstGeom prst="rect">
+            <a:avLst/>
+          </a:prstGeom>
+          <a:noFill/>
+        </p:spPr>
+        <p:txBody>
+          <a:bodyPr wrap="none" rtlCol="0">
+            <a:spAutoFit/>
+          </a:bodyPr>
+          <a:lstStyle/>
+          <a:p>
+            <a:r>
+              <a:rPr kumimoji="1" lang="zh-CN" altLang="en-US" dirty="0"/>
+              <a:t>发光</a:t>
+            </a:r>
+            <a:r>
+              <a:rPr kumimoji="1" lang="en-US" altLang="zh-CN" dirty="0"/>
+              <a:t>-</a:t>
+            </a:r>
+            <a:r>
+              <a:rPr kumimoji="1" lang="zh-CN" altLang="en-US" dirty="0"/>
+              <a:t>大小</a:t>
+            </a:r>
+            <a:r>
+              <a:rPr kumimoji="1" lang="en-US" altLang="zh-CN" dirty="0"/>
+              <a:t>20</a:t>
+            </a:r>
+            <a:r>
+              <a:rPr kumimoji="1" lang="zh-CN" altLang="en-US" dirty="0"/>
+              <a:t>磅</a:t>
+            </a:r>
+          </a:p>
+        </p:txBody>
+      </p:sp>
+    </p:spTree>
+    <p:extLst>
+      <p:ext uri="{BB962C8B-B14F-4D97-AF65-F5344CB8AC3E}">
+        <p14:creationId xmlns:p14="http://schemas.microsoft.com/office/powerpoint/2010/main" val="4153769020"/>
+      </p:ext>
+    </p:extLst>
+  </p:cSld>
+  <p:clrMapOvr>
+    <a:masterClrMapping/>
+  </p:clrMapOvr>
+</p:sld>
+</file>
+
+<file path=ppt/slides/slide6.xml><?xml version="1.0" encoding="utf-8"?>
+<p:sld xmlns:a="http://schemas.openxmlformats.org/drawingml/2006/main" xmlns:r="http://schemas.openxmlformats.org/officeDocument/2006/relationships" xmlns:p="http://schemas.openxmlformats.org/presentationml/2006/main">
+  <p:cSld>
+    <p:spTree>
+      <p:nvGrpSpPr>
+        <p:cNvPr id="1" name=""/>
+        <p:cNvGrpSpPr/>
+        <p:nvPr/>
+      </p:nvGrpSpPr>
+      <p:grpSpPr>
+        <a:xfrm>
+          <a:off x="0" y="0"/>
+          <a:ext cx="0" cy="0"/>
+          <a:chOff x="0" y="0"/>
+          <a:chExt cx="0" cy="0"/>
+        </a:xfrm>
+      </p:grpSpPr>
+      <p:grpSp>
+        <p:nvGrpSpPr>
+          <p:cNvPr id="10" name="组合 9">
+            <a:extLst>
+              <a:ext uri="{FF2B5EF4-FFF2-40B4-BE49-F238E27FC236}">
+                <a16:creationId xmlns:a16="http://schemas.microsoft.com/office/drawing/2014/main" id="{F7A92BA8-5C2B-0746-AB66-451BCA285ABD}"/>
+              </a:ext>
+            </a:extLst>
+          </p:cNvPr>
+          <p:cNvGrpSpPr/>
+          <p:nvPr/>
+        </p:nvGrpSpPr>
+        <p:grpSpPr>
+          <a:xfrm>
+            <a:off x="794657" y="457200"/>
+            <a:ext cx="5812972" cy="5812972"/>
+            <a:chOff x="794657" y="457200"/>
+            <a:chExt cx="5812972" cy="5812972"/>
+          </a:xfrm>
+        </p:grpSpPr>
+        <p:pic>
+          <p:nvPicPr>
+            <p:cNvPr id="8" name="图形 7" descr="群山">
+              <a:extLst>
+                <a:ext uri="{FF2B5EF4-FFF2-40B4-BE49-F238E27FC236}">
+                  <a16:creationId xmlns:a16="http://schemas.microsoft.com/office/drawing/2014/main" id="{37557B79-7771-1B4C-AACE-10F160550427}"/>
+                </a:ext>
+              </a:extLst>
+            </p:cNvPr>
+            <p:cNvPicPr>
+              <a:picLocks noChangeAspect="1"/>
+            </p:cNvPicPr>
+            <p:nvPr/>
+          </p:nvPicPr>
+          <p:blipFill>
+            <a:blip r:embed="rId2">
+              <a:extLst>
+                <a:ext uri="{96DAC541-7B7A-43D3-8B79-37D633B846F1}">
+                  <asvg:svgBlip xmlns:asvg="http://schemas.microsoft.com/office/drawing/2016/SVG/main" r:embed="rId3"/>
+                </a:ext>
+              </a:extLst>
+            </a:blip>
+            <a:stretch>
+              <a:fillRect/>
+            </a:stretch>
+          </p:blipFill>
+          <p:spPr>
+            <a:xfrm>
+              <a:off x="1309533" y="972075"/>
+              <a:ext cx="4783217" cy="4783217"/>
+            </a:xfrm>
+            <a:prstGeom prst="rect">
+              <a:avLst/>
+            </a:prstGeom>
+            <a:effectLst>
+              <a:glow rad="254000">
+                <a:schemeClr val="accent4">
+                  <a:lumMod val="75000"/>
+                </a:schemeClr>
+              </a:glow>
+            </a:effectLst>
+          </p:spPr>
+        </p:pic>
+        <p:sp>
+          <p:nvSpPr>
+            <p:cNvPr id="6" name="矩形 5">
+              <a:extLst>
+                <a:ext uri="{FF2B5EF4-FFF2-40B4-BE49-F238E27FC236}">
+                  <a16:creationId xmlns:a16="http://schemas.microsoft.com/office/drawing/2014/main" id="{F5A1AC32-00C0-C043-AE69-D58FABE23C6D}"/>
+                </a:ext>
+              </a:extLst>
+            </p:cNvPr>
+            <p:cNvSpPr/>
+            <p:nvPr/>
+          </p:nvSpPr>
+          <p:spPr>
+            <a:xfrm>
+              <a:off x="794657" y="457200"/>
+              <a:ext cx="5812972" cy="5812972"/>
+            </a:xfrm>
+            <a:prstGeom prst="rect">
+              <a:avLst/>
+            </a:prstGeom>
+            <a:noFill/>
+            <a:ln w="25400">
+              <a:solidFill>
+                <a:schemeClr val="tx2"/>
+              </a:solidFill>
+            </a:ln>
+            <a:effectLst>
+              <a:glow rad="101600">
+                <a:schemeClr val="accent3">
+                  <a:satMod val="175000"/>
+                  <a:alpha val="40000"/>
+                </a:schemeClr>
+              </a:glow>
+            </a:effectLst>
+          </p:spPr>
+          <p:style>
+            <a:lnRef idx="2">
+              <a:schemeClr val="accent1">
+                <a:shade val="50000"/>
+              </a:schemeClr>
+            </a:lnRef>
+            <a:fillRef idx="1">
+              <a:schemeClr val="accent1"/>
+            </a:fillRef>
+            <a:effectRef idx="0">
+              <a:schemeClr val="accent1"/>
+            </a:effectRef>
+            <a:fontRef idx="minor">
+              <a:schemeClr val="lt1"/>
+            </a:fontRef>
+          </p:style>
+          <p:txBody>
+            <a:bodyPr rtlCol="0" anchor="ctr"/>
+            <a:lstStyle/>
+            <a:p>
+              <a:pPr algn="ctr"/>
+              <a:endParaRPr kumimoji="1" lang="zh-CN" altLang="en-US"/>
+            </a:p>
+          </p:txBody>
+        </p:sp>
+      </p:grpSp>
+      <p:sp>
+        <p:nvSpPr>
+          <p:cNvPr id="9" name="文本框 8">
+            <a:extLst>
+              <a:ext uri="{FF2B5EF4-FFF2-40B4-BE49-F238E27FC236}">
+                <a16:creationId xmlns:a16="http://schemas.microsoft.com/office/drawing/2014/main" id="{84D6C507-697D-514D-B709-11D6A0010610}"/>
+              </a:ext>
+            </a:extLst>
+          </p:cNvPr>
+          <p:cNvSpPr txBox="1"/>
+          <p:nvPr/>
+        </p:nvSpPr>
+        <p:spPr>
+          <a:xfrm>
+            <a:off x="8184916" y="1508584"/>
+            <a:ext cx="1697901" cy="369332"/>
+          </a:xfrm>
+          <a:prstGeom prst="rect">
+            <a:avLst/>
+          </a:prstGeom>
+          <a:noFill/>
+        </p:spPr>
+        <p:txBody>
+          <a:bodyPr wrap="none" rtlCol="0">
+            <a:spAutoFit/>
+          </a:bodyPr>
+          <a:lstStyle/>
+          <a:p>
+            <a:r>
+              <a:rPr kumimoji="1" lang="zh-CN" altLang="en-US" dirty="0"/>
+              <a:t>发光</a:t>
+            </a:r>
+            <a:r>
+              <a:rPr kumimoji="1" lang="en-US" altLang="zh-CN" dirty="0"/>
+              <a:t>-</a:t>
+            </a:r>
+            <a:r>
+              <a:rPr kumimoji="1" lang="zh-CN" altLang="en-US" dirty="0"/>
+              <a:t>大小</a:t>
+            </a:r>
+            <a:r>
+              <a:rPr kumimoji="1" lang="en-US" altLang="zh-CN" dirty="0"/>
+              <a:t>20</a:t>
+            </a:r>
+            <a:r>
+              <a:rPr kumimoji="1" lang="zh-CN" altLang="en-US" dirty="0"/>
+              <a:t>磅</a:t>
+            </a:r>
+          </a:p>
+        </p:txBody>
+      </p:sp>
+    </p:spTree>
+    <p:extLst>
+      <p:ext uri="{BB962C8B-B14F-4D97-AF65-F5344CB8AC3E}">
+        <p14:creationId xmlns:p14="http://schemas.microsoft.com/office/powerpoint/2010/main" val="980276707"/>
+      </p:ext>
+    </p:extLst>
+  </p:cSld>
+  <p:clrMapOvr>
+    <a:masterClrMapping/>
+  </p:clrMapOvr>
+</p:sld>
+</file>
+
+<file path=ppt/slides/slide7.xml><?xml version="1.0" encoding="utf-8"?>
+<p:sld xmlns:a="http://schemas.openxmlformats.org/drawingml/2006/main" xmlns:r="http://schemas.openxmlformats.org/officeDocument/2006/relationships" xmlns:p="http://schemas.openxmlformats.org/presentationml/2006/main">
+  <p:cSld>
+    <p:spTree>
+      <p:nvGrpSpPr>
+        <p:cNvPr id="1" name=""/>
+        <p:cNvGrpSpPr/>
+        <p:nvPr/>
+      </p:nvGrpSpPr>
+      <p:grpSpPr>
+        <a:xfrm>
+          <a:off x="0" y="0"/>
+          <a:ext cx="0" cy="0"/>
+          <a:chOff x="0" y="0"/>
+          <a:chExt cx="0" cy="0"/>
+        </a:xfrm>
+      </p:grpSpPr>
+      <p:grpSp>
+        <p:nvGrpSpPr>
+          <p:cNvPr id="14" name="组合 13">
+            <a:extLst>
+              <a:ext uri="{FF2B5EF4-FFF2-40B4-BE49-F238E27FC236}">
+                <a16:creationId xmlns:a16="http://schemas.microsoft.com/office/drawing/2014/main" id="{9CA7760B-D551-1242-B39A-094D4EA21CC1}"/>
+              </a:ext>
+            </a:extLst>
+          </p:cNvPr>
+          <p:cNvGrpSpPr/>
+          <p:nvPr/>
+        </p:nvGrpSpPr>
+        <p:grpSpPr>
+          <a:xfrm>
+            <a:off x="794657" y="457200"/>
+            <a:ext cx="5812972" cy="5812972"/>
+            <a:chOff x="794657" y="457200"/>
+            <a:chExt cx="5812972" cy="5812972"/>
+          </a:xfrm>
+        </p:grpSpPr>
+        <p:pic>
+          <p:nvPicPr>
+            <p:cNvPr id="13" name="图形 12" descr="植物">
+              <a:extLst>
+                <a:ext uri="{FF2B5EF4-FFF2-40B4-BE49-F238E27FC236}">
+                  <a16:creationId xmlns:a16="http://schemas.microsoft.com/office/drawing/2014/main" id="{25631562-C5F9-E14C-9736-26CC6E559FFF}"/>
+                </a:ext>
+              </a:extLst>
+            </p:cNvPr>
+            <p:cNvPicPr>
+              <a:picLocks noChangeAspect="1"/>
+            </p:cNvPicPr>
+            <p:nvPr/>
+          </p:nvPicPr>
+          <p:blipFill>
+            <a:blip r:embed="rId2">
+              <a:extLst>
+                <a:ext uri="{96DAC541-7B7A-43D3-8B79-37D633B846F1}">
+                  <asvg:svgBlip xmlns:asvg="http://schemas.microsoft.com/office/drawing/2016/SVG/main" r:embed="rId3"/>
+                </a:ext>
+              </a:extLst>
+            </a:blip>
+            <a:stretch>
+              <a:fillRect/>
+            </a:stretch>
+          </p:blipFill>
+          <p:spPr>
+            <a:xfrm>
+              <a:off x="1309532" y="972073"/>
+              <a:ext cx="4783216" cy="4783216"/>
+            </a:xfrm>
+            <a:prstGeom prst="rect">
+              <a:avLst/>
+            </a:prstGeom>
+            <a:effectLst>
+              <a:glow rad="127000">
+                <a:schemeClr val="accent6">
+                  <a:lumMod val="60000"/>
+                  <a:lumOff val="40000"/>
+                </a:schemeClr>
+              </a:glow>
+            </a:effectLst>
+          </p:spPr>
+        </p:pic>
+        <p:sp>
+          <p:nvSpPr>
+            <p:cNvPr id="6" name="矩形 5">
+              <a:extLst>
+                <a:ext uri="{FF2B5EF4-FFF2-40B4-BE49-F238E27FC236}">
+                  <a16:creationId xmlns:a16="http://schemas.microsoft.com/office/drawing/2014/main" id="{F5A1AC32-00C0-C043-AE69-D58FABE23C6D}"/>
+                </a:ext>
+              </a:extLst>
+            </p:cNvPr>
+            <p:cNvSpPr/>
+            <p:nvPr/>
+          </p:nvSpPr>
+          <p:spPr>
+            <a:xfrm>
+              <a:off x="794657" y="457200"/>
+              <a:ext cx="5812972" cy="5812972"/>
+            </a:xfrm>
+            <a:prstGeom prst="rect">
+              <a:avLst/>
+            </a:prstGeom>
+            <a:noFill/>
+            <a:ln w="25400">
+              <a:solidFill>
+                <a:schemeClr val="tx2"/>
+              </a:solidFill>
+            </a:ln>
+            <a:effectLst>
+              <a:glow rad="101600">
+                <a:schemeClr val="accent3">
+                  <a:satMod val="175000"/>
+                  <a:alpha val="40000"/>
+                </a:schemeClr>
+              </a:glow>
+            </a:effectLst>
+          </p:spPr>
+          <p:style>
+            <a:lnRef idx="2">
+              <a:schemeClr val="accent1">
+                <a:shade val="50000"/>
+              </a:schemeClr>
+            </a:lnRef>
+            <a:fillRef idx="1">
+              <a:schemeClr val="accent1"/>
+            </a:fillRef>
+            <a:effectRef idx="0">
+              <a:schemeClr val="accent1"/>
+            </a:effectRef>
+            <a:fontRef idx="minor">
+              <a:schemeClr val="lt1"/>
+            </a:fontRef>
+          </p:style>
+          <p:txBody>
+            <a:bodyPr rtlCol="0" anchor="ctr"/>
+            <a:lstStyle/>
+            <a:p>
+              <a:pPr algn="ctr"/>
+              <a:endParaRPr kumimoji="1" lang="zh-CN" altLang="en-US"/>
+            </a:p>
+          </p:txBody>
+        </p:sp>
+      </p:grpSp>
+      <p:sp>
+        <p:nvSpPr>
+          <p:cNvPr id="5" name="文本框 4">
+            <a:extLst>
+              <a:ext uri="{FF2B5EF4-FFF2-40B4-BE49-F238E27FC236}">
+                <a16:creationId xmlns:a16="http://schemas.microsoft.com/office/drawing/2014/main" id="{0002241C-DE23-3C4B-991F-64F962F8E7D5}"/>
+              </a:ext>
+            </a:extLst>
+          </p:cNvPr>
+          <p:cNvSpPr txBox="1"/>
+          <p:nvPr/>
+        </p:nvSpPr>
+        <p:spPr>
+          <a:xfrm>
+            <a:off x="8184916" y="1508584"/>
+            <a:ext cx="1697901" cy="369332"/>
+          </a:xfrm>
+          <a:prstGeom prst="rect">
+            <a:avLst/>
+          </a:prstGeom>
+          <a:noFill/>
+        </p:spPr>
+        <p:txBody>
+          <a:bodyPr wrap="none" rtlCol="0">
+            <a:spAutoFit/>
+          </a:bodyPr>
+          <a:lstStyle/>
+          <a:p>
+            <a:r>
+              <a:rPr kumimoji="1" lang="zh-CN" altLang="en-US" dirty="0"/>
+              <a:t>发光</a:t>
+            </a:r>
+            <a:r>
+              <a:rPr kumimoji="1" lang="en-US" altLang="zh-CN" dirty="0"/>
+              <a:t>-</a:t>
+            </a:r>
+            <a:r>
+              <a:rPr kumimoji="1" lang="zh-CN" altLang="en-US" dirty="0"/>
+              <a:t>大小</a:t>
+            </a:r>
+            <a:r>
+              <a:rPr kumimoji="1" lang="en-US" altLang="zh-CN" dirty="0"/>
+              <a:t>20</a:t>
+            </a:r>
+            <a:r>
+              <a:rPr kumimoji="1" lang="zh-CN" altLang="en-US" dirty="0"/>
+              <a:t>磅</a:t>
+            </a:r>
+          </a:p>
+        </p:txBody>
+      </p:sp>
+    </p:spTree>
+    <p:extLst>
+      <p:ext uri="{BB962C8B-B14F-4D97-AF65-F5344CB8AC3E}">
+        <p14:creationId xmlns:p14="http://schemas.microsoft.com/office/powerpoint/2010/main" val="1667150747"/>
+      </p:ext>
+    </p:extLst>
+  </p:cSld>
+  <p:clrMapOvr>
+    <a:masterClrMapping/>
+  </p:clrMapOvr>
+</p:sld>
+</file>
+
+<file path=ppt/slides/slide8.xml><?xml version="1.0" encoding="utf-8"?>
+<p:sld xmlns:a="http://schemas.openxmlformats.org/drawingml/2006/main" xmlns:r="http://schemas.openxmlformats.org/officeDocument/2006/relationships" xmlns:p="http://schemas.openxmlformats.org/presentationml/2006/main">
+  <p:cSld>
+    <p:spTree>
+      <p:nvGrpSpPr>
+        <p:cNvPr id="1" name=""/>
+        <p:cNvGrpSpPr/>
+        <p:nvPr/>
+      </p:nvGrpSpPr>
+      <p:grpSpPr>
+        <a:xfrm>
+          <a:off x="0" y="0"/>
+          <a:ext cx="0" cy="0"/>
+          <a:chOff x="0" y="0"/>
+          <a:chExt cx="0" cy="0"/>
+        </a:xfrm>
+      </p:grpSpPr>
+      <p:sp>
+        <p:nvSpPr>
+          <p:cNvPr id="5" name="文本框 4">
+            <a:extLst>
+              <a:ext uri="{FF2B5EF4-FFF2-40B4-BE49-F238E27FC236}">
+                <a16:creationId xmlns:a16="http://schemas.microsoft.com/office/drawing/2014/main" id="{0002241C-DE23-3C4B-991F-64F962F8E7D5}"/>
+              </a:ext>
+            </a:extLst>
+          </p:cNvPr>
+          <p:cNvSpPr txBox="1"/>
+          <p:nvPr/>
+        </p:nvSpPr>
+        <p:spPr>
+          <a:xfrm>
+            <a:off x="8184916" y="1508584"/>
+            <a:ext cx="1069524" cy="369332"/>
+          </a:xfrm>
+          <a:prstGeom prst="rect">
+            <a:avLst/>
+          </a:prstGeom>
+          <a:noFill/>
+        </p:spPr>
+        <p:txBody>
+          <a:bodyPr wrap="none" rtlCol="0">
+            <a:spAutoFit/>
+          </a:bodyPr>
+          <a:lstStyle/>
+          <a:p>
+            <a:r>
+              <a:rPr kumimoji="1" lang="en-US" altLang="zh-CN" dirty="0" err="1"/>
+              <a:t>Diagnoal</a:t>
+            </a:r>
+            <a:endParaRPr kumimoji="1" lang="en-US" altLang="zh-CN" dirty="0"/>
+          </a:p>
+        </p:txBody>
+      </p:sp>
+      <p:grpSp>
+        <p:nvGrpSpPr>
+          <p:cNvPr id="9" name="组合 8">
+            <a:extLst>
+              <a:ext uri="{FF2B5EF4-FFF2-40B4-BE49-F238E27FC236}">
+                <a16:creationId xmlns:a16="http://schemas.microsoft.com/office/drawing/2014/main" id="{9EAE6A9E-1656-254E-B95D-D74912F13CF4}"/>
+              </a:ext>
+            </a:extLst>
+          </p:cNvPr>
+          <p:cNvGrpSpPr/>
+          <p:nvPr/>
+        </p:nvGrpSpPr>
+        <p:grpSpPr>
+          <a:xfrm>
+            <a:off x="794657" y="457200"/>
+            <a:ext cx="5812972" cy="5812972"/>
+            <a:chOff x="794657" y="457200"/>
+            <a:chExt cx="5812972" cy="5812972"/>
+          </a:xfrm>
+        </p:grpSpPr>
+        <p:sp>
+          <p:nvSpPr>
+            <p:cNvPr id="6" name="矩形 5">
+              <a:extLst>
+                <a:ext uri="{FF2B5EF4-FFF2-40B4-BE49-F238E27FC236}">
+                  <a16:creationId xmlns:a16="http://schemas.microsoft.com/office/drawing/2014/main" id="{F5A1AC32-00C0-C043-AE69-D58FABE23C6D}"/>
+                </a:ext>
+              </a:extLst>
+            </p:cNvPr>
+            <p:cNvSpPr/>
+            <p:nvPr/>
+          </p:nvSpPr>
+          <p:spPr>
+            <a:xfrm>
+              <a:off x="794657" y="457200"/>
+              <a:ext cx="5812972" cy="5812972"/>
+            </a:xfrm>
+            <a:prstGeom prst="rect">
+              <a:avLst/>
+            </a:prstGeom>
+            <a:noFill/>
+            <a:ln w="25400">
+              <a:solidFill>
+                <a:schemeClr val="tx2"/>
+              </a:solidFill>
+            </a:ln>
+            <a:effectLst>
+              <a:glow rad="101600">
+                <a:schemeClr val="accent3">
+                  <a:satMod val="175000"/>
+                  <a:alpha val="40000"/>
+                </a:schemeClr>
+              </a:glow>
+            </a:effectLst>
+          </p:spPr>
+          <p:style>
+            <a:lnRef idx="2">
+              <a:schemeClr val="accent1">
+                <a:shade val="50000"/>
+              </a:schemeClr>
+            </a:lnRef>
+            <a:fillRef idx="1">
+              <a:schemeClr val="accent1"/>
+            </a:fillRef>
+            <a:effectRef idx="0">
+              <a:schemeClr val="accent1"/>
+            </a:effectRef>
+            <a:fontRef idx="minor">
+              <a:schemeClr val="lt1"/>
+            </a:fontRef>
+          </p:style>
+          <p:txBody>
+            <a:bodyPr rtlCol="0" anchor="ctr"/>
+            <a:lstStyle/>
+            <a:p>
+              <a:pPr algn="ctr"/>
+              <a:endParaRPr kumimoji="1" lang="zh-CN" altLang="en-US"/>
+            </a:p>
+          </p:txBody>
+        </p:sp>
+        <p:grpSp>
+          <p:nvGrpSpPr>
+            <p:cNvPr id="4" name="组合 3">
+              <a:extLst>
+                <a:ext uri="{FF2B5EF4-FFF2-40B4-BE49-F238E27FC236}">
+                  <a16:creationId xmlns:a16="http://schemas.microsoft.com/office/drawing/2014/main" id="{C3CC598E-A687-634D-98C5-F22F91FAF8F0}"/>
+                </a:ext>
+              </a:extLst>
+            </p:cNvPr>
+            <p:cNvGrpSpPr/>
+            <p:nvPr/>
+          </p:nvGrpSpPr>
+          <p:grpSpPr>
+            <a:xfrm rot="2700000">
+              <a:off x="967683" y="2528521"/>
+              <a:ext cx="5479767" cy="1663908"/>
+              <a:chOff x="1309532" y="2597046"/>
+              <a:chExt cx="4783216" cy="1663908"/>
+            </a:xfrm>
+            <a:solidFill>
+              <a:schemeClr val="tx2"/>
+            </a:solidFill>
+          </p:grpSpPr>
+          <p:sp>
+            <p:nvSpPr>
+              <p:cNvPr id="3" name="左箭头 2">
+                <a:extLst>
+                  <a:ext uri="{FF2B5EF4-FFF2-40B4-BE49-F238E27FC236}">
+                    <a16:creationId xmlns:a16="http://schemas.microsoft.com/office/drawing/2014/main" id="{1BA89EC1-F91B-534B-B209-8CEFC1563AD6}"/>
+                  </a:ext>
+                </a:extLst>
+              </p:cNvPr>
+              <p:cNvSpPr/>
+              <p:nvPr/>
+            </p:nvSpPr>
+            <p:spPr>
+              <a:xfrm>
+                <a:off x="1309532" y="2597046"/>
+                <a:ext cx="3642610" cy="1663908"/>
+              </a:xfrm>
+              <a:prstGeom prst="leftArrow">
+                <a:avLst>
+                  <a:gd name="adj1" fmla="val 50000"/>
+                  <a:gd name="adj2" fmla="val 79730"/>
+                </a:avLst>
+              </a:prstGeom>
+              <a:grpFill/>
+              <a:ln>
+                <a:noFill/>
+              </a:ln>
+            </p:spPr>
+            <p:style>
+              <a:lnRef idx="2">
+                <a:schemeClr val="accent1">
+                  <a:shade val="50000"/>
+                </a:schemeClr>
+              </a:lnRef>
+              <a:fillRef idx="1">
+                <a:schemeClr val="accent1"/>
+              </a:fillRef>
+              <a:effectRef idx="0">
+                <a:schemeClr val="accent1"/>
+              </a:effectRef>
+              <a:fontRef idx="minor">
+                <a:schemeClr val="lt1"/>
+              </a:fontRef>
+            </p:style>
+            <p:txBody>
+              <a:bodyPr rtlCol="0" anchor="ctr"/>
+              <a:lstStyle/>
+              <a:p>
+                <a:pPr algn="ctr"/>
+                <a:endParaRPr kumimoji="1" lang="zh-CN" altLang="en-US"/>
+              </a:p>
+            </p:txBody>
+          </p:sp>
+          <p:sp>
+            <p:nvSpPr>
+              <p:cNvPr id="7" name="左箭头 6">
+                <a:extLst>
+                  <a:ext uri="{FF2B5EF4-FFF2-40B4-BE49-F238E27FC236}">
+                    <a16:creationId xmlns:a16="http://schemas.microsoft.com/office/drawing/2014/main" id="{D34D9AEF-5CA8-FE4C-9FD8-D311FCADC20B}"/>
+                  </a:ext>
+                </a:extLst>
+              </p:cNvPr>
+              <p:cNvSpPr/>
+              <p:nvPr/>
+            </p:nvSpPr>
+            <p:spPr>
+              <a:xfrm rot="10800000">
+                <a:off x="2450138" y="2597046"/>
+                <a:ext cx="3642610" cy="1663908"/>
+              </a:xfrm>
+              <a:prstGeom prst="leftArrow">
+                <a:avLst>
+                  <a:gd name="adj1" fmla="val 50000"/>
+                  <a:gd name="adj2" fmla="val 79730"/>
+                </a:avLst>
+              </a:prstGeom>
+              <a:grpFill/>
+              <a:ln>
+                <a:noFill/>
+              </a:ln>
+            </p:spPr>
+            <p:style>
+              <a:lnRef idx="2">
+                <a:schemeClr val="accent1">
+                  <a:shade val="50000"/>
+                </a:schemeClr>
+              </a:lnRef>
+              <a:fillRef idx="1">
+                <a:schemeClr val="accent1"/>
+              </a:fillRef>
+              <a:effectRef idx="0">
+                <a:schemeClr val="accent1"/>
+              </a:effectRef>
+              <a:fontRef idx="minor">
+                <a:schemeClr val="lt1"/>
+              </a:fontRef>
+            </p:style>
+            <p:txBody>
+              <a:bodyPr rtlCol="0" anchor="ctr"/>
+              <a:lstStyle/>
+              <a:p>
+                <a:pPr algn="ctr"/>
+                <a:endParaRPr kumimoji="1" lang="zh-CN" altLang="en-US"/>
+              </a:p>
+            </p:txBody>
+          </p:sp>
+        </p:grpSp>
+        <p:grpSp>
+          <p:nvGrpSpPr>
+            <p:cNvPr id="14" name="组合 13">
+              <a:extLst>
+                <a:ext uri="{FF2B5EF4-FFF2-40B4-BE49-F238E27FC236}">
+                  <a16:creationId xmlns:a16="http://schemas.microsoft.com/office/drawing/2014/main" id="{7BB99D0F-C41F-CB42-838D-EE29BD778DEE}"/>
+                </a:ext>
+              </a:extLst>
+            </p:cNvPr>
+            <p:cNvGrpSpPr/>
+            <p:nvPr/>
+          </p:nvGrpSpPr>
+          <p:grpSpPr>
+            <a:xfrm rot="-2700000">
+              <a:off x="967683" y="2531731"/>
+              <a:ext cx="5479767" cy="1663908"/>
+              <a:chOff x="1309532" y="2597046"/>
+              <a:chExt cx="4783216" cy="1663908"/>
+            </a:xfrm>
+            <a:solidFill>
+              <a:schemeClr val="tx2"/>
+            </a:solidFill>
+          </p:grpSpPr>
+          <p:sp>
+            <p:nvSpPr>
+              <p:cNvPr id="15" name="左箭头 14">
+                <a:extLst>
+                  <a:ext uri="{FF2B5EF4-FFF2-40B4-BE49-F238E27FC236}">
+                    <a16:creationId xmlns:a16="http://schemas.microsoft.com/office/drawing/2014/main" id="{FD04DBFD-BD14-2B49-A051-AECDCD134EC2}"/>
+                  </a:ext>
+                </a:extLst>
+              </p:cNvPr>
+              <p:cNvSpPr/>
+              <p:nvPr/>
+            </p:nvSpPr>
+            <p:spPr>
+              <a:xfrm>
+                <a:off x="1309532" y="2597046"/>
+                <a:ext cx="3642610" cy="1663908"/>
+              </a:xfrm>
+              <a:prstGeom prst="leftArrow">
+                <a:avLst>
+                  <a:gd name="adj1" fmla="val 50000"/>
+                  <a:gd name="adj2" fmla="val 79730"/>
+                </a:avLst>
+              </a:prstGeom>
+              <a:grpFill/>
+              <a:ln>
+                <a:noFill/>
+              </a:ln>
+            </p:spPr>
+            <p:style>
+              <a:lnRef idx="2">
+                <a:schemeClr val="accent1">
+                  <a:shade val="50000"/>
+                </a:schemeClr>
+              </a:lnRef>
+              <a:fillRef idx="1">
+                <a:schemeClr val="accent1"/>
+              </a:fillRef>
+              <a:effectRef idx="0">
+                <a:schemeClr val="accent1"/>
+              </a:effectRef>
+              <a:fontRef idx="minor">
+                <a:schemeClr val="lt1"/>
+              </a:fontRef>
+            </p:style>
+            <p:txBody>
+              <a:bodyPr rtlCol="0" anchor="ctr"/>
+              <a:lstStyle/>
+              <a:p>
+                <a:pPr algn="ctr"/>
+                <a:endParaRPr kumimoji="1" lang="zh-CN" altLang="en-US"/>
+              </a:p>
+            </p:txBody>
+          </p:sp>
+          <p:sp>
+            <p:nvSpPr>
+              <p:cNvPr id="16" name="左箭头 15">
+                <a:extLst>
+                  <a:ext uri="{FF2B5EF4-FFF2-40B4-BE49-F238E27FC236}">
+                    <a16:creationId xmlns:a16="http://schemas.microsoft.com/office/drawing/2014/main" id="{63285F2B-FC87-184B-BC89-0873E7E14375}"/>
+                  </a:ext>
+                </a:extLst>
+              </p:cNvPr>
+              <p:cNvSpPr/>
+              <p:nvPr/>
+            </p:nvSpPr>
+            <p:spPr>
+              <a:xfrm rot="10800000">
+                <a:off x="2450138" y="2597046"/>
+                <a:ext cx="3642610" cy="1663908"/>
+              </a:xfrm>
+              <a:prstGeom prst="leftArrow">
+                <a:avLst>
+                  <a:gd name="adj1" fmla="val 50000"/>
+                  <a:gd name="adj2" fmla="val 79730"/>
+                </a:avLst>
+              </a:prstGeom>
+              <a:grpFill/>
+              <a:ln>
+                <a:noFill/>
+              </a:ln>
+            </p:spPr>
+            <p:style>
+              <a:lnRef idx="2">
+                <a:schemeClr val="accent1">
+                  <a:shade val="50000"/>
+                </a:schemeClr>
+              </a:lnRef>
+              <a:fillRef idx="1">
+                <a:schemeClr val="accent1"/>
+              </a:fillRef>
+              <a:effectRef idx="0">
+                <a:schemeClr val="accent1"/>
+              </a:effectRef>
+              <a:fontRef idx="minor">
+                <a:schemeClr val="lt1"/>
+              </a:fontRef>
+            </p:style>
+            <p:txBody>
+              <a:bodyPr rtlCol="0" anchor="ctr"/>
+              <a:lstStyle/>
+              <a:p>
+                <a:pPr algn="ctr"/>
+                <a:endParaRPr kumimoji="1" lang="zh-CN" altLang="en-US"/>
+              </a:p>
+            </p:txBody>
+          </p:sp>
+        </p:grpSp>
+      </p:grpSp>
+    </p:spTree>
+    <p:extLst>
+      <p:ext uri="{BB962C8B-B14F-4D97-AF65-F5344CB8AC3E}">
+        <p14:creationId xmlns:p14="http://schemas.microsoft.com/office/powerpoint/2010/main" val="3996089321"/>
+      </p:ext>
+    </p:extLst>
+  </p:cSld>
+  <p:clrMapOvr>
+    <a:masterClrMapping/>
+  </p:clrMapOvr>
+</p:sld>
+</file>
+
+<file path=ppt/slides/slide9.xml><?xml version="1.0" encoding="utf-8"?>
+<p:sld xmlns:a="http://schemas.openxmlformats.org/drawingml/2006/main" xmlns:r="http://schemas.openxmlformats.org/officeDocument/2006/relationships" xmlns:p="http://schemas.openxmlformats.org/presentationml/2006/main">
+  <p:cSld>
+    <p:spTree>
+      <p:nvGrpSpPr>
+        <p:cNvPr id="1" name=""/>
+        <p:cNvGrpSpPr/>
+        <p:nvPr/>
+      </p:nvGrpSpPr>
+      <p:grpSpPr>
+        <a:xfrm>
+          <a:off x="0" y="0"/>
+          <a:ext cx="0" cy="0"/>
+          <a:chOff x="0" y="0"/>
+          <a:chExt cx="0" cy="0"/>
+        </a:xfrm>
+      </p:grpSpPr>
+      <p:sp>
+        <p:nvSpPr>
+          <p:cNvPr id="5" name="文本框 4">
+            <a:extLst>
+              <a:ext uri="{FF2B5EF4-FFF2-40B4-BE49-F238E27FC236}">
+                <a16:creationId xmlns:a16="http://schemas.microsoft.com/office/drawing/2014/main" id="{0002241C-DE23-3C4B-991F-64F962F8E7D5}"/>
+              </a:ext>
+            </a:extLst>
+          </p:cNvPr>
+          <p:cNvSpPr txBox="1"/>
+          <p:nvPr/>
+        </p:nvSpPr>
+        <p:spPr>
+          <a:xfrm>
+            <a:off x="8184916" y="1508584"/>
+            <a:ext cx="1936749" cy="369332"/>
+          </a:xfrm>
+          <a:prstGeom prst="rect">
+            <a:avLst/>
+          </a:prstGeom>
+          <a:noFill/>
+        </p:spPr>
+        <p:txBody>
+          <a:bodyPr wrap="none" rtlCol="0">
+            <a:spAutoFit/>
+          </a:bodyPr>
+          <a:lstStyle/>
+          <a:p>
+            <a:r>
+              <a:rPr kumimoji="1" lang="en-US" altLang="zh-CN" dirty="0"/>
+              <a:t>Diagonal Remove</a:t>
+            </a:r>
+          </a:p>
+        </p:txBody>
+      </p:sp>
+      <p:grpSp>
+        <p:nvGrpSpPr>
+          <p:cNvPr id="30" name="组合 29">
+            <a:extLst>
+              <a:ext uri="{FF2B5EF4-FFF2-40B4-BE49-F238E27FC236}">
+                <a16:creationId xmlns:a16="http://schemas.microsoft.com/office/drawing/2014/main" id="{BA7D2917-8A3B-544B-AC24-87B6E8FFB64E}"/>
+              </a:ext>
+            </a:extLst>
+          </p:cNvPr>
+          <p:cNvGrpSpPr/>
+          <p:nvPr/>
+        </p:nvGrpSpPr>
+        <p:grpSpPr>
+          <a:xfrm>
+            <a:off x="794657" y="457200"/>
+            <a:ext cx="5812972" cy="5812972"/>
+            <a:chOff x="794657" y="457200"/>
+            <a:chExt cx="5812972" cy="5812972"/>
+          </a:xfrm>
+        </p:grpSpPr>
+        <p:sp>
+          <p:nvSpPr>
+            <p:cNvPr id="6" name="矩形 5">
+              <a:extLst>
+                <a:ext uri="{FF2B5EF4-FFF2-40B4-BE49-F238E27FC236}">
+                  <a16:creationId xmlns:a16="http://schemas.microsoft.com/office/drawing/2014/main" id="{F5A1AC32-00C0-C043-AE69-D58FABE23C6D}"/>
+                </a:ext>
+              </a:extLst>
+            </p:cNvPr>
+            <p:cNvSpPr/>
+            <p:nvPr/>
+          </p:nvSpPr>
+          <p:spPr>
+            <a:xfrm>
+              <a:off x="794657" y="457200"/>
+              <a:ext cx="5812972" cy="5812972"/>
+            </a:xfrm>
+            <a:prstGeom prst="rect">
+              <a:avLst/>
+            </a:prstGeom>
+            <a:noFill/>
+            <a:ln w="25400">
+              <a:solidFill>
+                <a:schemeClr val="tx2"/>
+              </a:solidFill>
+            </a:ln>
+            <a:effectLst>
+              <a:glow rad="101600">
+                <a:schemeClr val="accent3">
+                  <a:satMod val="175000"/>
+                  <a:alpha val="40000"/>
+                </a:schemeClr>
+              </a:glow>
+            </a:effectLst>
+          </p:spPr>
+          <p:style>
+            <a:lnRef idx="2">
+              <a:schemeClr val="accent1">
+                <a:shade val="50000"/>
+              </a:schemeClr>
+            </a:lnRef>
+            <a:fillRef idx="1">
+              <a:schemeClr val="accent1"/>
+            </a:fillRef>
+            <a:effectRef idx="0">
+              <a:schemeClr val="accent1"/>
+            </a:effectRef>
+            <a:fontRef idx="minor">
+              <a:schemeClr val="lt1"/>
+            </a:fontRef>
+          </p:style>
+          <p:txBody>
+            <a:bodyPr rtlCol="0" anchor="ctr"/>
+            <a:lstStyle/>
+            <a:p>
+              <a:pPr algn="ctr"/>
+              <a:endParaRPr kumimoji="1" lang="zh-CN" altLang="en-US"/>
+            </a:p>
+          </p:txBody>
+        </p:sp>
+        <p:cxnSp>
+          <p:nvCxnSpPr>
+            <p:cNvPr id="10" name="直线连接符 9">
+              <a:extLst>
+                <a:ext uri="{FF2B5EF4-FFF2-40B4-BE49-F238E27FC236}">
+                  <a16:creationId xmlns:a16="http://schemas.microsoft.com/office/drawing/2014/main" id="{0B5B7A59-8E08-1945-AE4F-068B54A16FE1}"/>
+                </a:ext>
+              </a:extLst>
+            </p:cNvPr>
+            <p:cNvCxnSpPr>
+              <a:cxnSpLocks/>
+            </p:cNvCxnSpPr>
+            <p:nvPr/>
+          </p:nvCxnSpPr>
+          <p:spPr>
+            <a:xfrm>
+              <a:off x="1693484" y="1362180"/>
+              <a:ext cx="4003012" cy="4003012"/>
+            </a:xfrm>
+            <a:prstGeom prst="line">
+              <a:avLst/>
+            </a:prstGeom>
+            <a:ln w="101600">
+              <a:solidFill>
+                <a:schemeClr val="tx2"/>
+              </a:solidFill>
+            </a:ln>
+          </p:spPr>
+          <p:style>
+            <a:lnRef idx="1">
+              <a:schemeClr val="accent1"/>
+            </a:lnRef>
+            <a:fillRef idx="0">
+              <a:schemeClr val="accent1"/>
+            </a:fillRef>
+            <a:effectRef idx="0">
+              <a:schemeClr val="accent1"/>
+            </a:effectRef>
+            <a:fontRef idx="minor">
+              <a:schemeClr val="tx1"/>
+            </a:fontRef>
+          </p:style>
+        </p:cxnSp>
+        <p:cxnSp>
+          <p:nvCxnSpPr>
+            <p:cNvPr id="19" name="直线连接符 18">
+              <a:extLst>
+                <a:ext uri="{FF2B5EF4-FFF2-40B4-BE49-F238E27FC236}">
+                  <a16:creationId xmlns:a16="http://schemas.microsoft.com/office/drawing/2014/main" id="{3D6EA56B-08B3-9740-97D1-2021D9A55B51}"/>
+                </a:ext>
+              </a:extLst>
+            </p:cNvPr>
+            <p:cNvCxnSpPr>
+              <a:cxnSpLocks/>
+            </p:cNvCxnSpPr>
+            <p:nvPr/>
+          </p:nvCxnSpPr>
+          <p:spPr>
+            <a:xfrm>
+              <a:off x="2092988" y="1362180"/>
+              <a:ext cx="3599564" cy="3599564"/>
+            </a:xfrm>
+            <a:prstGeom prst="line">
+              <a:avLst/>
+            </a:prstGeom>
+            <a:ln w="101600">
+              <a:solidFill>
+                <a:schemeClr val="tx2"/>
+              </a:solidFill>
+            </a:ln>
+          </p:spPr>
+          <p:style>
+            <a:lnRef idx="1">
+              <a:schemeClr val="accent1"/>
+            </a:lnRef>
+            <a:fillRef idx="0">
+              <a:schemeClr val="accent1"/>
+            </a:fillRef>
+            <a:effectRef idx="0">
+              <a:schemeClr val="accent1"/>
+            </a:effectRef>
+            <a:fontRef idx="minor">
+              <a:schemeClr val="tx1"/>
+            </a:fontRef>
+          </p:style>
+        </p:cxnSp>
+        <p:cxnSp>
+          <p:nvCxnSpPr>
+            <p:cNvPr id="24" name="直线连接符 23">
+              <a:extLst>
+                <a:ext uri="{FF2B5EF4-FFF2-40B4-BE49-F238E27FC236}">
+                  <a16:creationId xmlns:a16="http://schemas.microsoft.com/office/drawing/2014/main" id="{86E56D25-F7AE-8C4C-84F9-7C4D2B534EE5}"/>
+                </a:ext>
+              </a:extLst>
+            </p:cNvPr>
+            <p:cNvCxnSpPr>
+              <a:cxnSpLocks/>
+            </p:cNvCxnSpPr>
+            <p:nvPr/>
+          </p:nvCxnSpPr>
+          <p:spPr>
+            <a:xfrm>
+              <a:off x="1693484" y="1763656"/>
+              <a:ext cx="3599564" cy="3599564"/>
+            </a:xfrm>
+            <a:prstGeom prst="line">
+              <a:avLst/>
+            </a:prstGeom>
+            <a:ln w="101600">
+              <a:solidFill>
+                <a:schemeClr val="tx2"/>
+              </a:solidFill>
+            </a:ln>
+          </p:spPr>
+          <p:style>
+            <a:lnRef idx="1">
+              <a:schemeClr val="accent1"/>
+            </a:lnRef>
+            <a:fillRef idx="0">
+              <a:schemeClr val="accent1"/>
+            </a:fillRef>
+            <a:effectRef idx="0">
+              <a:schemeClr val="accent1"/>
+            </a:effectRef>
+            <a:fontRef idx="minor">
+              <a:schemeClr val="tx1"/>
+            </a:fontRef>
+          </p:style>
+        </p:cxnSp>
+        <p:cxnSp>
+          <p:nvCxnSpPr>
+            <p:cNvPr id="26" name="直线连接符 25">
+              <a:extLst>
+                <a:ext uri="{FF2B5EF4-FFF2-40B4-BE49-F238E27FC236}">
+                  <a16:creationId xmlns:a16="http://schemas.microsoft.com/office/drawing/2014/main" id="{F16A42E8-43EC-9942-9ADF-BDE62A667AAD}"/>
+                </a:ext>
+              </a:extLst>
+            </p:cNvPr>
+            <p:cNvCxnSpPr>
+              <a:cxnSpLocks/>
+            </p:cNvCxnSpPr>
+            <p:nvPr/>
+          </p:nvCxnSpPr>
+          <p:spPr>
+            <a:xfrm rot="5400000">
+              <a:off x="1689540" y="1362180"/>
+              <a:ext cx="4003012" cy="4003012"/>
+            </a:xfrm>
+            <a:prstGeom prst="line">
+              <a:avLst/>
+            </a:prstGeom>
+            <a:ln w="101600">
+              <a:solidFill>
+                <a:schemeClr val="tx2"/>
+              </a:solidFill>
+            </a:ln>
+          </p:spPr>
+          <p:style>
+            <a:lnRef idx="1">
+              <a:schemeClr val="accent1"/>
+            </a:lnRef>
+            <a:fillRef idx="0">
+              <a:schemeClr val="accent1"/>
+            </a:fillRef>
+            <a:effectRef idx="0">
+              <a:schemeClr val="accent1"/>
+            </a:effectRef>
+            <a:fontRef idx="minor">
+              <a:schemeClr val="tx1"/>
+            </a:fontRef>
+          </p:style>
+        </p:cxnSp>
+        <p:cxnSp>
+          <p:nvCxnSpPr>
+            <p:cNvPr id="27" name="直线连接符 26">
+              <a:extLst>
+                <a:ext uri="{FF2B5EF4-FFF2-40B4-BE49-F238E27FC236}">
+                  <a16:creationId xmlns:a16="http://schemas.microsoft.com/office/drawing/2014/main" id="{3B8B3BB4-E776-4541-A508-BDAC06301FEF}"/>
+                </a:ext>
+              </a:extLst>
+            </p:cNvPr>
+            <p:cNvCxnSpPr>
+              <a:cxnSpLocks/>
+            </p:cNvCxnSpPr>
+            <p:nvPr/>
+          </p:nvCxnSpPr>
+          <p:spPr>
+            <a:xfrm rot="5400000">
+              <a:off x="2152948" y="1761684"/>
+              <a:ext cx="3599564" cy="3599564"/>
+            </a:xfrm>
+            <a:prstGeom prst="line">
+              <a:avLst/>
+            </a:prstGeom>
+            <a:ln w="101600">
+              <a:solidFill>
+                <a:schemeClr val="tx2"/>
+              </a:solidFill>
+            </a:ln>
+          </p:spPr>
+          <p:style>
+            <a:lnRef idx="1">
+              <a:schemeClr val="accent1"/>
+            </a:lnRef>
+            <a:fillRef idx="0">
+              <a:schemeClr val="accent1"/>
+            </a:fillRef>
+            <a:effectRef idx="0">
+              <a:schemeClr val="accent1"/>
+            </a:effectRef>
+            <a:fontRef idx="minor">
+              <a:schemeClr val="tx1"/>
+            </a:fontRef>
+          </p:style>
+        </p:cxnSp>
+        <p:cxnSp>
+          <p:nvCxnSpPr>
+            <p:cNvPr id="28" name="直线连接符 27">
+              <a:extLst>
+                <a:ext uri="{FF2B5EF4-FFF2-40B4-BE49-F238E27FC236}">
+                  <a16:creationId xmlns:a16="http://schemas.microsoft.com/office/drawing/2014/main" id="{5FCCD7AF-CF41-7E46-A608-57E2E7DA6336}"/>
+                </a:ext>
+              </a:extLst>
+            </p:cNvPr>
+            <p:cNvCxnSpPr>
+              <a:cxnSpLocks/>
+            </p:cNvCxnSpPr>
+            <p:nvPr/>
+          </p:nvCxnSpPr>
+          <p:spPr>
+            <a:xfrm rot="5400000">
+              <a:off x="1676522" y="1362180"/>
+              <a:ext cx="3599564" cy="3599564"/>
+            </a:xfrm>
+            <a:prstGeom prst="line">
+              <a:avLst/>
+            </a:prstGeom>
+            <a:ln w="101600">
+              <a:solidFill>
+                <a:schemeClr val="tx2"/>
+              </a:solidFill>
+            </a:ln>
+          </p:spPr>
+          <p:style>
+            <a:lnRef idx="1">
+              <a:schemeClr val="accent1"/>
+            </a:lnRef>
+            <a:fillRef idx="0">
+              <a:schemeClr val="accent1"/>
+            </a:fillRef>
+            <a:effectRef idx="0">
+              <a:schemeClr val="accent1"/>
+            </a:effectRef>
+            <a:fontRef idx="minor">
+              <a:schemeClr val="tx1"/>
+            </a:fontRef>
+          </p:style>
+        </p:cxnSp>
+      </p:grpSp>
+    </p:spTree>
+    <p:extLst>
+      <p:ext uri="{BB962C8B-B14F-4D97-AF65-F5344CB8AC3E}">
+        <p14:creationId xmlns:p14="http://schemas.microsoft.com/office/powerpoint/2010/main" val="2087247895"/>
+      </p:ext>
+    </p:extLst>
+  </p:cSld>
+  <p:clrMapOvr>
+    <a:masterClrMapping/>
+  </p:clrMapOvr>
+</p:sld>
+</file>
+
 <file path=ppt/theme/theme1.xml><?xml version="1.0" encoding="utf-8"?>
 <a:theme xmlns:a="http://schemas.openxmlformats.org/drawingml/2006/main" name="Office 主题​​">
   <a:themeElements>
